--- a/src/06-OopFp/06-OopFp.pptx
+++ b/src/06-OopFp/06-OopFp.pptx
@@ -6,31 +6,38 @@
   </p:sldMasterIdLst>
   <p:sldIdLst>
     <p:sldId id="256" r:id="rId2"/>
-    <p:sldId id="257" r:id="rId3"/>
-    <p:sldId id="259" r:id="rId4"/>
-    <p:sldId id="260" r:id="rId5"/>
-    <p:sldId id="261" r:id="rId6"/>
-    <p:sldId id="262" r:id="rId7"/>
-    <p:sldId id="264" r:id="rId8"/>
-    <p:sldId id="265" r:id="rId9"/>
-    <p:sldId id="266" r:id="rId10"/>
-    <p:sldId id="263" r:id="rId11"/>
-    <p:sldId id="267" r:id="rId12"/>
-    <p:sldId id="268" r:id="rId13"/>
-    <p:sldId id="269" r:id="rId14"/>
-    <p:sldId id="273" r:id="rId15"/>
-    <p:sldId id="274" r:id="rId16"/>
-    <p:sldId id="275" r:id="rId17"/>
-    <p:sldId id="277" r:id="rId18"/>
-    <p:sldId id="276" r:id="rId19"/>
-    <p:sldId id="278" r:id="rId20"/>
-    <p:sldId id="279" r:id="rId21"/>
-    <p:sldId id="280" r:id="rId22"/>
-    <p:sldId id="281" r:id="rId23"/>
-    <p:sldId id="282" r:id="rId24"/>
-    <p:sldId id="283" r:id="rId25"/>
-    <p:sldId id="272" r:id="rId26"/>
-    <p:sldId id="258" r:id="rId27"/>
+    <p:sldId id="259" r:id="rId3"/>
+    <p:sldId id="260" r:id="rId4"/>
+    <p:sldId id="261" r:id="rId5"/>
+    <p:sldId id="262" r:id="rId6"/>
+    <p:sldId id="264" r:id="rId7"/>
+    <p:sldId id="265" r:id="rId8"/>
+    <p:sldId id="266" r:id="rId9"/>
+    <p:sldId id="263" r:id="rId10"/>
+    <p:sldId id="267" r:id="rId11"/>
+    <p:sldId id="268" r:id="rId12"/>
+    <p:sldId id="269" r:id="rId13"/>
+    <p:sldId id="273" r:id="rId14"/>
+    <p:sldId id="274" r:id="rId15"/>
+    <p:sldId id="275" r:id="rId16"/>
+    <p:sldId id="277" r:id="rId17"/>
+    <p:sldId id="276" r:id="rId18"/>
+    <p:sldId id="278" r:id="rId19"/>
+    <p:sldId id="279" r:id="rId20"/>
+    <p:sldId id="280" r:id="rId21"/>
+    <p:sldId id="281" r:id="rId22"/>
+    <p:sldId id="282" r:id="rId23"/>
+    <p:sldId id="283" r:id="rId24"/>
+    <p:sldId id="284" r:id="rId25"/>
+    <p:sldId id="285" r:id="rId26"/>
+    <p:sldId id="286" r:id="rId27"/>
+    <p:sldId id="289" r:id="rId28"/>
+    <p:sldId id="287" r:id="rId29"/>
+    <p:sldId id="288" r:id="rId30"/>
+    <p:sldId id="290" r:id="rId31"/>
+    <p:sldId id="291" r:id="rId32"/>
+    <p:sldId id="272" r:id="rId33"/>
+    <p:sldId id="258" r:id="rId34"/>
   </p:sldIdLst>
   <p:sldSz cx="12192000" cy="6858000"/>
   <p:notesSz cx="6858000" cy="9144000"/>
@@ -135,10 +142,9 @@
         <p14:section name="Default Section" id="{9350FB1C-05BD-4CC9-9543-82B9E00A83A4}">
           <p14:sldIdLst>
             <p14:sldId id="256"/>
-            <p14:sldId id="257"/>
           </p14:sldIdLst>
         </p14:section>
-        <p14:section name="Main" id="{8F8D4F5C-E069-4925-8D8C-57840FE03CC9}">
+        <p14:section name="OOP" id="{8F8D4F5C-E069-4925-8D8C-57840FE03CC9}">
           <p14:sldIdLst>
             <p14:sldId id="259"/>
             <p14:sldId id="260"/>
@@ -162,6 +168,18 @@
             <p14:sldId id="281"/>
             <p14:sldId id="282"/>
             <p14:sldId id="283"/>
+            <p14:sldId id="284"/>
+            <p14:sldId id="285"/>
+            <p14:sldId id="286"/>
+            <p14:sldId id="289"/>
+            <p14:sldId id="287"/>
+            <p14:sldId id="288"/>
+          </p14:sldIdLst>
+        </p14:section>
+        <p14:section name="FP" id="{FA5BB94D-3D24-45B7-B118-1033918433B8}">
+          <p14:sldIdLst>
+            <p14:sldId id="290"/>
+            <p14:sldId id="291"/>
           </p14:sldIdLst>
         </p14:section>
         <p14:section name="Fun" id="{30B67394-23C0-487B-96B2-8274E0AB6010}">
@@ -1283,7 +1301,7 @@
           <a:p>
             <a:fld id="{EFAAC8F1-21AA-47EF-82D9-7929EA07D29D}" type="datetimeFigureOut">
               <a:rPr lang="ru-RU" smtClean="0"/>
-              <a:t>27.02.2023</a:t>
+              <a:t>01.03.2023</a:t>
             </a:fld>
             <a:endParaRPr lang="ru-RU"/>
           </a:p>
@@ -1483,7 +1501,7 @@
           <a:p>
             <a:fld id="{EFAAC8F1-21AA-47EF-82D9-7929EA07D29D}" type="datetimeFigureOut">
               <a:rPr lang="ru-RU" smtClean="0"/>
-              <a:t>27.02.2023</a:t>
+              <a:t>01.03.2023</a:t>
             </a:fld>
             <a:endParaRPr lang="ru-RU"/>
           </a:p>
@@ -1693,7 +1711,7 @@
           <a:p>
             <a:fld id="{EFAAC8F1-21AA-47EF-82D9-7929EA07D29D}" type="datetimeFigureOut">
               <a:rPr lang="ru-RU" smtClean="0"/>
-              <a:t>27.02.2023</a:t>
+              <a:t>01.03.2023</a:t>
             </a:fld>
             <a:endParaRPr lang="ru-RU"/>
           </a:p>
@@ -1893,7 +1911,7 @@
           <a:p>
             <a:fld id="{EFAAC8F1-21AA-47EF-82D9-7929EA07D29D}" type="datetimeFigureOut">
               <a:rPr lang="ru-RU" smtClean="0"/>
-              <a:t>27.02.2023</a:t>
+              <a:t>01.03.2023</a:t>
             </a:fld>
             <a:endParaRPr lang="ru-RU"/>
           </a:p>
@@ -2169,7 +2187,7 @@
           <a:p>
             <a:fld id="{EFAAC8F1-21AA-47EF-82D9-7929EA07D29D}" type="datetimeFigureOut">
               <a:rPr lang="ru-RU" smtClean="0"/>
-              <a:t>27.02.2023</a:t>
+              <a:t>01.03.2023</a:t>
             </a:fld>
             <a:endParaRPr lang="ru-RU"/>
           </a:p>
@@ -2437,7 +2455,7 @@
           <a:p>
             <a:fld id="{EFAAC8F1-21AA-47EF-82D9-7929EA07D29D}" type="datetimeFigureOut">
               <a:rPr lang="ru-RU" smtClean="0"/>
-              <a:t>27.02.2023</a:t>
+              <a:t>01.03.2023</a:t>
             </a:fld>
             <a:endParaRPr lang="ru-RU"/>
           </a:p>
@@ -2852,7 +2870,7 @@
           <a:p>
             <a:fld id="{EFAAC8F1-21AA-47EF-82D9-7929EA07D29D}" type="datetimeFigureOut">
               <a:rPr lang="ru-RU" smtClean="0"/>
-              <a:t>27.02.2023</a:t>
+              <a:t>01.03.2023</a:t>
             </a:fld>
             <a:endParaRPr lang="ru-RU"/>
           </a:p>
@@ -2994,7 +3012,7 @@
           <a:p>
             <a:fld id="{EFAAC8F1-21AA-47EF-82D9-7929EA07D29D}" type="datetimeFigureOut">
               <a:rPr lang="ru-RU" smtClean="0"/>
-              <a:t>27.02.2023</a:t>
+              <a:t>01.03.2023</a:t>
             </a:fld>
             <a:endParaRPr lang="ru-RU"/>
           </a:p>
@@ -3107,7 +3125,7 @@
           <a:p>
             <a:fld id="{EFAAC8F1-21AA-47EF-82D9-7929EA07D29D}" type="datetimeFigureOut">
               <a:rPr lang="ru-RU" smtClean="0"/>
-              <a:t>27.02.2023</a:t>
+              <a:t>01.03.2023</a:t>
             </a:fld>
             <a:endParaRPr lang="ru-RU"/>
           </a:p>
@@ -3420,7 +3438,7 @@
           <a:p>
             <a:fld id="{EFAAC8F1-21AA-47EF-82D9-7929EA07D29D}" type="datetimeFigureOut">
               <a:rPr lang="ru-RU" smtClean="0"/>
-              <a:t>27.02.2023</a:t>
+              <a:t>01.03.2023</a:t>
             </a:fld>
             <a:endParaRPr lang="ru-RU"/>
           </a:p>
@@ -3709,7 +3727,7 @@
           <a:p>
             <a:fld id="{EFAAC8F1-21AA-47EF-82D9-7929EA07D29D}" type="datetimeFigureOut">
               <a:rPr lang="ru-RU" smtClean="0"/>
-              <a:t>27.02.2023</a:t>
+              <a:t>01.03.2023</a:t>
             </a:fld>
             <a:endParaRPr lang="ru-RU"/>
           </a:p>
@@ -3952,7 +3970,7 @@
           <a:p>
             <a:fld id="{EFAAC8F1-21AA-47EF-82D9-7929EA07D29D}" type="datetimeFigureOut">
               <a:rPr lang="ru-RU" smtClean="0"/>
-              <a:t>27.02.2023</a:t>
+              <a:t>01.03.2023</a:t>
             </a:fld>
             <a:endParaRPr lang="ru-RU"/>
           </a:p>
@@ -4468,1275 +4486,6 @@
           <p:cNvPr id="2" name="Title 1">
             <a:extLst>
               <a:ext uri="{FF2B5EF4-FFF2-40B4-BE49-F238E27FC236}">
-                <a16:creationId xmlns:a16="http://schemas.microsoft.com/office/drawing/2014/main" id="{1F2D5459-0277-DC02-47C5-2184C633BCDA}"/>
-              </a:ext>
-            </a:extLst>
-          </p:cNvPr>
-          <p:cNvSpPr>
-            <a:spLocks noGrp="1"/>
-          </p:cNvSpPr>
-          <p:nvPr>
-            <p:ph type="title"/>
-          </p:nvPr>
-        </p:nvSpPr>
-        <p:spPr/>
-        <p:txBody>
-          <a:bodyPr/>
-          <a:lstStyle/>
-          <a:p>
-            <a:r>
-              <a:rPr lang="en-US" dirty="0"/>
-              <a:t>Polymorphism (static)</a:t>
-            </a:r>
-            <a:endParaRPr lang="ru-RU" dirty="0"/>
-          </a:p>
-        </p:txBody>
-      </p:sp>
-      <p:sp>
-        <p:nvSpPr>
-          <p:cNvPr id="5" name="Content Placeholder 4">
-            <a:extLst>
-              <a:ext uri="{FF2B5EF4-FFF2-40B4-BE49-F238E27FC236}">
-                <a16:creationId xmlns:a16="http://schemas.microsoft.com/office/drawing/2014/main" id="{C99E9542-062A-9A36-0E01-83B8A9D1CCE5}"/>
-              </a:ext>
-            </a:extLst>
-          </p:cNvPr>
-          <p:cNvSpPr>
-            <a:spLocks noGrp="1"/>
-          </p:cNvSpPr>
-          <p:nvPr>
-            <p:ph idx="1"/>
-          </p:nvPr>
-        </p:nvSpPr>
-        <p:spPr>
-          <a:xfrm>
-            <a:off x="838200" y="1825624"/>
-            <a:ext cx="10515600" cy="5032375"/>
-          </a:xfrm>
-        </p:spPr>
-        <p:txBody>
-          <a:bodyPr>
-            <a:normAutofit fontScale="92500" lnSpcReduction="20000"/>
-          </a:bodyPr>
-          <a:lstStyle/>
-          <a:p>
-            <a:pPr marL="0" indent="0">
-              <a:buNone/>
-            </a:pPr>
-            <a:r>
-              <a:rPr lang="en-US" dirty="0">
-                <a:solidFill>
-                  <a:srgbClr val="0033B3"/>
-                </a:solidFill>
-                <a:effectLst/>
-                <a:latin typeface="JetBrains Mono"/>
-              </a:rPr>
-              <a:t>trait </a:t>
-            </a:r>
-            <a:r>
-              <a:rPr lang="en-US" dirty="0">
-                <a:solidFill>
-                  <a:srgbClr val="000000"/>
-                </a:solidFill>
-                <a:effectLst/>
-                <a:latin typeface="JetBrains Mono"/>
-              </a:rPr>
-              <a:t>Merchandiser</a:t>
-            </a:r>
-            <a:r>
-              <a:rPr lang="en-US" dirty="0">
-                <a:solidFill>
-                  <a:srgbClr val="080808"/>
-                </a:solidFill>
-                <a:effectLst/>
-                <a:latin typeface="JetBrains Mono"/>
-              </a:rPr>
-              <a:t>: </a:t>
-            </a:r>
-            <a:r>
-              <a:rPr lang="en-US" dirty="0">
-                <a:solidFill>
-                  <a:srgbClr val="000000"/>
-                </a:solidFill>
-                <a:effectLst/>
-                <a:latin typeface="JetBrains Mono"/>
-              </a:rPr>
-              <a:t>Employee </a:t>
-            </a:r>
-            <a:r>
-              <a:rPr lang="en-US" dirty="0">
-                <a:solidFill>
-                  <a:srgbClr val="080808"/>
-                </a:solidFill>
-                <a:effectLst/>
-                <a:latin typeface="JetBrains Mono"/>
-              </a:rPr>
-              <a:t>+ </a:t>
-            </a:r>
-            <a:r>
-              <a:rPr lang="en-US" dirty="0">
-                <a:solidFill>
-                  <a:srgbClr val="000000"/>
-                </a:solidFill>
-                <a:effectLst/>
-                <a:latin typeface="JetBrains Mono"/>
-              </a:rPr>
-              <a:t>Customer</a:t>
-            </a:r>
-          </a:p>
-          <a:p>
-            <a:pPr marL="0" indent="0">
-              <a:buNone/>
-            </a:pPr>
-            <a:endParaRPr lang="en-US" dirty="0">
-              <a:solidFill>
-                <a:srgbClr val="000000"/>
-              </a:solidFill>
-              <a:latin typeface="JetBrains Mono"/>
-            </a:endParaRPr>
-          </a:p>
-          <a:p>
-            <a:pPr marL="0" indent="0">
-              <a:buNone/>
-            </a:pPr>
-            <a:r>
-              <a:rPr lang="en-US" dirty="0" err="1">
-                <a:solidFill>
-                  <a:srgbClr val="0033B3"/>
-                </a:solidFill>
-                <a:effectLst/>
-                <a:latin typeface="JetBrains Mono"/>
-              </a:rPr>
-              <a:t>impl</a:t>
-            </a:r>
-            <a:r>
-              <a:rPr lang="en-US" dirty="0">
-                <a:solidFill>
-                  <a:srgbClr val="0033B3"/>
-                </a:solidFill>
-                <a:effectLst/>
-                <a:latin typeface="JetBrains Mono"/>
-              </a:rPr>
-              <a:t> </a:t>
-            </a:r>
-            <a:r>
-              <a:rPr lang="en-US" dirty="0">
-                <a:solidFill>
-                  <a:srgbClr val="000000"/>
-                </a:solidFill>
-                <a:effectLst/>
-                <a:latin typeface="JetBrains Mono"/>
-              </a:rPr>
-              <a:t>Employee </a:t>
-            </a:r>
-            <a:r>
-              <a:rPr lang="en-US" dirty="0">
-                <a:solidFill>
-                  <a:srgbClr val="0033B3"/>
-                </a:solidFill>
-                <a:effectLst/>
-                <a:latin typeface="JetBrains Mono"/>
-              </a:rPr>
-              <a:t>for </a:t>
-            </a:r>
-            <a:r>
-              <a:rPr lang="en-US" dirty="0" err="1">
-                <a:solidFill>
-                  <a:srgbClr val="000000"/>
-                </a:solidFill>
-                <a:effectLst/>
-                <a:latin typeface="JetBrains Mono"/>
-              </a:rPr>
-              <a:t>MerchandiserImpl</a:t>
-            </a:r>
-            <a:r>
-              <a:rPr lang="en-US" dirty="0">
-                <a:solidFill>
-                  <a:srgbClr val="000000"/>
-                </a:solidFill>
-                <a:effectLst/>
-                <a:latin typeface="JetBrains Mono"/>
-              </a:rPr>
-              <a:t> </a:t>
-            </a:r>
-            <a:r>
-              <a:rPr lang="en-US" dirty="0">
-                <a:solidFill>
-                  <a:srgbClr val="080808"/>
-                </a:solidFill>
-                <a:effectLst/>
-                <a:latin typeface="JetBrains Mono"/>
-              </a:rPr>
-              <a:t>{</a:t>
-            </a:r>
-            <a:br>
-              <a:rPr lang="en-US" dirty="0">
-                <a:solidFill>
-                  <a:srgbClr val="080808"/>
-                </a:solidFill>
-                <a:effectLst/>
-                <a:latin typeface="JetBrains Mono"/>
-              </a:rPr>
-            </a:br>
-            <a:r>
-              <a:rPr lang="en-US" dirty="0">
-                <a:solidFill>
-                  <a:srgbClr val="080808"/>
-                </a:solidFill>
-                <a:effectLst/>
-                <a:latin typeface="JetBrains Mono"/>
-              </a:rPr>
-              <a:t>    </a:t>
-            </a:r>
-            <a:r>
-              <a:rPr lang="en-US" dirty="0" err="1">
-                <a:solidFill>
-                  <a:srgbClr val="0033B3"/>
-                </a:solidFill>
-                <a:effectLst/>
-                <a:latin typeface="JetBrains Mono"/>
-              </a:rPr>
-              <a:t>fn</a:t>
-            </a:r>
-            <a:r>
-              <a:rPr lang="en-US" dirty="0">
-                <a:solidFill>
-                  <a:srgbClr val="0033B3"/>
-                </a:solidFill>
-                <a:effectLst/>
-                <a:latin typeface="JetBrains Mono"/>
-              </a:rPr>
-              <a:t> </a:t>
-            </a:r>
-            <a:r>
-              <a:rPr lang="en-US" dirty="0">
-                <a:solidFill>
-                  <a:srgbClr val="00627A"/>
-                </a:solidFill>
-                <a:effectLst/>
-                <a:latin typeface="JetBrains Mono"/>
-              </a:rPr>
-              <a:t>fire</a:t>
-            </a:r>
-            <a:r>
-              <a:rPr lang="en-US" dirty="0">
-                <a:solidFill>
-                  <a:srgbClr val="080808"/>
-                </a:solidFill>
-                <a:effectLst/>
-                <a:latin typeface="JetBrains Mono"/>
-              </a:rPr>
-              <a:t>(</a:t>
-            </a:r>
-            <a:r>
-              <a:rPr lang="en-US" dirty="0">
-                <a:solidFill>
-                  <a:srgbClr val="0033B3"/>
-                </a:solidFill>
-                <a:effectLst/>
-                <a:latin typeface="JetBrains Mono"/>
-              </a:rPr>
-              <a:t>self</a:t>
-            </a:r>
-            <a:r>
-              <a:rPr lang="en-US" dirty="0">
-                <a:solidFill>
-                  <a:srgbClr val="080808"/>
-                </a:solidFill>
-                <a:effectLst/>
-                <a:latin typeface="JetBrains Mono"/>
-              </a:rPr>
-              <a:t>) { </a:t>
-            </a:r>
-            <a:r>
-              <a:rPr lang="en-US" i="1" dirty="0" err="1">
-                <a:solidFill>
-                  <a:srgbClr val="008DDE"/>
-                </a:solidFill>
-                <a:effectLst/>
-                <a:latin typeface="JetBrains Mono"/>
-              </a:rPr>
-              <a:t>todo</a:t>
-            </a:r>
-            <a:r>
-              <a:rPr lang="en-US" i="1" dirty="0">
-                <a:solidFill>
-                  <a:srgbClr val="008DDE"/>
-                </a:solidFill>
-                <a:effectLst/>
-                <a:latin typeface="JetBrains Mono"/>
-              </a:rPr>
-              <a:t>!() </a:t>
-            </a:r>
-            <a:r>
-              <a:rPr lang="en-US" dirty="0">
-                <a:solidFill>
-                  <a:srgbClr val="080808"/>
-                </a:solidFill>
-                <a:effectLst/>
-                <a:latin typeface="JetBrains Mono"/>
-              </a:rPr>
-              <a:t>}</a:t>
-            </a:r>
-            <a:br>
-              <a:rPr lang="en-US" dirty="0">
-                <a:solidFill>
-                  <a:srgbClr val="080808"/>
-                </a:solidFill>
-                <a:effectLst/>
-                <a:latin typeface="JetBrains Mono"/>
-              </a:rPr>
-            </a:br>
-            <a:r>
-              <a:rPr lang="en-US" dirty="0">
-                <a:solidFill>
-                  <a:srgbClr val="080808"/>
-                </a:solidFill>
-                <a:effectLst/>
-                <a:latin typeface="JetBrains Mono"/>
-              </a:rPr>
-              <a:t>    </a:t>
-            </a:r>
-            <a:r>
-              <a:rPr lang="en-US" dirty="0" err="1">
-                <a:solidFill>
-                  <a:srgbClr val="0033B3"/>
-                </a:solidFill>
-                <a:effectLst/>
-                <a:latin typeface="JetBrains Mono"/>
-              </a:rPr>
-              <a:t>fn</a:t>
-            </a:r>
-            <a:r>
-              <a:rPr lang="en-US" dirty="0">
-                <a:solidFill>
-                  <a:srgbClr val="0033B3"/>
-                </a:solidFill>
-                <a:effectLst/>
-                <a:latin typeface="JetBrains Mono"/>
-              </a:rPr>
-              <a:t> </a:t>
-            </a:r>
-            <a:r>
-              <a:rPr lang="en-US" dirty="0" err="1">
-                <a:solidFill>
-                  <a:srgbClr val="00627A"/>
-                </a:solidFill>
-                <a:effectLst/>
-                <a:latin typeface="JetBrains Mono"/>
-              </a:rPr>
-              <a:t>pay_salary</a:t>
-            </a:r>
-            <a:r>
-              <a:rPr lang="en-US" dirty="0">
-                <a:solidFill>
-                  <a:srgbClr val="080808"/>
-                </a:solidFill>
-                <a:effectLst/>
-                <a:latin typeface="JetBrains Mono"/>
-              </a:rPr>
-              <a:t>(&amp;</a:t>
-            </a:r>
-            <a:r>
-              <a:rPr lang="en-US" dirty="0">
-                <a:solidFill>
-                  <a:srgbClr val="0033B3"/>
-                </a:solidFill>
-                <a:effectLst/>
-                <a:latin typeface="JetBrains Mono"/>
-              </a:rPr>
-              <a:t>mut self</a:t>
-            </a:r>
-            <a:r>
-              <a:rPr lang="en-US" dirty="0">
-                <a:solidFill>
-                  <a:srgbClr val="080808"/>
-                </a:solidFill>
-                <a:effectLst/>
-                <a:latin typeface="JetBrains Mono"/>
-              </a:rPr>
-              <a:t>) { </a:t>
-            </a:r>
-            <a:r>
-              <a:rPr lang="en-US" i="1" dirty="0" err="1">
-                <a:solidFill>
-                  <a:srgbClr val="008DDE"/>
-                </a:solidFill>
-                <a:effectLst/>
-                <a:latin typeface="JetBrains Mono"/>
-              </a:rPr>
-              <a:t>todo</a:t>
-            </a:r>
-            <a:r>
-              <a:rPr lang="en-US" i="1" dirty="0">
-                <a:solidFill>
-                  <a:srgbClr val="008DDE"/>
-                </a:solidFill>
-                <a:effectLst/>
-                <a:latin typeface="JetBrains Mono"/>
-              </a:rPr>
-              <a:t>!() </a:t>
-            </a:r>
-            <a:r>
-              <a:rPr lang="en-US" dirty="0">
-                <a:solidFill>
-                  <a:srgbClr val="080808"/>
-                </a:solidFill>
-                <a:effectLst/>
-                <a:latin typeface="JetBrains Mono"/>
-              </a:rPr>
-              <a:t>}</a:t>
-            </a:r>
-            <a:br>
-              <a:rPr lang="en-US" dirty="0">
-                <a:solidFill>
-                  <a:srgbClr val="080808"/>
-                </a:solidFill>
-                <a:effectLst/>
-                <a:latin typeface="JetBrains Mono"/>
-              </a:rPr>
-            </a:br>
-            <a:r>
-              <a:rPr lang="en-US" dirty="0">
-                <a:solidFill>
-                  <a:srgbClr val="080808"/>
-                </a:solidFill>
-                <a:effectLst/>
-                <a:latin typeface="JetBrains Mono"/>
-              </a:rPr>
-              <a:t>    </a:t>
-            </a:r>
-            <a:r>
-              <a:rPr lang="en-US" dirty="0" err="1">
-                <a:solidFill>
-                  <a:srgbClr val="0033B3"/>
-                </a:solidFill>
-                <a:effectLst/>
-                <a:latin typeface="JetBrains Mono"/>
-              </a:rPr>
-              <a:t>fn</a:t>
-            </a:r>
-            <a:r>
-              <a:rPr lang="en-US" dirty="0">
-                <a:solidFill>
-                  <a:srgbClr val="0033B3"/>
-                </a:solidFill>
-                <a:effectLst/>
-                <a:latin typeface="JetBrains Mono"/>
-              </a:rPr>
-              <a:t> </a:t>
-            </a:r>
-            <a:r>
-              <a:rPr lang="en-US" dirty="0" err="1">
-                <a:solidFill>
-                  <a:srgbClr val="00627A"/>
-                </a:solidFill>
-                <a:effectLst/>
-                <a:latin typeface="JetBrains Mono"/>
-              </a:rPr>
-              <a:t>get_age</a:t>
-            </a:r>
-            <a:r>
-              <a:rPr lang="en-US" dirty="0">
-                <a:solidFill>
-                  <a:srgbClr val="080808"/>
-                </a:solidFill>
-                <a:effectLst/>
-                <a:latin typeface="JetBrains Mono"/>
-              </a:rPr>
-              <a:t>(&amp;</a:t>
-            </a:r>
-            <a:r>
-              <a:rPr lang="en-US" dirty="0">
-                <a:solidFill>
-                  <a:srgbClr val="0033B3"/>
-                </a:solidFill>
-                <a:effectLst/>
-                <a:latin typeface="JetBrains Mono"/>
-              </a:rPr>
-              <a:t>self</a:t>
-            </a:r>
-            <a:r>
-              <a:rPr lang="en-US" dirty="0">
-                <a:solidFill>
-                  <a:srgbClr val="080808"/>
-                </a:solidFill>
-                <a:effectLst/>
-                <a:latin typeface="JetBrains Mono"/>
-              </a:rPr>
-              <a:t>) -&gt; </a:t>
-            </a:r>
-            <a:r>
-              <a:rPr lang="en-US" dirty="0">
-                <a:solidFill>
-                  <a:srgbClr val="0033B3"/>
-                </a:solidFill>
-                <a:effectLst/>
-                <a:latin typeface="JetBrains Mono"/>
-              </a:rPr>
-              <a:t>u8 </a:t>
-            </a:r>
-            <a:r>
-              <a:rPr lang="en-US" dirty="0">
-                <a:solidFill>
-                  <a:srgbClr val="080808"/>
-                </a:solidFill>
-                <a:effectLst/>
-                <a:latin typeface="JetBrains Mono"/>
-              </a:rPr>
-              <a:t>{ </a:t>
-            </a:r>
-            <a:r>
-              <a:rPr lang="en-US" i="1" dirty="0" err="1">
-                <a:solidFill>
-                  <a:srgbClr val="008DDE"/>
-                </a:solidFill>
-                <a:effectLst/>
-                <a:latin typeface="JetBrains Mono"/>
-              </a:rPr>
-              <a:t>todo</a:t>
-            </a:r>
-            <a:r>
-              <a:rPr lang="en-US" i="1" dirty="0">
-                <a:solidFill>
-                  <a:srgbClr val="008DDE"/>
-                </a:solidFill>
-                <a:effectLst/>
-                <a:latin typeface="JetBrains Mono"/>
-              </a:rPr>
-              <a:t>!() </a:t>
-            </a:r>
-            <a:r>
-              <a:rPr lang="en-US" dirty="0">
-                <a:solidFill>
-                  <a:srgbClr val="080808"/>
-                </a:solidFill>
-                <a:effectLst/>
-                <a:latin typeface="JetBrains Mono"/>
-              </a:rPr>
-              <a:t>}</a:t>
-            </a:r>
-            <a:br>
-              <a:rPr lang="en-US" dirty="0">
-                <a:solidFill>
-                  <a:srgbClr val="080808"/>
-                </a:solidFill>
-                <a:effectLst/>
-                <a:latin typeface="JetBrains Mono"/>
-              </a:rPr>
-            </a:br>
-            <a:r>
-              <a:rPr lang="en-US" dirty="0">
-                <a:solidFill>
-                  <a:srgbClr val="080808"/>
-                </a:solidFill>
-                <a:effectLst/>
-                <a:latin typeface="JetBrains Mono"/>
-              </a:rPr>
-              <a:t>}</a:t>
-            </a:r>
-            <a:br>
-              <a:rPr lang="en-US" dirty="0">
-                <a:solidFill>
-                  <a:srgbClr val="080808"/>
-                </a:solidFill>
-                <a:effectLst/>
-                <a:latin typeface="JetBrains Mono"/>
-              </a:rPr>
-            </a:br>
-            <a:endParaRPr lang="en-US" dirty="0">
-              <a:solidFill>
-                <a:srgbClr val="080808"/>
-              </a:solidFill>
-              <a:effectLst/>
-              <a:latin typeface="JetBrains Mono"/>
-            </a:endParaRPr>
-          </a:p>
-          <a:p>
-            <a:pPr marL="0" indent="0">
-              <a:buNone/>
-            </a:pPr>
-            <a:r>
-              <a:rPr lang="en-US" dirty="0" err="1">
-                <a:solidFill>
-                  <a:srgbClr val="0033B3"/>
-                </a:solidFill>
-                <a:effectLst/>
-                <a:latin typeface="JetBrains Mono"/>
-              </a:rPr>
-              <a:t>impl</a:t>
-            </a:r>
-            <a:r>
-              <a:rPr lang="en-US" dirty="0">
-                <a:solidFill>
-                  <a:srgbClr val="0033B3"/>
-                </a:solidFill>
-                <a:effectLst/>
-                <a:latin typeface="JetBrains Mono"/>
-              </a:rPr>
-              <a:t> </a:t>
-            </a:r>
-            <a:r>
-              <a:rPr lang="en-US" dirty="0">
-                <a:solidFill>
-                  <a:srgbClr val="000000"/>
-                </a:solidFill>
-                <a:effectLst/>
-                <a:latin typeface="JetBrains Mono"/>
-              </a:rPr>
-              <a:t>Customer </a:t>
-            </a:r>
-            <a:r>
-              <a:rPr lang="en-US" dirty="0">
-                <a:solidFill>
-                  <a:srgbClr val="0033B3"/>
-                </a:solidFill>
-                <a:effectLst/>
-                <a:latin typeface="JetBrains Mono"/>
-              </a:rPr>
-              <a:t>for </a:t>
-            </a:r>
-            <a:r>
-              <a:rPr lang="en-US" dirty="0" err="1">
-                <a:solidFill>
-                  <a:srgbClr val="000000"/>
-                </a:solidFill>
-                <a:effectLst/>
-                <a:latin typeface="JetBrains Mono"/>
-              </a:rPr>
-              <a:t>MerchandiserImpl</a:t>
-            </a:r>
-            <a:r>
-              <a:rPr lang="en-US" dirty="0">
-                <a:solidFill>
-                  <a:srgbClr val="000000"/>
-                </a:solidFill>
-                <a:effectLst/>
-                <a:latin typeface="JetBrains Mono"/>
-              </a:rPr>
-              <a:t> </a:t>
-            </a:r>
-            <a:r>
-              <a:rPr lang="en-US" dirty="0">
-                <a:solidFill>
-                  <a:srgbClr val="080808"/>
-                </a:solidFill>
-                <a:effectLst/>
-                <a:latin typeface="JetBrains Mono"/>
-              </a:rPr>
-              <a:t>{</a:t>
-            </a:r>
-            <a:br>
-              <a:rPr lang="en-US" dirty="0">
-                <a:solidFill>
-                  <a:srgbClr val="080808"/>
-                </a:solidFill>
-                <a:effectLst/>
-                <a:latin typeface="JetBrains Mono"/>
-              </a:rPr>
-            </a:br>
-            <a:r>
-              <a:rPr lang="en-US" dirty="0">
-                <a:solidFill>
-                  <a:srgbClr val="080808"/>
-                </a:solidFill>
-                <a:effectLst/>
-                <a:latin typeface="JetBrains Mono"/>
-              </a:rPr>
-              <a:t>    </a:t>
-            </a:r>
-            <a:r>
-              <a:rPr lang="en-US" dirty="0" err="1">
-                <a:solidFill>
-                  <a:srgbClr val="0033B3"/>
-                </a:solidFill>
-                <a:effectLst/>
-                <a:latin typeface="JetBrains Mono"/>
-              </a:rPr>
-              <a:t>fn</a:t>
-            </a:r>
-            <a:r>
-              <a:rPr lang="en-US" dirty="0">
-                <a:solidFill>
-                  <a:srgbClr val="0033B3"/>
-                </a:solidFill>
-                <a:effectLst/>
-                <a:latin typeface="JetBrains Mono"/>
-              </a:rPr>
-              <a:t> </a:t>
-            </a:r>
-            <a:r>
-              <a:rPr lang="en-US" dirty="0" err="1">
-                <a:solidFill>
-                  <a:srgbClr val="00627A"/>
-                </a:solidFill>
-                <a:effectLst/>
-                <a:latin typeface="JetBrains Mono"/>
-              </a:rPr>
-              <a:t>buy_goods</a:t>
-            </a:r>
-            <a:r>
-              <a:rPr lang="en-US" dirty="0">
-                <a:solidFill>
-                  <a:srgbClr val="080808"/>
-                </a:solidFill>
-                <a:effectLst/>
-                <a:latin typeface="JetBrains Mono"/>
-              </a:rPr>
-              <a:t>(&amp;</a:t>
-            </a:r>
-            <a:r>
-              <a:rPr lang="en-US" dirty="0">
-                <a:solidFill>
-                  <a:srgbClr val="0033B3"/>
-                </a:solidFill>
-                <a:effectLst/>
-                <a:latin typeface="JetBrains Mono"/>
-              </a:rPr>
-              <a:t>mut self</a:t>
-            </a:r>
-            <a:r>
-              <a:rPr lang="en-US" dirty="0">
-                <a:solidFill>
-                  <a:srgbClr val="080808"/>
-                </a:solidFill>
-                <a:effectLst/>
-                <a:latin typeface="JetBrains Mono"/>
-              </a:rPr>
-              <a:t>, goods: </a:t>
-            </a:r>
-            <a:r>
-              <a:rPr lang="en-US" dirty="0">
-                <a:solidFill>
-                  <a:srgbClr val="000000"/>
-                </a:solidFill>
-                <a:effectLst/>
-                <a:latin typeface="JetBrains Mono"/>
-              </a:rPr>
-              <a:t>Goods</a:t>
-            </a:r>
-            <a:r>
-              <a:rPr lang="en-US" dirty="0">
-                <a:solidFill>
-                  <a:srgbClr val="080808"/>
-                </a:solidFill>
-                <a:effectLst/>
-                <a:latin typeface="JetBrains Mono"/>
-              </a:rPr>
-              <a:t>) { </a:t>
-            </a:r>
-            <a:r>
-              <a:rPr lang="en-US" i="1" dirty="0" err="1">
-                <a:solidFill>
-                  <a:srgbClr val="008DDE"/>
-                </a:solidFill>
-                <a:effectLst/>
-                <a:latin typeface="JetBrains Mono"/>
-              </a:rPr>
-              <a:t>todo</a:t>
-            </a:r>
-            <a:r>
-              <a:rPr lang="en-US" i="1" dirty="0">
-                <a:solidFill>
-                  <a:srgbClr val="008DDE"/>
-                </a:solidFill>
-                <a:effectLst/>
-                <a:latin typeface="JetBrains Mono"/>
-              </a:rPr>
-              <a:t>!() </a:t>
-            </a:r>
-            <a:r>
-              <a:rPr lang="en-US" dirty="0">
-                <a:solidFill>
-                  <a:srgbClr val="080808"/>
-                </a:solidFill>
-                <a:effectLst/>
-                <a:latin typeface="JetBrains Mono"/>
-              </a:rPr>
-              <a:t>}</a:t>
-            </a:r>
-            <a:br>
-              <a:rPr lang="en-US" dirty="0">
-                <a:solidFill>
-                  <a:srgbClr val="080808"/>
-                </a:solidFill>
-                <a:effectLst/>
-                <a:latin typeface="JetBrains Mono"/>
-              </a:rPr>
-            </a:br>
-            <a:r>
-              <a:rPr lang="en-US" dirty="0">
-                <a:solidFill>
-                  <a:srgbClr val="080808"/>
-                </a:solidFill>
-                <a:effectLst/>
-                <a:latin typeface="JetBrains Mono"/>
-              </a:rPr>
-              <a:t>}</a:t>
-            </a:r>
-            <a:br>
-              <a:rPr lang="en-US" dirty="0">
-                <a:solidFill>
-                  <a:srgbClr val="080808"/>
-                </a:solidFill>
-                <a:effectLst/>
-                <a:latin typeface="JetBrains Mono"/>
-              </a:rPr>
-            </a:br>
-            <a:endParaRPr lang="en-US" dirty="0">
-              <a:solidFill>
-                <a:srgbClr val="080808"/>
-              </a:solidFill>
-              <a:effectLst/>
-              <a:latin typeface="JetBrains Mono"/>
-            </a:endParaRPr>
-          </a:p>
-          <a:p>
-            <a:pPr marL="0" indent="0">
-              <a:buNone/>
-            </a:pPr>
-            <a:r>
-              <a:rPr lang="en-US" dirty="0" err="1">
-                <a:solidFill>
-                  <a:srgbClr val="0033B3"/>
-                </a:solidFill>
-                <a:effectLst/>
-                <a:latin typeface="JetBrains Mono"/>
-              </a:rPr>
-              <a:t>impl</a:t>
-            </a:r>
-            <a:r>
-              <a:rPr lang="en-US" dirty="0">
-                <a:solidFill>
-                  <a:srgbClr val="0033B3"/>
-                </a:solidFill>
-                <a:effectLst/>
-                <a:latin typeface="JetBrains Mono"/>
-              </a:rPr>
-              <a:t> </a:t>
-            </a:r>
-            <a:r>
-              <a:rPr lang="en-US" dirty="0">
-                <a:solidFill>
-                  <a:srgbClr val="000000"/>
-                </a:solidFill>
-                <a:effectLst/>
-                <a:latin typeface="JetBrains Mono"/>
-              </a:rPr>
-              <a:t>Merchandiser </a:t>
-            </a:r>
-            <a:r>
-              <a:rPr lang="en-US" dirty="0">
-                <a:solidFill>
-                  <a:srgbClr val="0033B3"/>
-                </a:solidFill>
-                <a:effectLst/>
-                <a:latin typeface="JetBrains Mono"/>
-              </a:rPr>
-              <a:t>for </a:t>
-            </a:r>
-            <a:r>
-              <a:rPr lang="en-US" dirty="0" err="1">
-                <a:solidFill>
-                  <a:srgbClr val="000000"/>
-                </a:solidFill>
-                <a:effectLst/>
-                <a:latin typeface="JetBrains Mono"/>
-              </a:rPr>
-              <a:t>MerchandiserImpl</a:t>
-            </a:r>
-            <a:r>
-              <a:rPr lang="en-US" dirty="0">
-                <a:solidFill>
-                  <a:srgbClr val="000000"/>
-                </a:solidFill>
-                <a:effectLst/>
-                <a:latin typeface="JetBrains Mono"/>
-              </a:rPr>
-              <a:t> </a:t>
-            </a:r>
-            <a:r>
-              <a:rPr lang="en-US" dirty="0">
-                <a:solidFill>
-                  <a:srgbClr val="080808"/>
-                </a:solidFill>
-                <a:effectLst/>
-                <a:latin typeface="JetBrains Mono"/>
-              </a:rPr>
-              <a:t>{</a:t>
-            </a:r>
-            <a:br>
-              <a:rPr lang="en-US" dirty="0">
-                <a:solidFill>
-                  <a:srgbClr val="080808"/>
-                </a:solidFill>
-                <a:effectLst/>
-                <a:latin typeface="JetBrains Mono"/>
-              </a:rPr>
-            </a:br>
-            <a:r>
-              <a:rPr lang="en-US" dirty="0">
-                <a:solidFill>
-                  <a:srgbClr val="080808"/>
-                </a:solidFill>
-                <a:effectLst/>
-                <a:latin typeface="JetBrains Mono"/>
-              </a:rPr>
-              <a:t>    </a:t>
-            </a:r>
-            <a:r>
-              <a:rPr lang="en-US" dirty="0" err="1">
-                <a:solidFill>
-                  <a:srgbClr val="0033B3"/>
-                </a:solidFill>
-                <a:effectLst/>
-                <a:latin typeface="JetBrains Mono"/>
-              </a:rPr>
-              <a:t>fn</a:t>
-            </a:r>
-            <a:r>
-              <a:rPr lang="en-US" dirty="0">
-                <a:solidFill>
-                  <a:srgbClr val="0033B3"/>
-                </a:solidFill>
-                <a:effectLst/>
-                <a:latin typeface="JetBrains Mono"/>
-              </a:rPr>
-              <a:t> </a:t>
-            </a:r>
-            <a:r>
-              <a:rPr lang="en-US" dirty="0" err="1">
-                <a:solidFill>
-                  <a:srgbClr val="00627A"/>
-                </a:solidFill>
-                <a:effectLst/>
-                <a:latin typeface="JetBrains Mono"/>
-              </a:rPr>
-              <a:t>stock_items</a:t>
-            </a:r>
-            <a:r>
-              <a:rPr lang="en-US" dirty="0">
-                <a:solidFill>
-                  <a:srgbClr val="080808"/>
-                </a:solidFill>
-                <a:effectLst/>
-                <a:latin typeface="JetBrains Mono"/>
-              </a:rPr>
-              <a:t>(&amp;</a:t>
-            </a:r>
-            <a:r>
-              <a:rPr lang="en-US" dirty="0">
-                <a:solidFill>
-                  <a:srgbClr val="0033B3"/>
-                </a:solidFill>
-                <a:effectLst/>
-                <a:latin typeface="JetBrains Mono"/>
-              </a:rPr>
-              <a:t>self</a:t>
-            </a:r>
-            <a:r>
-              <a:rPr lang="en-US" dirty="0">
-                <a:solidFill>
-                  <a:srgbClr val="080808"/>
-                </a:solidFill>
-                <a:effectLst/>
-                <a:latin typeface="JetBrains Mono"/>
-              </a:rPr>
-              <a:t>, items: </a:t>
-            </a:r>
-            <a:r>
-              <a:rPr lang="en-US" dirty="0">
-                <a:solidFill>
-                  <a:srgbClr val="000000"/>
-                </a:solidFill>
-                <a:effectLst/>
-                <a:latin typeface="JetBrains Mono"/>
-              </a:rPr>
-              <a:t>Goods</a:t>
-            </a:r>
-            <a:r>
-              <a:rPr lang="en-US" dirty="0">
-                <a:solidFill>
-                  <a:srgbClr val="080808"/>
-                </a:solidFill>
-                <a:effectLst/>
-                <a:latin typeface="JetBrains Mono"/>
-              </a:rPr>
-              <a:t>) { </a:t>
-            </a:r>
-            <a:r>
-              <a:rPr lang="en-US" i="1" dirty="0" err="1">
-                <a:solidFill>
-                  <a:srgbClr val="008DDE"/>
-                </a:solidFill>
-                <a:effectLst/>
-                <a:latin typeface="JetBrains Mono"/>
-              </a:rPr>
-              <a:t>todo</a:t>
-            </a:r>
-            <a:r>
-              <a:rPr lang="en-US" i="1" dirty="0">
-                <a:solidFill>
-                  <a:srgbClr val="008DDE"/>
-                </a:solidFill>
-                <a:effectLst/>
-                <a:latin typeface="JetBrains Mono"/>
-              </a:rPr>
-              <a:t>!() </a:t>
-            </a:r>
-            <a:r>
-              <a:rPr lang="en-US" dirty="0">
-                <a:solidFill>
-                  <a:srgbClr val="080808"/>
-                </a:solidFill>
-                <a:effectLst/>
-                <a:latin typeface="JetBrains Mono"/>
-              </a:rPr>
-              <a:t>}</a:t>
-            </a:r>
-            <a:br>
-              <a:rPr lang="en-US" dirty="0">
-                <a:solidFill>
-                  <a:srgbClr val="080808"/>
-                </a:solidFill>
-                <a:effectLst/>
-                <a:latin typeface="JetBrains Mono"/>
-              </a:rPr>
-            </a:br>
-            <a:r>
-              <a:rPr lang="en-US" dirty="0">
-                <a:solidFill>
-                  <a:srgbClr val="080808"/>
-                </a:solidFill>
-                <a:effectLst/>
-                <a:latin typeface="JetBrains Mono"/>
-              </a:rPr>
-              <a:t>}</a:t>
-            </a:r>
-          </a:p>
-          <a:p>
-            <a:pPr marL="0" indent="0">
-              <a:buNone/>
-            </a:pPr>
-            <a:endParaRPr lang="ru-RU" dirty="0"/>
-          </a:p>
-        </p:txBody>
-      </p:sp>
-    </p:spTree>
-    <p:extLst>
-      <p:ext uri="{BB962C8B-B14F-4D97-AF65-F5344CB8AC3E}">
-        <p14:creationId xmlns:p14="http://schemas.microsoft.com/office/powerpoint/2010/main" val="169315777"/>
-      </p:ext>
-    </p:extLst>
-  </p:cSld>
-  <p:clrMapOvr>
-    <a:masterClrMapping/>
-  </p:clrMapOvr>
-  <p:timing>
-    <p:tnLst>
-      <p:par>
-        <p:cTn id="1" dur="indefinite" restart="never" nodeType="tmRoot">
-          <p:childTnLst>
-            <p:seq concurrent="1" nextAc="seek">
-              <p:cTn id="2" dur="indefinite" nodeType="mainSeq">
-                <p:childTnLst>
-                  <p:par>
-                    <p:cTn id="3" fill="hold">
-                      <p:stCondLst>
-                        <p:cond delay="indefinite"/>
-                      </p:stCondLst>
-                      <p:childTnLst>
-                        <p:par>
-                          <p:cTn id="4" fill="hold">
-                            <p:stCondLst>
-                              <p:cond delay="0"/>
-                            </p:stCondLst>
-                            <p:childTnLst>
-                              <p:par>
-                                <p:cTn id="5" presetID="1" presetClass="entr" presetSubtype="0" fill="hold" grpId="0" nodeType="clickEffect">
-                                  <p:stCondLst>
-                                    <p:cond delay="0"/>
-                                  </p:stCondLst>
-                                  <p:childTnLst>
-                                    <p:set>
-                                      <p:cBhvr>
-                                        <p:cTn id="6" dur="1" fill="hold">
-                                          <p:stCondLst>
-                                            <p:cond delay="0"/>
-                                          </p:stCondLst>
-                                        </p:cTn>
-                                        <p:tgtEl>
-                                          <p:spTgt spid="5">
-                                            <p:txEl>
-                                              <p:pRg st="2" end="2"/>
-                                            </p:txEl>
-                                          </p:spTgt>
-                                        </p:tgtEl>
-                                        <p:attrNameLst>
-                                          <p:attrName>style.visibility</p:attrName>
-                                        </p:attrNameLst>
-                                      </p:cBhvr>
-                                      <p:to>
-                                        <p:strVal val="visible"/>
-                                      </p:to>
-                                    </p:set>
-                                  </p:childTnLst>
-                                </p:cTn>
-                              </p:par>
-                            </p:childTnLst>
-                          </p:cTn>
-                        </p:par>
-                      </p:childTnLst>
-                    </p:cTn>
-                  </p:par>
-                  <p:par>
-                    <p:cTn id="7" fill="hold">
-                      <p:stCondLst>
-                        <p:cond delay="indefinite"/>
-                      </p:stCondLst>
-                      <p:childTnLst>
-                        <p:par>
-                          <p:cTn id="8" fill="hold">
-                            <p:stCondLst>
-                              <p:cond delay="0"/>
-                            </p:stCondLst>
-                            <p:childTnLst>
-                              <p:par>
-                                <p:cTn id="9" presetID="1" presetClass="entr" presetSubtype="0" fill="hold" grpId="0" nodeType="clickEffect">
-                                  <p:stCondLst>
-                                    <p:cond delay="0"/>
-                                  </p:stCondLst>
-                                  <p:childTnLst>
-                                    <p:set>
-                                      <p:cBhvr>
-                                        <p:cTn id="10" dur="1" fill="hold">
-                                          <p:stCondLst>
-                                            <p:cond delay="0"/>
-                                          </p:stCondLst>
-                                        </p:cTn>
-                                        <p:tgtEl>
-                                          <p:spTgt spid="5">
-                                            <p:txEl>
-                                              <p:pRg st="3" end="3"/>
-                                            </p:txEl>
-                                          </p:spTgt>
-                                        </p:tgtEl>
-                                        <p:attrNameLst>
-                                          <p:attrName>style.visibility</p:attrName>
-                                        </p:attrNameLst>
-                                      </p:cBhvr>
-                                      <p:to>
-                                        <p:strVal val="visible"/>
-                                      </p:to>
-                                    </p:set>
-                                  </p:childTnLst>
-                                </p:cTn>
-                              </p:par>
-                            </p:childTnLst>
-                          </p:cTn>
-                        </p:par>
-                      </p:childTnLst>
-                    </p:cTn>
-                  </p:par>
-                  <p:par>
-                    <p:cTn id="11" fill="hold">
-                      <p:stCondLst>
-                        <p:cond delay="indefinite"/>
-                      </p:stCondLst>
-                      <p:childTnLst>
-                        <p:par>
-                          <p:cTn id="12" fill="hold">
-                            <p:stCondLst>
-                              <p:cond delay="0"/>
-                            </p:stCondLst>
-                            <p:childTnLst>
-                              <p:par>
-                                <p:cTn id="13" presetID="1" presetClass="entr" presetSubtype="0" fill="hold" grpId="0" nodeType="clickEffect">
-                                  <p:stCondLst>
-                                    <p:cond delay="0"/>
-                                  </p:stCondLst>
-                                  <p:childTnLst>
-                                    <p:set>
-                                      <p:cBhvr>
-                                        <p:cTn id="14" dur="1" fill="hold">
-                                          <p:stCondLst>
-                                            <p:cond delay="0"/>
-                                          </p:stCondLst>
-                                        </p:cTn>
-                                        <p:tgtEl>
-                                          <p:spTgt spid="5">
-                                            <p:txEl>
-                                              <p:pRg st="4" end="4"/>
-                                            </p:txEl>
-                                          </p:spTgt>
-                                        </p:tgtEl>
-                                        <p:attrNameLst>
-                                          <p:attrName>style.visibility</p:attrName>
-                                        </p:attrNameLst>
-                                      </p:cBhvr>
-                                      <p:to>
-                                        <p:strVal val="visible"/>
-                                      </p:to>
-                                    </p:set>
-                                  </p:childTnLst>
-                                </p:cTn>
-                              </p:par>
-                            </p:childTnLst>
-                          </p:cTn>
-                        </p:par>
-                      </p:childTnLst>
-                    </p:cTn>
-                  </p:par>
-                </p:childTnLst>
-              </p:cTn>
-              <p:prevCondLst>
-                <p:cond evt="onPrev" delay="0">
-                  <p:tgtEl>
-                    <p:sldTgt/>
-                  </p:tgtEl>
-                </p:cond>
-              </p:prevCondLst>
-              <p:nextCondLst>
-                <p:cond evt="onNext" delay="0">
-                  <p:tgtEl>
-                    <p:sldTgt/>
-                  </p:tgtEl>
-                </p:cond>
-              </p:nextCondLst>
-            </p:seq>
-          </p:childTnLst>
-        </p:cTn>
-      </p:par>
-    </p:tnLst>
-    <p:bldLst>
-      <p:bldP spid="5" grpId="0" uiExpand="1" build="p"/>
-    </p:bldLst>
-  </p:timing>
-</p:sld>
-</file>
-
-<file path=ppt/slides/slide11.xml><?xml version="1.0" encoding="utf-8"?>
-<p:sld xmlns:a="http://schemas.openxmlformats.org/drawingml/2006/main" xmlns:r="http://schemas.openxmlformats.org/officeDocument/2006/relationships" xmlns:p="http://schemas.openxmlformats.org/presentationml/2006/main">
-  <p:cSld>
-    <p:spTree>
-      <p:nvGrpSpPr>
-        <p:cNvPr id="1" name=""/>
-        <p:cNvGrpSpPr/>
-        <p:nvPr/>
-      </p:nvGrpSpPr>
-      <p:grpSpPr>
-        <a:xfrm>
-          <a:off x="0" y="0"/>
-          <a:ext cx="0" cy="0"/>
-          <a:chOff x="0" y="0"/>
-          <a:chExt cx="0" cy="0"/>
-        </a:xfrm>
-      </p:grpSpPr>
-      <p:sp>
-        <p:nvSpPr>
-          <p:cNvPr id="2" name="Title 1">
-            <a:extLst>
-              <a:ext uri="{FF2B5EF4-FFF2-40B4-BE49-F238E27FC236}">
                 <a16:creationId xmlns:a16="http://schemas.microsoft.com/office/drawing/2014/main" id="{31770FC3-478B-F4AC-53E4-AA7D885398A2}"/>
               </a:ext>
             </a:extLst>
@@ -6418,7 +5167,7 @@
 </p:sld>
 </file>
 
-<file path=ppt/slides/slide12.xml><?xml version="1.0" encoding="utf-8"?>
+<file path=ppt/slides/slide11.xml><?xml version="1.0" encoding="utf-8"?>
 <p:sld xmlns:a="http://schemas.openxmlformats.org/drawingml/2006/main" xmlns:r="http://schemas.openxmlformats.org/officeDocument/2006/relationships" xmlns:p="http://schemas.openxmlformats.org/presentationml/2006/main">
   <p:cSld>
     <p:spTree>
@@ -7250,7 +5999,7 @@
 </p:sld>
 </file>
 
-<file path=ppt/slides/slide13.xml><?xml version="1.0" encoding="utf-8"?>
+<file path=ppt/slides/slide12.xml><?xml version="1.0" encoding="utf-8"?>
 <p:sld xmlns:a="http://schemas.openxmlformats.org/drawingml/2006/main" xmlns:r="http://schemas.openxmlformats.org/officeDocument/2006/relationships" xmlns:p="http://schemas.openxmlformats.org/presentationml/2006/main">
   <p:cSld>
     <p:spTree>
@@ -7886,7 +6635,7 @@
 </p:sld>
 </file>
 
-<file path=ppt/slides/slide14.xml><?xml version="1.0" encoding="utf-8"?>
+<file path=ppt/slides/slide13.xml><?xml version="1.0" encoding="utf-8"?>
 <p:sld xmlns:a="http://schemas.openxmlformats.org/drawingml/2006/main" xmlns:r="http://schemas.openxmlformats.org/officeDocument/2006/relationships" xmlns:p="http://schemas.openxmlformats.org/presentationml/2006/main">
   <p:cSld>
     <p:spTree>
@@ -8293,8 +7042,8 @@
           </a:p>
         </p:txBody>
       </p:sp>
-      <mc:AlternateContent xmlns:mc="http://schemas.openxmlformats.org/markup-compatibility/2006">
-        <mc:Choice xmlns:p14="http://schemas.microsoft.com/office/powerpoint/2010/main" Requires="p14">
+      <mc:AlternateContent xmlns:mc="http://schemas.openxmlformats.org/markup-compatibility/2006" xmlns:p14="http://schemas.microsoft.com/office/powerpoint/2010/main">
+        <mc:Choice Requires="p14">
           <p:contentPart p14:bwMode="auto" r:id="rId2">
             <p14:nvContentPartPr>
               <p14:cNvPr id="8" name="Ink 7">
@@ -8313,7 +7062,7 @@
             </p14:xfrm>
           </p:contentPart>
         </mc:Choice>
-        <mc:Fallback>
+        <mc:Fallback xmlns="">
           <p:pic>
             <p:nvPicPr>
               <p:cNvPr id="8" name="Ink 7">
@@ -8364,8 +7113,8 @@
             <a:chExt cx="773280" cy="293040"/>
           </a:xfrm>
         </p:grpSpPr>
-        <mc:AlternateContent xmlns:mc="http://schemas.openxmlformats.org/markup-compatibility/2006">
-          <mc:Choice xmlns:p14="http://schemas.microsoft.com/office/powerpoint/2010/main" Requires="p14">
+        <mc:AlternateContent xmlns:mc="http://schemas.openxmlformats.org/markup-compatibility/2006" xmlns:p14="http://schemas.microsoft.com/office/powerpoint/2010/main">
+          <mc:Choice Requires="p14">
             <p:contentPart p14:bwMode="auto" r:id="rId4">
               <p14:nvContentPartPr>
                 <p14:cNvPr id="37" name="Ink 36">
@@ -8384,7 +7133,7 @@
               </p14:xfrm>
             </p:contentPart>
           </mc:Choice>
-          <mc:Fallback>
+          <mc:Fallback xmlns="">
             <p:pic>
               <p:nvPicPr>
                 <p:cNvPr id="37" name="Ink 36">
@@ -8415,8 +7164,8 @@
             </p:pic>
           </mc:Fallback>
         </mc:AlternateContent>
-        <mc:AlternateContent xmlns:mc="http://schemas.openxmlformats.org/markup-compatibility/2006">
-          <mc:Choice xmlns:p14="http://schemas.microsoft.com/office/powerpoint/2010/main" Requires="p14">
+        <mc:AlternateContent xmlns:mc="http://schemas.openxmlformats.org/markup-compatibility/2006" xmlns:p14="http://schemas.microsoft.com/office/powerpoint/2010/main">
+          <mc:Choice Requires="p14">
             <p:contentPart p14:bwMode="auto" r:id="rId6">
               <p14:nvContentPartPr>
                 <p14:cNvPr id="38" name="Ink 37">
@@ -8435,7 +7184,7 @@
               </p14:xfrm>
             </p:contentPart>
           </mc:Choice>
-          <mc:Fallback>
+          <mc:Fallback xmlns="">
             <p:pic>
               <p:nvPicPr>
                 <p:cNvPr id="38" name="Ink 37">
@@ -8466,8 +7215,8 @@
             </p:pic>
           </mc:Fallback>
         </mc:AlternateContent>
-        <mc:AlternateContent xmlns:mc="http://schemas.openxmlformats.org/markup-compatibility/2006">
-          <mc:Choice xmlns:p14="http://schemas.microsoft.com/office/powerpoint/2010/main" Requires="p14">
+        <mc:AlternateContent xmlns:mc="http://schemas.openxmlformats.org/markup-compatibility/2006" xmlns:p14="http://schemas.microsoft.com/office/powerpoint/2010/main">
+          <mc:Choice Requires="p14">
             <p:contentPart p14:bwMode="auto" r:id="rId8">
               <p14:nvContentPartPr>
                 <p14:cNvPr id="39" name="Ink 38">
@@ -8486,7 +7235,7 @@
               </p14:xfrm>
             </p:contentPart>
           </mc:Choice>
-          <mc:Fallback>
+          <mc:Fallback xmlns="">
             <p:pic>
               <p:nvPicPr>
                 <p:cNvPr id="39" name="Ink 38">
@@ -8517,8 +7266,8 @@
             </p:pic>
           </mc:Fallback>
         </mc:AlternateContent>
-        <mc:AlternateContent xmlns:mc="http://schemas.openxmlformats.org/markup-compatibility/2006">
-          <mc:Choice xmlns:p14="http://schemas.microsoft.com/office/powerpoint/2010/main" Requires="p14">
+        <mc:AlternateContent xmlns:mc="http://schemas.openxmlformats.org/markup-compatibility/2006" xmlns:p14="http://schemas.microsoft.com/office/powerpoint/2010/main">
+          <mc:Choice Requires="p14">
             <p:contentPart p14:bwMode="auto" r:id="rId10">
               <p14:nvContentPartPr>
                 <p14:cNvPr id="41" name="Ink 40">
@@ -8537,7 +7286,7 @@
               </p14:xfrm>
             </p:contentPart>
           </mc:Choice>
-          <mc:Fallback>
+          <mc:Fallback xmlns="">
             <p:pic>
               <p:nvPicPr>
                 <p:cNvPr id="41" name="Ink 40">
@@ -8569,8 +7318,8 @@
           </mc:Fallback>
         </mc:AlternateContent>
       </p:grpSp>
-      <mc:AlternateContent xmlns:mc="http://schemas.openxmlformats.org/markup-compatibility/2006">
-        <mc:Choice xmlns:p14="http://schemas.microsoft.com/office/powerpoint/2010/main" Requires="p14">
+      <mc:AlternateContent xmlns:mc="http://schemas.openxmlformats.org/markup-compatibility/2006" xmlns:p14="http://schemas.microsoft.com/office/powerpoint/2010/main">
+        <mc:Choice Requires="p14">
           <p:contentPart p14:bwMode="auto" r:id="rId12">
             <p14:nvContentPartPr>
               <p14:cNvPr id="44" name="Ink 43">
@@ -8589,7 +7338,7 @@
             </p14:xfrm>
           </p:contentPart>
         </mc:Choice>
-        <mc:Fallback>
+        <mc:Fallback xmlns="">
           <p:pic>
             <p:nvPicPr>
               <p:cNvPr id="44" name="Ink 43">
@@ -8620,8 +7369,8 @@
           </p:pic>
         </mc:Fallback>
       </mc:AlternateContent>
-      <mc:AlternateContent xmlns:mc="http://schemas.openxmlformats.org/markup-compatibility/2006">
-        <mc:Choice xmlns:p14="http://schemas.microsoft.com/office/powerpoint/2010/main" Requires="p14">
+      <mc:AlternateContent xmlns:mc="http://schemas.openxmlformats.org/markup-compatibility/2006" xmlns:p14="http://schemas.microsoft.com/office/powerpoint/2010/main">
+        <mc:Choice Requires="p14">
           <p:contentPart p14:bwMode="auto" r:id="rId14">
             <p14:nvContentPartPr>
               <p14:cNvPr id="45" name="Ink 44">
@@ -8640,7 +7389,7 @@
             </p14:xfrm>
           </p:contentPart>
         </mc:Choice>
-        <mc:Fallback>
+        <mc:Fallback xmlns="">
           <p:pic>
             <p:nvPicPr>
               <p:cNvPr id="45" name="Ink 44">
@@ -8671,8 +7420,8 @@
           </p:pic>
         </mc:Fallback>
       </mc:AlternateContent>
-      <mc:AlternateContent xmlns:mc="http://schemas.openxmlformats.org/markup-compatibility/2006">
-        <mc:Choice xmlns:p14="http://schemas.microsoft.com/office/powerpoint/2010/main" Requires="p14">
+      <mc:AlternateContent xmlns:mc="http://schemas.openxmlformats.org/markup-compatibility/2006" xmlns:p14="http://schemas.microsoft.com/office/powerpoint/2010/main">
+        <mc:Choice Requires="p14">
           <p:contentPart p14:bwMode="auto" r:id="rId16">
             <p14:nvContentPartPr>
               <p14:cNvPr id="46" name="Ink 45">
@@ -8691,7 +7440,7 @@
             </p14:xfrm>
           </p:contentPart>
         </mc:Choice>
-        <mc:Fallback>
+        <mc:Fallback xmlns="">
           <p:pic>
             <p:nvPicPr>
               <p:cNvPr id="46" name="Ink 45">
@@ -8722,8 +7471,8 @@
           </p:pic>
         </mc:Fallback>
       </mc:AlternateContent>
-      <mc:AlternateContent xmlns:mc="http://schemas.openxmlformats.org/markup-compatibility/2006">
-        <mc:Choice xmlns:p14="http://schemas.microsoft.com/office/powerpoint/2010/main" Requires="p14">
+      <mc:AlternateContent xmlns:mc="http://schemas.openxmlformats.org/markup-compatibility/2006" xmlns:p14="http://schemas.microsoft.com/office/powerpoint/2010/main">
+        <mc:Choice Requires="p14">
           <p:contentPart p14:bwMode="auto" r:id="rId18">
             <p14:nvContentPartPr>
               <p14:cNvPr id="57" name="Ink 56">
@@ -8742,7 +7491,7 @@
             </p14:xfrm>
           </p:contentPart>
         </mc:Choice>
-        <mc:Fallback>
+        <mc:Fallback xmlns="">
           <p:pic>
             <p:nvPicPr>
               <p:cNvPr id="57" name="Ink 56">
@@ -8793,8 +7542,8 @@
             <a:chExt cx="439920" cy="12240"/>
           </a:xfrm>
         </p:grpSpPr>
-        <mc:AlternateContent xmlns:mc="http://schemas.openxmlformats.org/markup-compatibility/2006">
-          <mc:Choice xmlns:p14="http://schemas.microsoft.com/office/powerpoint/2010/main" Requires="p14">
+        <mc:AlternateContent xmlns:mc="http://schemas.openxmlformats.org/markup-compatibility/2006" xmlns:p14="http://schemas.microsoft.com/office/powerpoint/2010/main">
+          <mc:Choice Requires="p14">
             <p:contentPart p14:bwMode="auto" r:id="rId20">
               <p14:nvContentPartPr>
                 <p14:cNvPr id="58" name="Ink 57">
@@ -8813,7 +7562,7 @@
               </p14:xfrm>
             </p:contentPart>
           </mc:Choice>
-          <mc:Fallback>
+          <mc:Fallback xmlns="">
             <p:pic>
               <p:nvPicPr>
                 <p:cNvPr id="58" name="Ink 57">
@@ -8844,8 +7593,8 @@
             </p:pic>
           </mc:Fallback>
         </mc:AlternateContent>
-        <mc:AlternateContent xmlns:mc="http://schemas.openxmlformats.org/markup-compatibility/2006">
-          <mc:Choice xmlns:p14="http://schemas.microsoft.com/office/powerpoint/2010/main" Requires="p14">
+        <mc:AlternateContent xmlns:mc="http://schemas.openxmlformats.org/markup-compatibility/2006" xmlns:p14="http://schemas.microsoft.com/office/powerpoint/2010/main">
+          <mc:Choice Requires="p14">
             <p:contentPart p14:bwMode="auto" r:id="rId22">
               <p14:nvContentPartPr>
                 <p14:cNvPr id="59" name="Ink 58">
@@ -8864,7 +7613,7 @@
               </p14:xfrm>
             </p:contentPart>
           </mc:Choice>
-          <mc:Fallback>
+          <mc:Fallback xmlns="">
             <p:pic>
               <p:nvPicPr>
                 <p:cNvPr id="59" name="Ink 58">
@@ -8895,8 +7644,8 @@
             </p:pic>
           </mc:Fallback>
         </mc:AlternateContent>
-        <mc:AlternateContent xmlns:mc="http://schemas.openxmlformats.org/markup-compatibility/2006">
-          <mc:Choice xmlns:p14="http://schemas.microsoft.com/office/powerpoint/2010/main" Requires="p14">
+        <mc:AlternateContent xmlns:mc="http://schemas.openxmlformats.org/markup-compatibility/2006" xmlns:p14="http://schemas.microsoft.com/office/powerpoint/2010/main">
+          <mc:Choice Requires="p14">
             <p:contentPart p14:bwMode="auto" r:id="rId23">
               <p14:nvContentPartPr>
                 <p14:cNvPr id="60" name="Ink 59">
@@ -8915,7 +7664,7 @@
               </p14:xfrm>
             </p:contentPart>
           </mc:Choice>
-          <mc:Fallback>
+          <mc:Fallback xmlns="">
             <p:pic>
               <p:nvPicPr>
                 <p:cNvPr id="60" name="Ink 59">
@@ -8946,8 +7695,8 @@
             </p:pic>
           </mc:Fallback>
         </mc:AlternateContent>
-        <mc:AlternateContent xmlns:mc="http://schemas.openxmlformats.org/markup-compatibility/2006">
-          <mc:Choice xmlns:p14="http://schemas.microsoft.com/office/powerpoint/2010/main" Requires="p14">
+        <mc:AlternateContent xmlns:mc="http://schemas.openxmlformats.org/markup-compatibility/2006" xmlns:p14="http://schemas.microsoft.com/office/powerpoint/2010/main">
+          <mc:Choice Requires="p14">
             <p:contentPart p14:bwMode="auto" r:id="rId24">
               <p14:nvContentPartPr>
                 <p14:cNvPr id="61" name="Ink 60">
@@ -8966,7 +7715,7 @@
               </p14:xfrm>
             </p:contentPart>
           </mc:Choice>
-          <mc:Fallback>
+          <mc:Fallback xmlns="">
             <p:pic>
               <p:nvPicPr>
                 <p:cNvPr id="61" name="Ink 60">
@@ -8997,8 +7746,8 @@
             </p:pic>
           </mc:Fallback>
         </mc:AlternateContent>
-        <mc:AlternateContent xmlns:mc="http://schemas.openxmlformats.org/markup-compatibility/2006">
-          <mc:Choice xmlns:p14="http://schemas.microsoft.com/office/powerpoint/2010/main" Requires="p14">
+        <mc:AlternateContent xmlns:mc="http://schemas.openxmlformats.org/markup-compatibility/2006" xmlns:p14="http://schemas.microsoft.com/office/powerpoint/2010/main">
+          <mc:Choice Requires="p14">
             <p:contentPart p14:bwMode="auto" r:id="rId25">
               <p14:nvContentPartPr>
                 <p14:cNvPr id="62" name="Ink 61">
@@ -9017,7 +7766,7 @@
               </p14:xfrm>
             </p:contentPart>
           </mc:Choice>
-          <mc:Fallback>
+          <mc:Fallback xmlns="">
             <p:pic>
               <p:nvPicPr>
                 <p:cNvPr id="62" name="Ink 61">
@@ -9126,8 +7875,8 @@
             <a:chExt cx="140400" cy="400680"/>
           </a:xfrm>
         </p:grpSpPr>
-        <mc:AlternateContent xmlns:mc="http://schemas.openxmlformats.org/markup-compatibility/2006">
-          <mc:Choice xmlns:p14="http://schemas.microsoft.com/office/powerpoint/2010/main" Requires="p14">
+        <mc:AlternateContent xmlns:mc="http://schemas.openxmlformats.org/markup-compatibility/2006" xmlns:p14="http://schemas.microsoft.com/office/powerpoint/2010/main">
+          <mc:Choice Requires="p14">
             <p:contentPart p14:bwMode="auto" r:id="rId26">
               <p14:nvContentPartPr>
                 <p14:cNvPr id="65" name="Ink 64">
@@ -9146,7 +7895,7 @@
               </p14:xfrm>
             </p:contentPart>
           </mc:Choice>
-          <mc:Fallback>
+          <mc:Fallback xmlns="">
             <p:pic>
               <p:nvPicPr>
                 <p:cNvPr id="65" name="Ink 64">
@@ -9177,8 +7926,8 @@
             </p:pic>
           </mc:Fallback>
         </mc:AlternateContent>
-        <mc:AlternateContent xmlns:mc="http://schemas.openxmlformats.org/markup-compatibility/2006">
-          <mc:Choice xmlns:p14="http://schemas.microsoft.com/office/powerpoint/2010/main" Requires="p14">
+        <mc:AlternateContent xmlns:mc="http://schemas.openxmlformats.org/markup-compatibility/2006" xmlns:p14="http://schemas.microsoft.com/office/powerpoint/2010/main">
+          <mc:Choice Requires="p14">
             <p:contentPart p14:bwMode="auto" r:id="rId28">
               <p14:nvContentPartPr>
                 <p14:cNvPr id="66" name="Ink 65">
@@ -9197,7 +7946,7 @@
               </p14:xfrm>
             </p:contentPart>
           </mc:Choice>
-          <mc:Fallback>
+          <mc:Fallback xmlns="">
             <p:pic>
               <p:nvPicPr>
                 <p:cNvPr id="66" name="Ink 65">
@@ -9228,8 +7977,8 @@
             </p:pic>
           </mc:Fallback>
         </mc:AlternateContent>
-        <mc:AlternateContent xmlns:mc="http://schemas.openxmlformats.org/markup-compatibility/2006">
-          <mc:Choice xmlns:p14="http://schemas.microsoft.com/office/powerpoint/2010/main" Requires="p14">
+        <mc:AlternateContent xmlns:mc="http://schemas.openxmlformats.org/markup-compatibility/2006" xmlns:p14="http://schemas.microsoft.com/office/powerpoint/2010/main">
+          <mc:Choice Requires="p14">
             <p:contentPart p14:bwMode="auto" r:id="rId30">
               <p14:nvContentPartPr>
                 <p14:cNvPr id="67" name="Ink 66">
@@ -9248,7 +7997,7 @@
               </p14:xfrm>
             </p:contentPart>
           </mc:Choice>
-          <mc:Fallback>
+          <mc:Fallback xmlns="">
             <p:pic>
               <p:nvPicPr>
                 <p:cNvPr id="67" name="Ink 66">
@@ -9300,8 +8049,8 @@
             <a:chExt cx="375840" cy="401400"/>
           </a:xfrm>
         </p:grpSpPr>
-        <mc:AlternateContent xmlns:mc="http://schemas.openxmlformats.org/markup-compatibility/2006">
-          <mc:Choice xmlns:p14="http://schemas.microsoft.com/office/powerpoint/2010/main" Requires="p14">
+        <mc:AlternateContent xmlns:mc="http://schemas.openxmlformats.org/markup-compatibility/2006" xmlns:p14="http://schemas.microsoft.com/office/powerpoint/2010/main">
+          <mc:Choice Requires="p14">
             <p:contentPart p14:bwMode="auto" r:id="rId32">
               <p14:nvContentPartPr>
                 <p14:cNvPr id="70" name="Ink 69">
@@ -9320,7 +8069,7 @@
               </p14:xfrm>
             </p:contentPart>
           </mc:Choice>
-          <mc:Fallback>
+          <mc:Fallback xmlns="">
             <p:pic>
               <p:nvPicPr>
                 <p:cNvPr id="70" name="Ink 69">
@@ -9351,8 +8100,8 @@
             </p:pic>
           </mc:Fallback>
         </mc:AlternateContent>
-        <mc:AlternateContent xmlns:mc="http://schemas.openxmlformats.org/markup-compatibility/2006">
-          <mc:Choice xmlns:p14="http://schemas.microsoft.com/office/powerpoint/2010/main" Requires="p14">
+        <mc:AlternateContent xmlns:mc="http://schemas.openxmlformats.org/markup-compatibility/2006" xmlns:p14="http://schemas.microsoft.com/office/powerpoint/2010/main">
+          <mc:Choice Requires="p14">
             <p:contentPart p14:bwMode="auto" r:id="rId34">
               <p14:nvContentPartPr>
                 <p14:cNvPr id="71" name="Ink 70">
@@ -9371,7 +8120,7 @@
               </p14:xfrm>
             </p:contentPart>
           </mc:Choice>
-          <mc:Fallback>
+          <mc:Fallback xmlns="">
             <p:pic>
               <p:nvPicPr>
                 <p:cNvPr id="71" name="Ink 70">
@@ -9402,8 +8151,8 @@
             </p:pic>
           </mc:Fallback>
         </mc:AlternateContent>
-        <mc:AlternateContent xmlns:mc="http://schemas.openxmlformats.org/markup-compatibility/2006">
-          <mc:Choice xmlns:p14="http://schemas.microsoft.com/office/powerpoint/2010/main" Requires="p14">
+        <mc:AlternateContent xmlns:mc="http://schemas.openxmlformats.org/markup-compatibility/2006" xmlns:p14="http://schemas.microsoft.com/office/powerpoint/2010/main">
+          <mc:Choice Requires="p14">
             <p:contentPart p14:bwMode="auto" r:id="rId36">
               <p14:nvContentPartPr>
                 <p14:cNvPr id="72" name="Ink 71">
@@ -9422,7 +8171,7 @@
               </p14:xfrm>
             </p:contentPart>
           </mc:Choice>
-          <mc:Fallback>
+          <mc:Fallback xmlns="">
             <p:pic>
               <p:nvPicPr>
                 <p:cNvPr id="72" name="Ink 71">
@@ -9454,8 +8203,8 @@
           </mc:Fallback>
         </mc:AlternateContent>
       </p:grpSp>
-      <mc:AlternateContent xmlns:mc="http://schemas.openxmlformats.org/markup-compatibility/2006">
-        <mc:Choice xmlns:p14="http://schemas.microsoft.com/office/powerpoint/2010/main" Requires="p14">
+      <mc:AlternateContent xmlns:mc="http://schemas.openxmlformats.org/markup-compatibility/2006" xmlns:p14="http://schemas.microsoft.com/office/powerpoint/2010/main">
+        <mc:Choice Requires="p14">
           <p:contentPart p14:bwMode="auto" r:id="rId38">
             <p14:nvContentPartPr>
               <p14:cNvPr id="74" name="Ink 73">
@@ -9474,7 +8223,7 @@
             </p14:xfrm>
           </p:contentPart>
         </mc:Choice>
-        <mc:Fallback>
+        <mc:Fallback xmlns="">
           <p:pic>
             <p:nvPicPr>
               <p:cNvPr id="74" name="Ink 73">
@@ -9505,8 +8254,8 @@
           </p:pic>
         </mc:Fallback>
       </mc:AlternateContent>
-      <mc:AlternateContent xmlns:mc="http://schemas.openxmlformats.org/markup-compatibility/2006">
-        <mc:Choice xmlns:p14="http://schemas.microsoft.com/office/powerpoint/2010/main" Requires="p14">
+      <mc:AlternateContent xmlns:mc="http://schemas.openxmlformats.org/markup-compatibility/2006" xmlns:p14="http://schemas.microsoft.com/office/powerpoint/2010/main">
+        <mc:Choice Requires="p14">
           <p:contentPart p14:bwMode="auto" r:id="rId40">
             <p14:nvContentPartPr>
               <p14:cNvPr id="75" name="Ink 74">
@@ -9525,7 +8274,7 @@
             </p14:xfrm>
           </p:contentPart>
         </mc:Choice>
-        <mc:Fallback>
+        <mc:Fallback xmlns="">
           <p:pic>
             <p:nvPicPr>
               <p:cNvPr id="75" name="Ink 74">
@@ -9576,8 +8325,8 @@
             <a:chExt cx="425520" cy="601200"/>
           </a:xfrm>
         </p:grpSpPr>
-        <mc:AlternateContent xmlns:mc="http://schemas.openxmlformats.org/markup-compatibility/2006">
-          <mc:Choice xmlns:p14="http://schemas.microsoft.com/office/powerpoint/2010/main" Requires="p14">
+        <mc:AlternateContent xmlns:mc="http://schemas.openxmlformats.org/markup-compatibility/2006" xmlns:p14="http://schemas.microsoft.com/office/powerpoint/2010/main">
+          <mc:Choice Requires="p14">
             <p:contentPart p14:bwMode="auto" r:id="rId42">
               <p14:nvContentPartPr>
                 <p14:cNvPr id="78" name="Ink 77">
@@ -9596,7 +8345,7 @@
               </p14:xfrm>
             </p:contentPart>
           </mc:Choice>
-          <mc:Fallback>
+          <mc:Fallback xmlns="">
             <p:pic>
               <p:nvPicPr>
                 <p:cNvPr id="78" name="Ink 77">
@@ -9627,8 +8376,8 @@
             </p:pic>
           </mc:Fallback>
         </mc:AlternateContent>
-        <mc:AlternateContent xmlns:mc="http://schemas.openxmlformats.org/markup-compatibility/2006">
-          <mc:Choice xmlns:p14="http://schemas.microsoft.com/office/powerpoint/2010/main" Requires="p14">
+        <mc:AlternateContent xmlns:mc="http://schemas.openxmlformats.org/markup-compatibility/2006" xmlns:p14="http://schemas.microsoft.com/office/powerpoint/2010/main">
+          <mc:Choice Requires="p14">
             <p:contentPart p14:bwMode="auto" r:id="rId44">
               <p14:nvContentPartPr>
                 <p14:cNvPr id="79" name="Ink 78">
@@ -9647,7 +8396,7 @@
               </p14:xfrm>
             </p:contentPart>
           </mc:Choice>
-          <mc:Fallback>
+          <mc:Fallback xmlns="">
             <p:pic>
               <p:nvPicPr>
                 <p:cNvPr id="79" name="Ink 78">
@@ -9678,8 +8427,8 @@
             </p:pic>
           </mc:Fallback>
         </mc:AlternateContent>
-        <mc:AlternateContent xmlns:mc="http://schemas.openxmlformats.org/markup-compatibility/2006">
-          <mc:Choice xmlns:p14="http://schemas.microsoft.com/office/powerpoint/2010/main" Requires="p14">
+        <mc:AlternateContent xmlns:mc="http://schemas.openxmlformats.org/markup-compatibility/2006" xmlns:p14="http://schemas.microsoft.com/office/powerpoint/2010/main">
+          <mc:Choice Requires="p14">
             <p:contentPart p14:bwMode="auto" r:id="rId46">
               <p14:nvContentPartPr>
                 <p14:cNvPr id="80" name="Ink 79">
@@ -9698,7 +8447,7 @@
               </p14:xfrm>
             </p:contentPart>
           </mc:Choice>
-          <mc:Fallback>
+          <mc:Fallback xmlns="">
             <p:pic>
               <p:nvPicPr>
                 <p:cNvPr id="80" name="Ink 79">
@@ -9729,8 +8478,8 @@
             </p:pic>
           </mc:Fallback>
         </mc:AlternateContent>
-        <mc:AlternateContent xmlns:mc="http://schemas.openxmlformats.org/markup-compatibility/2006">
-          <mc:Choice xmlns:p14="http://schemas.microsoft.com/office/powerpoint/2010/main" Requires="p14">
+        <mc:AlternateContent xmlns:mc="http://schemas.openxmlformats.org/markup-compatibility/2006" xmlns:p14="http://schemas.microsoft.com/office/powerpoint/2010/main">
+          <mc:Choice Requires="p14">
             <p:contentPart p14:bwMode="auto" r:id="rId48">
               <p14:nvContentPartPr>
                 <p14:cNvPr id="81" name="Ink 80">
@@ -9749,7 +8498,7 @@
               </p14:xfrm>
             </p:contentPart>
           </mc:Choice>
-          <mc:Fallback>
+          <mc:Fallback xmlns="">
             <p:pic>
               <p:nvPicPr>
                 <p:cNvPr id="81" name="Ink 80">
@@ -9780,8 +8529,8 @@
             </p:pic>
           </mc:Fallback>
         </mc:AlternateContent>
-        <mc:AlternateContent xmlns:mc="http://schemas.openxmlformats.org/markup-compatibility/2006">
-          <mc:Choice xmlns:p14="http://schemas.microsoft.com/office/powerpoint/2010/main" Requires="p14">
+        <mc:AlternateContent xmlns:mc="http://schemas.openxmlformats.org/markup-compatibility/2006" xmlns:p14="http://schemas.microsoft.com/office/powerpoint/2010/main">
+          <mc:Choice Requires="p14">
             <p:contentPart p14:bwMode="auto" r:id="rId50">
               <p14:nvContentPartPr>
                 <p14:cNvPr id="82" name="Ink 81">
@@ -9800,7 +8549,7 @@
               </p14:xfrm>
             </p:contentPart>
           </mc:Choice>
-          <mc:Fallback>
+          <mc:Fallback xmlns="">
             <p:pic>
               <p:nvPicPr>
                 <p:cNvPr id="82" name="Ink 81">
@@ -9831,8 +8580,8 @@
             </p:pic>
           </mc:Fallback>
         </mc:AlternateContent>
-        <mc:AlternateContent xmlns:mc="http://schemas.openxmlformats.org/markup-compatibility/2006">
-          <mc:Choice xmlns:p14="http://schemas.microsoft.com/office/powerpoint/2010/main" Requires="p14">
+        <mc:AlternateContent xmlns:mc="http://schemas.openxmlformats.org/markup-compatibility/2006" xmlns:p14="http://schemas.microsoft.com/office/powerpoint/2010/main">
+          <mc:Choice Requires="p14">
             <p:contentPart p14:bwMode="auto" r:id="rId52">
               <p14:nvContentPartPr>
                 <p14:cNvPr id="83" name="Ink 82">
@@ -9851,7 +8600,7 @@
               </p14:xfrm>
             </p:contentPart>
           </mc:Choice>
-          <mc:Fallback>
+          <mc:Fallback xmlns="">
             <p:pic>
               <p:nvPicPr>
                 <p:cNvPr id="83" name="Ink 82">
@@ -9882,8 +8631,8 @@
             </p:pic>
           </mc:Fallback>
         </mc:AlternateContent>
-        <mc:AlternateContent xmlns:mc="http://schemas.openxmlformats.org/markup-compatibility/2006">
-          <mc:Choice xmlns:p14="http://schemas.microsoft.com/office/powerpoint/2010/main" Requires="p14">
+        <mc:AlternateContent xmlns:mc="http://schemas.openxmlformats.org/markup-compatibility/2006" xmlns:p14="http://schemas.microsoft.com/office/powerpoint/2010/main">
+          <mc:Choice Requires="p14">
             <p:contentPart p14:bwMode="auto" r:id="rId54">
               <p14:nvContentPartPr>
                 <p14:cNvPr id="84" name="Ink 83">
@@ -9902,7 +8651,7 @@
               </p14:xfrm>
             </p:contentPart>
           </mc:Choice>
-          <mc:Fallback>
+          <mc:Fallback xmlns="">
             <p:pic>
               <p:nvPicPr>
                 <p:cNvPr id="84" name="Ink 83">
@@ -10421,7 +9170,7 @@
 </p:sld>
 </file>
 
-<file path=ppt/slides/slide15.xml><?xml version="1.0" encoding="utf-8"?>
+<file path=ppt/slides/slide14.xml><?xml version="1.0" encoding="utf-8"?>
 <p:sld xmlns:a="http://schemas.openxmlformats.org/drawingml/2006/main" xmlns:r="http://schemas.openxmlformats.org/officeDocument/2006/relationships" xmlns:p="http://schemas.openxmlformats.org/presentationml/2006/main">
   <p:cSld>
     <p:spTree>
@@ -10815,7 +9564,7 @@
 </p:sld>
 </file>
 
-<file path=ppt/slides/slide16.xml><?xml version="1.0" encoding="utf-8"?>
+<file path=ppt/slides/slide15.xml><?xml version="1.0" encoding="utf-8"?>
 <p:sld xmlns:a="http://schemas.openxmlformats.org/drawingml/2006/main" xmlns:r="http://schemas.openxmlformats.org/officeDocument/2006/relationships" xmlns:p="http://schemas.openxmlformats.org/presentationml/2006/main">
   <p:cSld>
     <p:spTree>
@@ -11337,8 +10086,8 @@
             <a:chExt cx="1510200" cy="526680"/>
           </a:xfrm>
         </p:grpSpPr>
-        <mc:AlternateContent xmlns:mc="http://schemas.openxmlformats.org/markup-compatibility/2006">
-          <mc:Choice xmlns:p14="http://schemas.microsoft.com/office/powerpoint/2010/main" Requires="p14">
+        <mc:AlternateContent xmlns:mc="http://schemas.openxmlformats.org/markup-compatibility/2006" xmlns:p14="http://schemas.microsoft.com/office/powerpoint/2010/main">
+          <mc:Choice Requires="p14">
             <p:contentPart p14:bwMode="auto" r:id="rId2">
               <p14:nvContentPartPr>
                 <p14:cNvPr id="8" name="Ink 7">
@@ -11357,7 +10106,7 @@
               </p14:xfrm>
             </p:contentPart>
           </mc:Choice>
-          <mc:Fallback>
+          <mc:Fallback xmlns="">
             <p:pic>
               <p:nvPicPr>
                 <p:cNvPr id="8" name="Ink 7">
@@ -11388,8 +10137,8 @@
             </p:pic>
           </mc:Fallback>
         </mc:AlternateContent>
-        <mc:AlternateContent xmlns:mc="http://schemas.openxmlformats.org/markup-compatibility/2006">
-          <mc:Choice xmlns:p14="http://schemas.microsoft.com/office/powerpoint/2010/main" Requires="p14">
+        <mc:AlternateContent xmlns:mc="http://schemas.openxmlformats.org/markup-compatibility/2006" xmlns:p14="http://schemas.microsoft.com/office/powerpoint/2010/main">
+          <mc:Choice Requires="p14">
             <p:contentPart p14:bwMode="auto" r:id="rId4">
               <p14:nvContentPartPr>
                 <p14:cNvPr id="9" name="Ink 8">
@@ -11408,7 +10157,7 @@
               </p14:xfrm>
             </p:contentPart>
           </mc:Choice>
-          <mc:Fallback>
+          <mc:Fallback xmlns="">
             <p:pic>
               <p:nvPicPr>
                 <p:cNvPr id="9" name="Ink 8">
@@ -11750,7 +10499,7 @@
 </p:sld>
 </file>
 
-<file path=ppt/slides/slide17.xml><?xml version="1.0" encoding="utf-8"?>
+<file path=ppt/slides/slide16.xml><?xml version="1.0" encoding="utf-8"?>
 <p:sld xmlns:a="http://schemas.openxmlformats.org/drawingml/2006/main" xmlns:r="http://schemas.openxmlformats.org/officeDocument/2006/relationships" xmlns:p="http://schemas.openxmlformats.org/presentationml/2006/main">
   <p:cSld>
     <p:spTree>
@@ -12079,7 +10828,7 @@
 </p:sld>
 </file>
 
-<file path=ppt/slides/slide18.xml><?xml version="1.0" encoding="utf-8"?>
+<file path=ppt/slides/slide17.xml><?xml version="1.0" encoding="utf-8"?>
 <p:sld xmlns:a="http://schemas.openxmlformats.org/drawingml/2006/main" xmlns:r="http://schemas.openxmlformats.org/officeDocument/2006/relationships" xmlns:p="http://schemas.openxmlformats.org/presentationml/2006/main">
   <p:cSld>
     <p:spTree>
@@ -13065,8 +11814,8 @@
             <a:chExt cx="2351520" cy="1560600"/>
           </a:xfrm>
         </p:grpSpPr>
-        <mc:AlternateContent xmlns:mc="http://schemas.openxmlformats.org/markup-compatibility/2006">
-          <mc:Choice xmlns:p14="http://schemas.microsoft.com/office/powerpoint/2010/main" Requires="p14">
+        <mc:AlternateContent xmlns:mc="http://schemas.openxmlformats.org/markup-compatibility/2006" xmlns:p14="http://schemas.microsoft.com/office/powerpoint/2010/main">
+          <mc:Choice Requires="p14">
             <p:contentPart p14:bwMode="auto" r:id="rId2">
               <p14:nvContentPartPr>
                 <p14:cNvPr id="5" name="Ink 4">
@@ -13085,7 +11834,7 @@
               </p14:xfrm>
             </p:contentPart>
           </mc:Choice>
-          <mc:Fallback>
+          <mc:Fallback xmlns="">
             <p:pic>
               <p:nvPicPr>
                 <p:cNvPr id="5" name="Ink 4">
@@ -13116,8 +11865,8 @@
             </p:pic>
           </mc:Fallback>
         </mc:AlternateContent>
-        <mc:AlternateContent xmlns:mc="http://schemas.openxmlformats.org/markup-compatibility/2006">
-          <mc:Choice xmlns:p14="http://schemas.microsoft.com/office/powerpoint/2010/main" Requires="p14">
+        <mc:AlternateContent xmlns:mc="http://schemas.openxmlformats.org/markup-compatibility/2006" xmlns:p14="http://schemas.microsoft.com/office/powerpoint/2010/main">
+          <mc:Choice Requires="p14">
             <p:contentPart p14:bwMode="auto" r:id="rId4">
               <p14:nvContentPartPr>
                 <p14:cNvPr id="6" name="Ink 5">
@@ -13136,7 +11885,7 @@
               </p14:xfrm>
             </p:contentPart>
           </mc:Choice>
-          <mc:Fallback>
+          <mc:Fallback xmlns="">
             <p:pic>
               <p:nvPicPr>
                 <p:cNvPr id="6" name="Ink 5">
@@ -13419,7 +12168,7 @@
 </p:sld>
 </file>
 
-<file path=ppt/slides/slide19.xml><?xml version="1.0" encoding="utf-8"?>
+<file path=ppt/slides/slide18.xml><?xml version="1.0" encoding="utf-8"?>
 <p:sld xmlns:a="http://schemas.openxmlformats.org/drawingml/2006/main" xmlns:r="http://schemas.openxmlformats.org/officeDocument/2006/relationships" xmlns:p="http://schemas.openxmlformats.org/presentationml/2006/main">
   <p:cSld>
     <p:spTree>
@@ -13539,91 +12288,7 @@
 </p:sld>
 </file>
 
-<file path=ppt/slides/slide2.xml><?xml version="1.0" encoding="utf-8"?>
-<p:sld xmlns:a="http://schemas.openxmlformats.org/drawingml/2006/main" xmlns:r="http://schemas.openxmlformats.org/officeDocument/2006/relationships" xmlns:p="http://schemas.openxmlformats.org/presentationml/2006/main">
-  <p:cSld>
-    <p:spTree>
-      <p:nvGrpSpPr>
-        <p:cNvPr id="1" name=""/>
-        <p:cNvGrpSpPr/>
-        <p:nvPr/>
-      </p:nvGrpSpPr>
-      <p:grpSpPr>
-        <a:xfrm>
-          <a:off x="0" y="0"/>
-          <a:ext cx="0" cy="0"/>
-          <a:chOff x="0" y="0"/>
-          <a:chExt cx="0" cy="0"/>
-        </a:xfrm>
-      </p:grpSpPr>
-      <p:sp>
-        <p:nvSpPr>
-          <p:cNvPr id="2" name="Title 1">
-            <a:extLst>
-              <a:ext uri="{FF2B5EF4-FFF2-40B4-BE49-F238E27FC236}">
-                <a16:creationId xmlns:a16="http://schemas.microsoft.com/office/drawing/2014/main" id="{EEB7FA78-9478-6080-EADB-E60D5D97BF79}"/>
-              </a:ext>
-            </a:extLst>
-          </p:cNvPr>
-          <p:cNvSpPr>
-            <a:spLocks noGrp="1"/>
-          </p:cNvSpPr>
-          <p:nvPr>
-            <p:ph type="ctrTitle"/>
-          </p:nvPr>
-        </p:nvSpPr>
-        <p:spPr/>
-        <p:txBody>
-          <a:bodyPr/>
-          <a:lstStyle/>
-          <a:p>
-            <a:r>
-              <a:rPr lang="en-US" dirty="0"/>
-              <a:t>Questions?</a:t>
-            </a:r>
-            <a:endParaRPr lang="ru-RU" dirty="0"/>
-          </a:p>
-        </p:txBody>
-      </p:sp>
-      <p:sp>
-        <p:nvSpPr>
-          <p:cNvPr id="4" name="Subtitle 3">
-            <a:extLst>
-              <a:ext uri="{FF2B5EF4-FFF2-40B4-BE49-F238E27FC236}">
-                <a16:creationId xmlns:a16="http://schemas.microsoft.com/office/drawing/2014/main" id="{81D11646-187F-88DB-2B01-AA79799E4DD3}"/>
-              </a:ext>
-            </a:extLst>
-          </p:cNvPr>
-          <p:cNvSpPr>
-            <a:spLocks noGrp="1"/>
-          </p:cNvSpPr>
-          <p:nvPr>
-            <p:ph type="subTitle" idx="1"/>
-          </p:nvPr>
-        </p:nvSpPr>
-        <p:spPr/>
-        <p:txBody>
-          <a:bodyPr/>
-          <a:lstStyle/>
-          <a:p>
-            <a:endParaRPr lang="ru-RU"/>
-          </a:p>
-        </p:txBody>
-      </p:sp>
-    </p:spTree>
-    <p:extLst>
-      <p:ext uri="{BB962C8B-B14F-4D97-AF65-F5344CB8AC3E}">
-        <p14:creationId xmlns:p14="http://schemas.microsoft.com/office/powerpoint/2010/main" val="3849855292"/>
-      </p:ext>
-    </p:extLst>
-  </p:cSld>
-  <p:clrMapOvr>
-    <a:masterClrMapping/>
-  </p:clrMapOvr>
-</p:sld>
-</file>
-
-<file path=ppt/slides/slide20.xml><?xml version="1.0" encoding="utf-8"?>
+<file path=ppt/slides/slide19.xml><?xml version="1.0" encoding="utf-8"?>
 <p:sld xmlns:a="http://schemas.openxmlformats.org/drawingml/2006/main" xmlns:r="http://schemas.openxmlformats.org/officeDocument/2006/relationships" xmlns:p="http://schemas.openxmlformats.org/presentationml/2006/main">
   <p:cSld>
     <p:spTree>
@@ -14841,7 +13506,123 @@
 </p:sld>
 </file>
 
-<file path=ppt/slides/slide21.xml><?xml version="1.0" encoding="utf-8"?>
+<file path=ppt/slides/slide2.xml><?xml version="1.0" encoding="utf-8"?>
+<p:sld xmlns:a="http://schemas.openxmlformats.org/drawingml/2006/main" xmlns:r="http://schemas.openxmlformats.org/officeDocument/2006/relationships" xmlns:p="http://schemas.openxmlformats.org/presentationml/2006/main">
+  <p:cSld>
+    <p:spTree>
+      <p:nvGrpSpPr>
+        <p:cNvPr id="1" name=""/>
+        <p:cNvGrpSpPr/>
+        <p:nvPr/>
+      </p:nvGrpSpPr>
+      <p:grpSpPr>
+        <a:xfrm>
+          <a:off x="0" y="0"/>
+          <a:ext cx="0" cy="0"/>
+          <a:chOff x="0" y="0"/>
+          <a:chExt cx="0" cy="0"/>
+        </a:xfrm>
+      </p:grpSpPr>
+      <p:sp>
+        <p:nvSpPr>
+          <p:cNvPr id="2" name="Title 1">
+            <a:extLst>
+              <a:ext uri="{FF2B5EF4-FFF2-40B4-BE49-F238E27FC236}">
+                <a16:creationId xmlns:a16="http://schemas.microsoft.com/office/drawing/2014/main" id="{001A4796-0012-4F9C-1CE3-2903F2116478}"/>
+              </a:ext>
+            </a:extLst>
+          </p:cNvPr>
+          <p:cNvSpPr>
+            <a:spLocks noGrp="1"/>
+          </p:cNvSpPr>
+          <p:nvPr>
+            <p:ph type="title"/>
+          </p:nvPr>
+        </p:nvSpPr>
+        <p:spPr/>
+        <p:txBody>
+          <a:bodyPr/>
+          <a:lstStyle/>
+          <a:p>
+            <a:r>
+              <a:rPr lang="en-US" dirty="0"/>
+              <a:t>Object-Oriented Programming</a:t>
+            </a:r>
+            <a:endParaRPr lang="ru-RU" dirty="0"/>
+          </a:p>
+        </p:txBody>
+      </p:sp>
+      <p:sp>
+        <p:nvSpPr>
+          <p:cNvPr id="3" name="Content Placeholder 2">
+            <a:extLst>
+              <a:ext uri="{FF2B5EF4-FFF2-40B4-BE49-F238E27FC236}">
+                <a16:creationId xmlns:a16="http://schemas.microsoft.com/office/drawing/2014/main" id="{D7291D5F-4644-08F2-2694-17563EDCDC8F}"/>
+              </a:ext>
+            </a:extLst>
+          </p:cNvPr>
+          <p:cNvSpPr>
+            <a:spLocks noGrp="1"/>
+          </p:cNvSpPr>
+          <p:nvPr>
+            <p:ph idx="1"/>
+          </p:nvPr>
+        </p:nvSpPr>
+        <p:spPr/>
+        <p:txBody>
+          <a:bodyPr/>
+          <a:lstStyle/>
+          <a:p>
+            <a:r>
+              <a:rPr lang="en-US" dirty="0"/>
+              <a:t>Encapsulation</a:t>
+            </a:r>
+          </a:p>
+          <a:p>
+            <a:r>
+              <a:rPr lang="en-US" dirty="0">
+                <a:solidFill>
+                  <a:srgbClr val="202122"/>
+                </a:solidFill>
+                <a:latin typeface="Arial" panose="020B0604020202020204" pitchFamily="34" charset="0"/>
+              </a:rPr>
+              <a:t>I</a:t>
+            </a:r>
+            <a:r>
+              <a:rPr lang="en-US" b="0" i="0" dirty="0">
+                <a:solidFill>
+                  <a:srgbClr val="202122"/>
+                </a:solidFill>
+                <a:effectLst/>
+                <a:latin typeface="Arial" panose="020B0604020202020204" pitchFamily="34" charset="0"/>
+              </a:rPr>
+              <a:t>nheritance</a:t>
+            </a:r>
+            <a:endParaRPr lang="en-US" dirty="0"/>
+          </a:p>
+          <a:p>
+            <a:r>
+              <a:rPr lang="en-US" dirty="0"/>
+              <a:t>Polymorphism</a:t>
+            </a:r>
+            <a:endParaRPr lang="ru-RU" dirty="0"/>
+          </a:p>
+        </p:txBody>
+      </p:sp>
+    </p:spTree>
+    <p:extLst>
+      <p:ext uri="{BB962C8B-B14F-4D97-AF65-F5344CB8AC3E}">
+        <p14:creationId xmlns:p14="http://schemas.microsoft.com/office/powerpoint/2010/main" val="3842887478"/>
+      </p:ext>
+    </p:extLst>
+  </p:cSld>
+  <p:clrMapOvr>
+    <a:masterClrMapping/>
+  </p:clrMapOvr>
+</p:sld>
+</file>
+
+<file path=ppt/slides/slide20.xml><?xml version="1.0" encoding="utf-8"?>
 <p:sld xmlns:a="http://schemas.openxmlformats.org/drawingml/2006/main" xmlns:r="http://schemas.openxmlformats.org/officeDocument/2006/relationships" xmlns:p="http://schemas.openxmlformats.org/presentationml/2006/main">
   <p:cSld>
     <p:spTree>
@@ -15850,7 +14631,7 @@
 </p:sld>
 </file>
 
-<file path=ppt/slides/slide22.xml><?xml version="1.0" encoding="utf-8"?>
+<file path=ppt/slides/slide21.xml><?xml version="1.0" encoding="utf-8"?>
 <p:sld xmlns:a="http://schemas.openxmlformats.org/drawingml/2006/main" xmlns:r="http://schemas.openxmlformats.org/officeDocument/2006/relationships" xmlns:p="http://schemas.openxmlformats.org/presentationml/2006/main">
   <p:cSld>
     <p:spTree>
@@ -16487,7 +15268,7 @@
 </p:sld>
 </file>
 
-<file path=ppt/slides/slide23.xml><?xml version="1.0" encoding="utf-8"?>
+<file path=ppt/slides/slide22.xml><?xml version="1.0" encoding="utf-8"?>
 <p:sld xmlns:a="http://schemas.openxmlformats.org/drawingml/2006/main" xmlns:r="http://schemas.openxmlformats.org/officeDocument/2006/relationships" xmlns:p="http://schemas.openxmlformats.org/presentationml/2006/main">
   <p:cSld>
     <p:spTree>
@@ -17251,6 +16032,349 @@
 </p:sld>
 </file>
 
+<file path=ppt/slides/slide23.xml><?xml version="1.0" encoding="utf-8"?>
+<p:sld xmlns:a="http://schemas.openxmlformats.org/drawingml/2006/main" xmlns:r="http://schemas.openxmlformats.org/officeDocument/2006/relationships" xmlns:p="http://schemas.openxmlformats.org/presentationml/2006/main">
+  <p:cSld>
+    <p:spTree>
+      <p:nvGrpSpPr>
+        <p:cNvPr id="1" name=""/>
+        <p:cNvGrpSpPr/>
+        <p:nvPr/>
+      </p:nvGrpSpPr>
+      <p:grpSpPr>
+        <a:xfrm>
+          <a:off x="0" y="0"/>
+          <a:ext cx="0" cy="0"/>
+          <a:chOff x="0" y="0"/>
+          <a:chExt cx="0" cy="0"/>
+        </a:xfrm>
+      </p:grpSpPr>
+      <p:sp>
+        <p:nvSpPr>
+          <p:cNvPr id="2" name="Title 1">
+            <a:extLst>
+              <a:ext uri="{FF2B5EF4-FFF2-40B4-BE49-F238E27FC236}">
+                <a16:creationId xmlns:a16="http://schemas.microsoft.com/office/drawing/2014/main" id="{1D37D827-5A84-2D4A-912E-B91AAE9053F2}"/>
+              </a:ext>
+            </a:extLst>
+          </p:cNvPr>
+          <p:cNvSpPr>
+            <a:spLocks noGrp="1"/>
+          </p:cNvSpPr>
+          <p:nvPr>
+            <p:ph type="title"/>
+          </p:nvPr>
+        </p:nvSpPr>
+        <p:spPr/>
+        <p:txBody>
+          <a:bodyPr/>
+          <a:lstStyle/>
+          <a:p>
+            <a:r>
+              <a:rPr lang="en-US" dirty="0"/>
+              <a:t>Drop aka destructor</a:t>
+            </a:r>
+            <a:endParaRPr lang="ru-RU" dirty="0"/>
+          </a:p>
+        </p:txBody>
+      </p:sp>
+      <p:sp>
+        <p:nvSpPr>
+          <p:cNvPr id="7" name="Content Placeholder 6">
+            <a:extLst>
+              <a:ext uri="{FF2B5EF4-FFF2-40B4-BE49-F238E27FC236}">
+                <a16:creationId xmlns:a16="http://schemas.microsoft.com/office/drawing/2014/main" id="{8693D0AB-33EB-A57D-B768-11289190988D}"/>
+              </a:ext>
+            </a:extLst>
+          </p:cNvPr>
+          <p:cNvSpPr>
+            <a:spLocks noGrp="1"/>
+          </p:cNvSpPr>
+          <p:nvPr>
+            <p:ph idx="1"/>
+          </p:nvPr>
+        </p:nvSpPr>
+        <p:spPr/>
+        <p:txBody>
+          <a:bodyPr/>
+          <a:lstStyle/>
+          <a:p>
+            <a:pPr marL="0" indent="0">
+              <a:buNone/>
+            </a:pPr>
+            <a:r>
+              <a:rPr lang="en-US" dirty="0"/>
+              <a:t>Usage</a:t>
+            </a:r>
+          </a:p>
+          <a:p>
+            <a:r>
+              <a:rPr lang="en-US" dirty="0"/>
+              <a:t>Smart pointers</a:t>
+            </a:r>
+          </a:p>
+          <a:p>
+            <a:r>
+              <a:rPr lang="en-US" dirty="0"/>
+              <a:t>External resource release</a:t>
+            </a:r>
+          </a:p>
+          <a:p>
+            <a:r>
+              <a:rPr lang="en-US" dirty="0"/>
+              <a:t>Cleanup</a:t>
+            </a:r>
+          </a:p>
+          <a:p>
+            <a:r>
+              <a:rPr lang="en-US" dirty="0"/>
+              <a:t>Etc.</a:t>
+            </a:r>
+          </a:p>
+        </p:txBody>
+      </p:sp>
+    </p:spTree>
+    <p:extLst>
+      <p:ext uri="{BB962C8B-B14F-4D97-AF65-F5344CB8AC3E}">
+        <p14:creationId xmlns:p14="http://schemas.microsoft.com/office/powerpoint/2010/main" val="3618308755"/>
+      </p:ext>
+    </p:extLst>
+  </p:cSld>
+  <p:clrMapOvr>
+    <a:masterClrMapping/>
+  </p:clrMapOvr>
+  <p:timing>
+    <p:tnLst>
+      <p:par>
+        <p:cTn id="1" dur="indefinite" restart="never" nodeType="tmRoot">
+          <p:childTnLst>
+            <p:seq concurrent="1" nextAc="seek">
+              <p:cTn id="2" dur="indefinite" nodeType="mainSeq">
+                <p:childTnLst>
+                  <p:par>
+                    <p:cTn id="3" fill="hold">
+                      <p:stCondLst>
+                        <p:cond delay="indefinite"/>
+                      </p:stCondLst>
+                      <p:childTnLst>
+                        <p:par>
+                          <p:cTn id="4" fill="hold">
+                            <p:stCondLst>
+                              <p:cond delay="0"/>
+                            </p:stCondLst>
+                            <p:childTnLst>
+                              <p:par>
+                                <p:cTn id="5" presetID="1" presetClass="entr" presetSubtype="0" fill="hold" grpId="0" nodeType="clickEffect">
+                                  <p:stCondLst>
+                                    <p:cond delay="0"/>
+                                  </p:stCondLst>
+                                  <p:childTnLst>
+                                    <p:set>
+                                      <p:cBhvr>
+                                        <p:cTn id="6" dur="1" fill="hold">
+                                          <p:stCondLst>
+                                            <p:cond delay="0"/>
+                                          </p:stCondLst>
+                                        </p:cTn>
+                                        <p:tgtEl>
+                                          <p:spTgt spid="7">
+                                            <p:txEl>
+                                              <p:pRg st="1" end="1"/>
+                                            </p:txEl>
+                                          </p:spTgt>
+                                        </p:tgtEl>
+                                        <p:attrNameLst>
+                                          <p:attrName>style.visibility</p:attrName>
+                                        </p:attrNameLst>
+                                      </p:cBhvr>
+                                      <p:to>
+                                        <p:strVal val="visible"/>
+                                      </p:to>
+                                    </p:set>
+                                  </p:childTnLst>
+                                </p:cTn>
+                              </p:par>
+                            </p:childTnLst>
+                          </p:cTn>
+                        </p:par>
+                      </p:childTnLst>
+                    </p:cTn>
+                  </p:par>
+                  <p:par>
+                    <p:cTn id="7" fill="hold">
+                      <p:stCondLst>
+                        <p:cond delay="indefinite"/>
+                      </p:stCondLst>
+                      <p:childTnLst>
+                        <p:par>
+                          <p:cTn id="8" fill="hold">
+                            <p:stCondLst>
+                              <p:cond delay="0"/>
+                            </p:stCondLst>
+                            <p:childTnLst>
+                              <p:par>
+                                <p:cTn id="9" presetID="1" presetClass="entr" presetSubtype="0" fill="hold" grpId="0" nodeType="clickEffect">
+                                  <p:stCondLst>
+                                    <p:cond delay="0"/>
+                                  </p:stCondLst>
+                                  <p:childTnLst>
+                                    <p:set>
+                                      <p:cBhvr>
+                                        <p:cTn id="10" dur="1" fill="hold">
+                                          <p:stCondLst>
+                                            <p:cond delay="0"/>
+                                          </p:stCondLst>
+                                        </p:cTn>
+                                        <p:tgtEl>
+                                          <p:spTgt spid="7">
+                                            <p:txEl>
+                                              <p:pRg st="2" end="2"/>
+                                            </p:txEl>
+                                          </p:spTgt>
+                                        </p:tgtEl>
+                                        <p:attrNameLst>
+                                          <p:attrName>style.visibility</p:attrName>
+                                        </p:attrNameLst>
+                                      </p:cBhvr>
+                                      <p:to>
+                                        <p:strVal val="visible"/>
+                                      </p:to>
+                                    </p:set>
+                                  </p:childTnLst>
+                                </p:cTn>
+                              </p:par>
+                            </p:childTnLst>
+                          </p:cTn>
+                        </p:par>
+                      </p:childTnLst>
+                    </p:cTn>
+                  </p:par>
+                  <p:par>
+                    <p:cTn id="11" fill="hold">
+                      <p:stCondLst>
+                        <p:cond delay="indefinite"/>
+                      </p:stCondLst>
+                      <p:childTnLst>
+                        <p:par>
+                          <p:cTn id="12" fill="hold">
+                            <p:stCondLst>
+                              <p:cond delay="0"/>
+                            </p:stCondLst>
+                            <p:childTnLst>
+                              <p:par>
+                                <p:cTn id="13" presetID="1" presetClass="entr" presetSubtype="0" fill="hold" grpId="0" nodeType="clickEffect">
+                                  <p:stCondLst>
+                                    <p:cond delay="0"/>
+                                  </p:stCondLst>
+                                  <p:childTnLst>
+                                    <p:set>
+                                      <p:cBhvr>
+                                        <p:cTn id="14" dur="1" fill="hold">
+                                          <p:stCondLst>
+                                            <p:cond delay="0"/>
+                                          </p:stCondLst>
+                                        </p:cTn>
+                                        <p:tgtEl>
+                                          <p:spTgt spid="7">
+                                            <p:txEl>
+                                              <p:pRg st="3" end="3"/>
+                                            </p:txEl>
+                                          </p:spTgt>
+                                        </p:tgtEl>
+                                        <p:attrNameLst>
+                                          <p:attrName>style.visibility</p:attrName>
+                                        </p:attrNameLst>
+                                      </p:cBhvr>
+                                      <p:to>
+                                        <p:strVal val="visible"/>
+                                      </p:to>
+                                    </p:set>
+                                  </p:childTnLst>
+                                </p:cTn>
+                              </p:par>
+                            </p:childTnLst>
+                          </p:cTn>
+                        </p:par>
+                      </p:childTnLst>
+                    </p:cTn>
+                  </p:par>
+                  <p:par>
+                    <p:cTn id="15" fill="hold">
+                      <p:stCondLst>
+                        <p:cond delay="indefinite"/>
+                      </p:stCondLst>
+                      <p:childTnLst>
+                        <p:par>
+                          <p:cTn id="16" fill="hold">
+                            <p:stCondLst>
+                              <p:cond delay="0"/>
+                            </p:stCondLst>
+                            <p:childTnLst>
+                              <p:par>
+                                <p:cTn id="17" presetID="1" presetClass="entr" presetSubtype="0" fill="hold" grpId="0" nodeType="clickEffect">
+                                  <p:stCondLst>
+                                    <p:cond delay="0"/>
+                                  </p:stCondLst>
+                                  <p:childTnLst>
+                                    <p:set>
+                                      <p:cBhvr>
+                                        <p:cTn id="18" dur="1" fill="hold">
+                                          <p:stCondLst>
+                                            <p:cond delay="0"/>
+                                          </p:stCondLst>
+                                        </p:cTn>
+                                        <p:tgtEl>
+                                          <p:spTgt spid="7">
+                                            <p:txEl>
+                                              <p:pRg st="4" end="4"/>
+                                            </p:txEl>
+                                          </p:spTgt>
+                                        </p:tgtEl>
+                                        <p:attrNameLst>
+                                          <p:attrName>style.visibility</p:attrName>
+                                        </p:attrNameLst>
+                                      </p:cBhvr>
+                                      <p:to>
+                                        <p:strVal val="visible"/>
+                                      </p:to>
+                                    </p:set>
+                                  </p:childTnLst>
+                                </p:cTn>
+                              </p:par>
+                            </p:childTnLst>
+                          </p:cTn>
+                        </p:par>
+                      </p:childTnLst>
+                    </p:cTn>
+                  </p:par>
+                </p:childTnLst>
+              </p:cTn>
+              <p:prevCondLst>
+                <p:cond evt="onPrev" delay="0">
+                  <p:tgtEl>
+                    <p:sldTgt/>
+                  </p:tgtEl>
+                </p:cond>
+              </p:prevCondLst>
+              <p:nextCondLst>
+                <p:cond evt="onNext" delay="0">
+                  <p:tgtEl>
+                    <p:sldTgt/>
+                  </p:tgtEl>
+                </p:cond>
+              </p:nextCondLst>
+            </p:seq>
+          </p:childTnLst>
+        </p:cTn>
+      </p:par>
+    </p:tnLst>
+    <p:bldLst>
+      <p:bldP spid="7" grpId="0" uiExpand="1" build="p"/>
+    </p:bldLst>
+  </p:timing>
+</p:sld>
+</file>
+
 <file path=ppt/slides/slide24.xml><?xml version="1.0" encoding="utf-8"?>
 <p:sld xmlns:a="http://schemas.openxmlformats.org/drawingml/2006/main" xmlns:r="http://schemas.openxmlformats.org/officeDocument/2006/relationships" xmlns:p="http://schemas.openxmlformats.org/presentationml/2006/main">
   <p:cSld>
@@ -17273,7 +16397,7 @@
           <p:cNvPr id="2" name="Title 1">
             <a:extLst>
               <a:ext uri="{FF2B5EF4-FFF2-40B4-BE49-F238E27FC236}">
-                <a16:creationId xmlns:a16="http://schemas.microsoft.com/office/drawing/2014/main" id="{45B6F641-DB2F-0650-6100-A1743A95D999}"/>
+                <a16:creationId xmlns:a16="http://schemas.microsoft.com/office/drawing/2014/main" id="{49482E3D-CBD4-AD15-506D-9EA136E994F7}"/>
               </a:ext>
             </a:extLst>
           </p:cNvPr>
@@ -17289,16 +16413,24 @@
           <a:bodyPr/>
           <a:lstStyle/>
           <a:p>
-            <a:endParaRPr lang="ru-RU"/>
+            <a:r>
+              <a:rPr lang="en-US" dirty="0" err="1"/>
+              <a:t>impl</a:t>
+            </a:r>
+            <a:r>
+              <a:rPr lang="en-US" dirty="0"/>
+              <a:t> Drop</a:t>
+            </a:r>
+            <a:endParaRPr lang="ru-RU" dirty="0"/>
           </a:p>
         </p:txBody>
       </p:sp>
       <p:sp>
         <p:nvSpPr>
-          <p:cNvPr id="3" name="Text Placeholder 2">
+          <p:cNvPr id="3" name="Content Placeholder 2">
             <a:extLst>
               <a:ext uri="{FF2B5EF4-FFF2-40B4-BE49-F238E27FC236}">
-                <a16:creationId xmlns:a16="http://schemas.microsoft.com/office/drawing/2014/main" id="{A7A40630-DE87-F96C-7CA2-63C619E0AAAF}"/>
+                <a16:creationId xmlns:a16="http://schemas.microsoft.com/office/drawing/2014/main" id="{3999BB29-895C-E50D-5EA3-A0D5E4D482D4}"/>
               </a:ext>
             </a:extLst>
           </p:cNvPr>
@@ -17306,15 +16438,400 @@
             <a:spLocks noGrp="1"/>
           </p:cNvSpPr>
           <p:nvPr>
-            <p:ph type="body" idx="1"/>
+            <p:ph sz="half" idx="1"/>
           </p:nvPr>
         </p:nvSpPr>
         <p:spPr/>
         <p:txBody>
-          <a:bodyPr/>
+          <a:bodyPr>
+            <a:normAutofit/>
+          </a:bodyPr>
           <a:lstStyle/>
           <a:p>
-            <a:endParaRPr lang="ru-RU"/>
+            <a:pPr marL="0" indent="0">
+              <a:buNone/>
+            </a:pPr>
+            <a:r>
+              <a:rPr lang="en-US" dirty="0">
+                <a:solidFill>
+                  <a:srgbClr val="0033B3"/>
+                </a:solidFill>
+                <a:effectLst/>
+                <a:latin typeface="JetBrains Mono"/>
+              </a:rPr>
+              <a:t>struct </a:t>
+            </a:r>
+            <a:r>
+              <a:rPr lang="en-US" dirty="0" err="1">
+                <a:solidFill>
+                  <a:srgbClr val="000000"/>
+                </a:solidFill>
+                <a:effectLst/>
+                <a:latin typeface="JetBrains Mono"/>
+              </a:rPr>
+              <a:t>MyStruct</a:t>
+            </a:r>
+            <a:r>
+              <a:rPr lang="en-US" dirty="0">
+                <a:solidFill>
+                  <a:srgbClr val="000000"/>
+                </a:solidFill>
+                <a:effectLst/>
+                <a:latin typeface="JetBrains Mono"/>
+              </a:rPr>
+              <a:t> </a:t>
+            </a:r>
+            <a:r>
+              <a:rPr lang="en-US" dirty="0">
+                <a:solidFill>
+                  <a:srgbClr val="080808"/>
+                </a:solidFill>
+                <a:effectLst/>
+                <a:latin typeface="JetBrains Mono"/>
+              </a:rPr>
+              <a:t>{</a:t>
+            </a:r>
+            <a:br>
+              <a:rPr lang="en-US" dirty="0">
+                <a:solidFill>
+                  <a:srgbClr val="080808"/>
+                </a:solidFill>
+                <a:effectLst/>
+                <a:latin typeface="JetBrains Mono"/>
+              </a:rPr>
+            </a:br>
+            <a:r>
+              <a:rPr lang="en-US" dirty="0">
+                <a:solidFill>
+                  <a:srgbClr val="080808"/>
+                </a:solidFill>
+                <a:effectLst/>
+                <a:latin typeface="JetBrains Mono"/>
+              </a:rPr>
+              <a:t>    </a:t>
+            </a:r>
+            <a:r>
+              <a:rPr lang="en-US" dirty="0">
+                <a:solidFill>
+                  <a:srgbClr val="871094"/>
+                </a:solidFill>
+                <a:effectLst/>
+                <a:latin typeface="JetBrains Mono"/>
+              </a:rPr>
+              <a:t>integer</a:t>
+            </a:r>
+            <a:r>
+              <a:rPr lang="en-US" dirty="0">
+                <a:solidFill>
+                  <a:srgbClr val="080808"/>
+                </a:solidFill>
+                <a:effectLst/>
+                <a:latin typeface="JetBrains Mono"/>
+              </a:rPr>
+              <a:t>: </a:t>
+            </a:r>
+            <a:r>
+              <a:rPr lang="en-US" dirty="0">
+                <a:solidFill>
+                  <a:srgbClr val="0033B3"/>
+                </a:solidFill>
+                <a:effectLst/>
+                <a:latin typeface="JetBrains Mono"/>
+              </a:rPr>
+              <a:t>i32</a:t>
+            </a:r>
+            <a:br>
+              <a:rPr lang="en-US" dirty="0">
+                <a:solidFill>
+                  <a:srgbClr val="0033B3"/>
+                </a:solidFill>
+                <a:effectLst/>
+                <a:latin typeface="JetBrains Mono"/>
+              </a:rPr>
+            </a:br>
+            <a:r>
+              <a:rPr lang="en-US" dirty="0">
+                <a:solidFill>
+                  <a:srgbClr val="080808"/>
+                </a:solidFill>
+                <a:effectLst/>
+                <a:latin typeface="JetBrains Mono"/>
+              </a:rPr>
+              <a:t>}</a:t>
+            </a:r>
+            <a:br>
+              <a:rPr lang="en-US" dirty="0">
+                <a:solidFill>
+                  <a:srgbClr val="080808"/>
+                </a:solidFill>
+                <a:effectLst/>
+                <a:latin typeface="JetBrains Mono"/>
+              </a:rPr>
+            </a:br>
+            <a:endParaRPr lang="en-US" dirty="0">
+              <a:solidFill>
+                <a:srgbClr val="080808"/>
+              </a:solidFill>
+              <a:effectLst/>
+              <a:latin typeface="JetBrains Mono"/>
+            </a:endParaRPr>
+          </a:p>
+          <a:p>
+            <a:pPr marL="0" indent="0">
+              <a:buNone/>
+            </a:pPr>
+            <a:r>
+              <a:rPr lang="en-US" dirty="0" err="1">
+                <a:solidFill>
+                  <a:srgbClr val="0033B3"/>
+                </a:solidFill>
+                <a:effectLst/>
+                <a:latin typeface="JetBrains Mono"/>
+              </a:rPr>
+              <a:t>impl</a:t>
+            </a:r>
+            <a:r>
+              <a:rPr lang="en-US" dirty="0">
+                <a:solidFill>
+                  <a:srgbClr val="0033B3"/>
+                </a:solidFill>
+                <a:effectLst/>
+                <a:latin typeface="JetBrains Mono"/>
+              </a:rPr>
+              <a:t> </a:t>
+            </a:r>
+            <a:r>
+              <a:rPr lang="en-US" dirty="0">
+                <a:solidFill>
+                  <a:srgbClr val="000000"/>
+                </a:solidFill>
+                <a:effectLst/>
+                <a:latin typeface="JetBrains Mono"/>
+              </a:rPr>
+              <a:t>Drop </a:t>
+            </a:r>
+            <a:r>
+              <a:rPr lang="en-US" dirty="0">
+                <a:solidFill>
+                  <a:srgbClr val="0033B3"/>
+                </a:solidFill>
+                <a:effectLst/>
+                <a:latin typeface="JetBrains Mono"/>
+              </a:rPr>
+              <a:t>for </a:t>
+            </a:r>
+            <a:r>
+              <a:rPr lang="en-US" dirty="0" err="1">
+                <a:solidFill>
+                  <a:srgbClr val="000000"/>
+                </a:solidFill>
+                <a:effectLst/>
+                <a:latin typeface="JetBrains Mono"/>
+              </a:rPr>
+              <a:t>MyStruct</a:t>
+            </a:r>
+            <a:r>
+              <a:rPr lang="en-US" dirty="0">
+                <a:solidFill>
+                  <a:srgbClr val="000000"/>
+                </a:solidFill>
+                <a:effectLst/>
+                <a:latin typeface="JetBrains Mono"/>
+              </a:rPr>
+              <a:t> </a:t>
+            </a:r>
+            <a:r>
+              <a:rPr lang="en-US" dirty="0">
+                <a:solidFill>
+                  <a:srgbClr val="080808"/>
+                </a:solidFill>
+                <a:effectLst/>
+                <a:latin typeface="JetBrains Mono"/>
+              </a:rPr>
+              <a:t>{</a:t>
+            </a:r>
+          </a:p>
+          <a:p>
+            <a:pPr marL="0" indent="0">
+              <a:buNone/>
+            </a:pPr>
+            <a:r>
+              <a:rPr lang="en-US" dirty="0">
+                <a:solidFill>
+                  <a:srgbClr val="080808"/>
+                </a:solidFill>
+                <a:effectLst/>
+                <a:latin typeface="JetBrains Mono"/>
+              </a:rPr>
+              <a:t>    </a:t>
+            </a:r>
+            <a:r>
+              <a:rPr lang="en-US" dirty="0" err="1">
+                <a:solidFill>
+                  <a:srgbClr val="0033B3"/>
+                </a:solidFill>
+                <a:effectLst/>
+                <a:latin typeface="JetBrains Mono"/>
+              </a:rPr>
+              <a:t>fn</a:t>
+            </a:r>
+            <a:r>
+              <a:rPr lang="en-US" dirty="0">
+                <a:solidFill>
+                  <a:srgbClr val="0033B3"/>
+                </a:solidFill>
+                <a:effectLst/>
+                <a:latin typeface="JetBrains Mono"/>
+              </a:rPr>
+              <a:t> </a:t>
+            </a:r>
+            <a:r>
+              <a:rPr lang="en-US" dirty="0">
+                <a:solidFill>
+                  <a:srgbClr val="00627A"/>
+                </a:solidFill>
+                <a:effectLst/>
+                <a:latin typeface="JetBrains Mono"/>
+              </a:rPr>
+              <a:t>drop</a:t>
+            </a:r>
+            <a:r>
+              <a:rPr lang="en-US" dirty="0">
+                <a:solidFill>
+                  <a:srgbClr val="080808"/>
+                </a:solidFill>
+                <a:effectLst/>
+                <a:latin typeface="JetBrains Mono"/>
+              </a:rPr>
+              <a:t>(&amp;</a:t>
+            </a:r>
+            <a:r>
+              <a:rPr lang="en-US" dirty="0">
+                <a:solidFill>
+                  <a:srgbClr val="0033B3"/>
+                </a:solidFill>
+                <a:effectLst/>
+                <a:latin typeface="JetBrains Mono"/>
+              </a:rPr>
+              <a:t>mut self</a:t>
+            </a:r>
+            <a:r>
+              <a:rPr lang="en-US" dirty="0">
+                <a:solidFill>
+                  <a:srgbClr val="080808"/>
+                </a:solidFill>
+                <a:effectLst/>
+                <a:latin typeface="JetBrains Mono"/>
+              </a:rPr>
+              <a:t>) {</a:t>
+            </a:r>
+          </a:p>
+          <a:p>
+            <a:pPr marL="0" indent="0">
+              <a:buNone/>
+            </a:pPr>
+            <a:r>
+              <a:rPr lang="en-US" dirty="0">
+                <a:solidFill>
+                  <a:srgbClr val="080808"/>
+                </a:solidFill>
+                <a:effectLst/>
+                <a:latin typeface="JetBrains Mono"/>
+              </a:rPr>
+              <a:t>        </a:t>
+            </a:r>
+            <a:r>
+              <a:rPr lang="en-US" dirty="0" err="1">
+                <a:solidFill>
+                  <a:srgbClr val="DD6718"/>
+                </a:solidFill>
+                <a:latin typeface="JetBrains Mono"/>
+              </a:rPr>
+              <a:t>println</a:t>
+            </a:r>
+            <a:r>
+              <a:rPr lang="en-US" dirty="0">
+                <a:solidFill>
+                  <a:srgbClr val="DD6718"/>
+                </a:solidFill>
+                <a:latin typeface="JetBrains Mono"/>
+              </a:rPr>
+              <a:t>!</a:t>
+            </a:r>
+            <a:r>
+              <a:rPr lang="en-US" dirty="0">
+                <a:solidFill>
+                  <a:srgbClr val="080808"/>
+                </a:solidFill>
+                <a:latin typeface="JetBrains Mono"/>
+              </a:rPr>
+              <a:t>(</a:t>
+            </a:r>
+            <a:r>
+              <a:rPr lang="en-US" dirty="0">
+                <a:solidFill>
+                  <a:srgbClr val="067D17"/>
+                </a:solidFill>
+                <a:latin typeface="JetBrains Mono"/>
+              </a:rPr>
+              <a:t>"Dropped"</a:t>
+            </a:r>
+            <a:r>
+              <a:rPr lang="en-US" dirty="0">
+                <a:solidFill>
+                  <a:srgbClr val="080808"/>
+                </a:solidFill>
+                <a:latin typeface="JetBrains Mono"/>
+              </a:rPr>
+              <a:t>)</a:t>
+            </a:r>
+            <a:endParaRPr lang="en-US" dirty="0">
+              <a:solidFill>
+                <a:srgbClr val="080808"/>
+              </a:solidFill>
+              <a:effectLst/>
+              <a:latin typeface="JetBrains Mono"/>
+            </a:endParaRPr>
+          </a:p>
+          <a:p>
+            <a:pPr marL="0" indent="0">
+              <a:buNone/>
+            </a:pPr>
+            <a:r>
+              <a:rPr lang="en-US" dirty="0">
+                <a:solidFill>
+                  <a:srgbClr val="080808"/>
+                </a:solidFill>
+                <a:effectLst/>
+                <a:latin typeface="JetBrains Mono"/>
+              </a:rPr>
+              <a:t>    }</a:t>
+            </a:r>
+            <a:br>
+              <a:rPr lang="en-US" dirty="0">
+                <a:solidFill>
+                  <a:srgbClr val="080808"/>
+                </a:solidFill>
+                <a:effectLst/>
+                <a:latin typeface="JetBrains Mono"/>
+              </a:rPr>
+            </a:br>
+            <a:r>
+              <a:rPr lang="en-US" dirty="0">
+                <a:solidFill>
+                  <a:srgbClr val="080808"/>
+                </a:solidFill>
+                <a:effectLst/>
+                <a:latin typeface="JetBrains Mono"/>
+              </a:rPr>
+              <a:t>}</a:t>
+            </a:r>
+          </a:p>
+          <a:p>
+            <a:pPr marL="0" indent="0">
+              <a:buNone/>
+            </a:pPr>
+            <a:endParaRPr lang="ru-RU" dirty="0"/>
           </a:p>
         </p:txBody>
       </p:sp>
@@ -17323,7 +16840,7 @@
           <p:cNvPr id="4" name="Content Placeholder 3">
             <a:extLst>
               <a:ext uri="{FF2B5EF4-FFF2-40B4-BE49-F238E27FC236}">
-                <a16:creationId xmlns:a16="http://schemas.microsoft.com/office/drawing/2014/main" id="{65BF85B5-D531-A63B-F849-353CB1113990}"/>
+                <a16:creationId xmlns:a16="http://schemas.microsoft.com/office/drawing/2014/main" id="{10DCE958-6A10-36F3-C63E-93462F692178}"/>
               </a:ext>
             </a:extLst>
           </p:cNvPr>
@@ -17339,70 +16856,725 @@
           <a:bodyPr/>
           <a:lstStyle/>
           <a:p>
-            <a:endParaRPr lang="ru-RU"/>
-          </a:p>
-        </p:txBody>
-      </p:sp>
-      <p:sp>
-        <p:nvSpPr>
-          <p:cNvPr id="5" name="Text Placeholder 4">
-            <a:extLst>
-              <a:ext uri="{FF2B5EF4-FFF2-40B4-BE49-F238E27FC236}">
-                <a16:creationId xmlns:a16="http://schemas.microsoft.com/office/drawing/2014/main" id="{159634F7-589F-8315-5421-2A85B9F8D5F3}"/>
-              </a:ext>
-            </a:extLst>
-          </p:cNvPr>
-          <p:cNvSpPr>
-            <a:spLocks noGrp="1"/>
-          </p:cNvSpPr>
-          <p:nvPr>
-            <p:ph type="body" sz="quarter" idx="3"/>
-          </p:nvPr>
-        </p:nvSpPr>
-        <p:spPr/>
-        <p:txBody>
-          <a:bodyPr/>
-          <a:lstStyle/>
-          <a:p>
-            <a:endParaRPr lang="ru-RU"/>
-          </a:p>
-        </p:txBody>
-      </p:sp>
-      <p:sp>
-        <p:nvSpPr>
-          <p:cNvPr id="6" name="Content Placeholder 5">
-            <a:extLst>
-              <a:ext uri="{FF2B5EF4-FFF2-40B4-BE49-F238E27FC236}">
-                <a16:creationId xmlns:a16="http://schemas.microsoft.com/office/drawing/2014/main" id="{FC734BF9-DE8A-C538-733C-8EBD1CC47396}"/>
-              </a:ext>
-            </a:extLst>
-          </p:cNvPr>
-          <p:cNvSpPr>
-            <a:spLocks noGrp="1"/>
-          </p:cNvSpPr>
-          <p:nvPr>
-            <p:ph sz="quarter" idx="4"/>
-          </p:nvPr>
-        </p:nvSpPr>
-        <p:spPr/>
-        <p:txBody>
-          <a:bodyPr/>
-          <a:lstStyle/>
-          <a:p>
-            <a:endParaRPr lang="ru-RU"/>
+            <a:pPr marL="0" indent="0">
+              <a:buNone/>
+            </a:pPr>
+            <a:r>
+              <a:rPr lang="en-US" dirty="0">
+                <a:solidFill>
+                  <a:srgbClr val="080808"/>
+                </a:solidFill>
+                <a:effectLst/>
+                <a:latin typeface="JetBrains Mono"/>
+              </a:rPr>
+              <a:t>{</a:t>
+            </a:r>
+            <a:br>
+              <a:rPr lang="en-US" dirty="0">
+                <a:solidFill>
+                  <a:srgbClr val="080808"/>
+                </a:solidFill>
+                <a:effectLst/>
+                <a:latin typeface="JetBrains Mono"/>
+              </a:rPr>
+            </a:br>
+            <a:r>
+              <a:rPr lang="en-US" dirty="0">
+                <a:solidFill>
+                  <a:srgbClr val="080808"/>
+                </a:solidFill>
+                <a:effectLst/>
+                <a:latin typeface="JetBrains Mono"/>
+              </a:rPr>
+              <a:t>    </a:t>
+            </a:r>
+            <a:r>
+              <a:rPr lang="en-US" dirty="0">
+                <a:solidFill>
+                  <a:srgbClr val="0033B3"/>
+                </a:solidFill>
+                <a:effectLst/>
+                <a:latin typeface="JetBrains Mono"/>
+              </a:rPr>
+              <a:t>let </a:t>
+            </a:r>
+            <a:r>
+              <a:rPr lang="en-US" dirty="0">
+                <a:solidFill>
+                  <a:srgbClr val="000000"/>
+                </a:solidFill>
+                <a:effectLst/>
+                <a:latin typeface="JetBrains Mono"/>
+              </a:rPr>
+              <a:t>str </a:t>
+            </a:r>
+            <a:r>
+              <a:rPr lang="en-US" dirty="0">
+                <a:solidFill>
+                  <a:srgbClr val="080808"/>
+                </a:solidFill>
+                <a:effectLst/>
+                <a:latin typeface="JetBrains Mono"/>
+              </a:rPr>
+              <a:t>= </a:t>
+            </a:r>
+            <a:r>
+              <a:rPr lang="en-US" dirty="0" err="1">
+                <a:solidFill>
+                  <a:srgbClr val="000000"/>
+                </a:solidFill>
+                <a:effectLst/>
+                <a:latin typeface="JetBrains Mono"/>
+              </a:rPr>
+              <a:t>MyStruct</a:t>
+            </a:r>
+            <a:r>
+              <a:rPr lang="en-US" dirty="0">
+                <a:solidFill>
+                  <a:srgbClr val="000000"/>
+                </a:solidFill>
+                <a:effectLst/>
+                <a:latin typeface="JetBrains Mono"/>
+              </a:rPr>
+              <a:t> </a:t>
+            </a:r>
+            <a:r>
+              <a:rPr lang="en-US" dirty="0">
+                <a:solidFill>
+                  <a:srgbClr val="080808"/>
+                </a:solidFill>
+                <a:effectLst/>
+                <a:latin typeface="JetBrains Mono"/>
+              </a:rPr>
+              <a:t>{ </a:t>
+            </a:r>
+            <a:r>
+              <a:rPr lang="en-US" dirty="0">
+                <a:solidFill>
+                  <a:srgbClr val="871094"/>
+                </a:solidFill>
+                <a:effectLst/>
+                <a:latin typeface="JetBrains Mono"/>
+              </a:rPr>
+              <a:t>integer</a:t>
+            </a:r>
+            <a:r>
+              <a:rPr lang="en-US" dirty="0">
+                <a:solidFill>
+                  <a:srgbClr val="080808"/>
+                </a:solidFill>
+                <a:effectLst/>
+                <a:latin typeface="JetBrains Mono"/>
+              </a:rPr>
+              <a:t>: </a:t>
+            </a:r>
+            <a:r>
+              <a:rPr lang="en-US" dirty="0">
+                <a:solidFill>
+                  <a:srgbClr val="1750EB"/>
+                </a:solidFill>
+                <a:effectLst/>
+                <a:latin typeface="JetBrains Mono"/>
+              </a:rPr>
+              <a:t>42 </a:t>
+            </a:r>
+            <a:r>
+              <a:rPr lang="en-US" dirty="0">
+                <a:solidFill>
+                  <a:srgbClr val="080808"/>
+                </a:solidFill>
+                <a:effectLst/>
+                <a:latin typeface="JetBrains Mono"/>
+              </a:rPr>
+              <a:t>};</a:t>
+            </a:r>
+            <a:br>
+              <a:rPr lang="en-US" dirty="0">
+                <a:solidFill>
+                  <a:srgbClr val="080808"/>
+                </a:solidFill>
+                <a:effectLst/>
+                <a:latin typeface="JetBrains Mono"/>
+              </a:rPr>
+            </a:br>
+            <a:r>
+              <a:rPr lang="en-US" dirty="0">
+                <a:solidFill>
+                  <a:srgbClr val="080808"/>
+                </a:solidFill>
+                <a:effectLst/>
+                <a:latin typeface="JetBrains Mono"/>
+              </a:rPr>
+              <a:t>}</a:t>
+            </a:r>
+          </a:p>
+          <a:p>
+            <a:pPr marL="0" indent="0">
+              <a:buNone/>
+            </a:pPr>
+            <a:r>
+              <a:rPr lang="en-US" dirty="0" err="1">
+                <a:solidFill>
+                  <a:srgbClr val="DD6718"/>
+                </a:solidFill>
+                <a:effectLst/>
+                <a:latin typeface="JetBrains Mono"/>
+              </a:rPr>
+              <a:t>println</a:t>
+            </a:r>
+            <a:r>
+              <a:rPr lang="en-US" dirty="0">
+                <a:solidFill>
+                  <a:srgbClr val="DD6718"/>
+                </a:solidFill>
+                <a:effectLst/>
+                <a:latin typeface="JetBrains Mono"/>
+              </a:rPr>
+              <a:t>!</a:t>
+            </a:r>
+            <a:r>
+              <a:rPr lang="en-US" dirty="0">
+                <a:solidFill>
+                  <a:srgbClr val="080808"/>
+                </a:solidFill>
+                <a:effectLst/>
+                <a:latin typeface="JetBrains Mono"/>
+              </a:rPr>
+              <a:t>(</a:t>
+            </a:r>
+            <a:r>
+              <a:rPr lang="en-US" dirty="0">
+                <a:solidFill>
+                  <a:srgbClr val="067D17"/>
+                </a:solidFill>
+                <a:effectLst/>
+                <a:latin typeface="JetBrains Mono"/>
+              </a:rPr>
+              <a:t>"Hi"</a:t>
+            </a:r>
+            <a:r>
+              <a:rPr lang="en-US" dirty="0">
+                <a:solidFill>
+                  <a:srgbClr val="080808"/>
+                </a:solidFill>
+                <a:effectLst/>
+                <a:latin typeface="JetBrains Mono"/>
+              </a:rPr>
+              <a:t>)</a:t>
+            </a:r>
+          </a:p>
+          <a:p>
+            <a:pPr marL="0" indent="0">
+              <a:buNone/>
+            </a:pPr>
+            <a:endParaRPr lang="en-US" dirty="0"/>
+          </a:p>
+          <a:p>
+            <a:pPr marL="0" indent="0">
+              <a:buNone/>
+            </a:pPr>
+            <a:r>
+              <a:rPr lang="en-US" dirty="0"/>
+              <a:t>&gt; Dropped</a:t>
+            </a:r>
+          </a:p>
+          <a:p>
+            <a:pPr marL="0" indent="0">
+              <a:buNone/>
+            </a:pPr>
+            <a:r>
+              <a:rPr lang="en-US" dirty="0"/>
+              <a:t>&gt; Hi</a:t>
+            </a:r>
+            <a:endParaRPr lang="ru-RU" dirty="0"/>
           </a:p>
         </p:txBody>
       </p:sp>
     </p:spTree>
     <p:extLst>
       <p:ext uri="{BB962C8B-B14F-4D97-AF65-F5344CB8AC3E}">
-        <p14:creationId xmlns:p14="http://schemas.microsoft.com/office/powerpoint/2010/main" val="4059783210"/>
+        <p14:creationId xmlns:p14="http://schemas.microsoft.com/office/powerpoint/2010/main" val="927261173"/>
       </p:ext>
     </p:extLst>
   </p:cSld>
   <p:clrMapOvr>
     <a:masterClrMapping/>
   </p:clrMapOvr>
+  <p:timing>
+    <p:tnLst>
+      <p:par>
+        <p:cTn id="1" dur="indefinite" restart="never" nodeType="tmRoot">
+          <p:childTnLst>
+            <p:seq concurrent="1" nextAc="seek">
+              <p:cTn id="2" dur="indefinite" nodeType="mainSeq">
+                <p:childTnLst>
+                  <p:par>
+                    <p:cTn id="3" fill="hold">
+                      <p:stCondLst>
+                        <p:cond delay="indefinite"/>
+                      </p:stCondLst>
+                      <p:childTnLst>
+                        <p:par>
+                          <p:cTn id="4" fill="hold">
+                            <p:stCondLst>
+                              <p:cond delay="0"/>
+                            </p:stCondLst>
+                            <p:childTnLst>
+                              <p:par>
+                                <p:cTn id="5" presetID="1" presetClass="entr" presetSubtype="0" fill="hold" grpId="0" nodeType="clickEffect">
+                                  <p:stCondLst>
+                                    <p:cond delay="0"/>
+                                  </p:stCondLst>
+                                  <p:childTnLst>
+                                    <p:set>
+                                      <p:cBhvr>
+                                        <p:cTn id="6" dur="1" fill="hold">
+                                          <p:stCondLst>
+                                            <p:cond delay="0"/>
+                                          </p:stCondLst>
+                                        </p:cTn>
+                                        <p:tgtEl>
+                                          <p:spTgt spid="3">
+                                            <p:txEl>
+                                              <p:pRg st="0" end="0"/>
+                                            </p:txEl>
+                                          </p:spTgt>
+                                        </p:tgtEl>
+                                        <p:attrNameLst>
+                                          <p:attrName>style.visibility</p:attrName>
+                                        </p:attrNameLst>
+                                      </p:cBhvr>
+                                      <p:to>
+                                        <p:strVal val="visible"/>
+                                      </p:to>
+                                    </p:set>
+                                  </p:childTnLst>
+                                </p:cTn>
+                              </p:par>
+                            </p:childTnLst>
+                          </p:cTn>
+                        </p:par>
+                      </p:childTnLst>
+                    </p:cTn>
+                  </p:par>
+                  <p:par>
+                    <p:cTn id="7" fill="hold">
+                      <p:stCondLst>
+                        <p:cond delay="indefinite"/>
+                      </p:stCondLst>
+                      <p:childTnLst>
+                        <p:par>
+                          <p:cTn id="8" fill="hold">
+                            <p:stCondLst>
+                              <p:cond delay="0"/>
+                            </p:stCondLst>
+                            <p:childTnLst>
+                              <p:par>
+                                <p:cTn id="9" presetID="1" presetClass="entr" presetSubtype="0" fill="hold" grpId="0" nodeType="clickEffect">
+                                  <p:stCondLst>
+                                    <p:cond delay="0"/>
+                                  </p:stCondLst>
+                                  <p:childTnLst>
+                                    <p:set>
+                                      <p:cBhvr>
+                                        <p:cTn id="10" dur="1" fill="hold">
+                                          <p:stCondLst>
+                                            <p:cond delay="0"/>
+                                          </p:stCondLst>
+                                        </p:cTn>
+                                        <p:tgtEl>
+                                          <p:spTgt spid="3">
+                                            <p:txEl>
+                                              <p:pRg st="1" end="1"/>
+                                            </p:txEl>
+                                          </p:spTgt>
+                                        </p:tgtEl>
+                                        <p:attrNameLst>
+                                          <p:attrName>style.visibility</p:attrName>
+                                        </p:attrNameLst>
+                                      </p:cBhvr>
+                                      <p:to>
+                                        <p:strVal val="visible"/>
+                                      </p:to>
+                                    </p:set>
+                                  </p:childTnLst>
+                                </p:cTn>
+                              </p:par>
+                            </p:childTnLst>
+                          </p:cTn>
+                        </p:par>
+                      </p:childTnLst>
+                    </p:cTn>
+                  </p:par>
+                  <p:par>
+                    <p:cTn id="11" fill="hold">
+                      <p:stCondLst>
+                        <p:cond delay="indefinite"/>
+                      </p:stCondLst>
+                      <p:childTnLst>
+                        <p:par>
+                          <p:cTn id="12" fill="hold">
+                            <p:stCondLst>
+                              <p:cond delay="0"/>
+                            </p:stCondLst>
+                            <p:childTnLst>
+                              <p:par>
+                                <p:cTn id="13" presetID="1" presetClass="entr" presetSubtype="0" fill="hold" grpId="0" nodeType="clickEffect">
+                                  <p:stCondLst>
+                                    <p:cond delay="0"/>
+                                  </p:stCondLst>
+                                  <p:childTnLst>
+                                    <p:set>
+                                      <p:cBhvr>
+                                        <p:cTn id="14" dur="1" fill="hold">
+                                          <p:stCondLst>
+                                            <p:cond delay="0"/>
+                                          </p:stCondLst>
+                                        </p:cTn>
+                                        <p:tgtEl>
+                                          <p:spTgt spid="3">
+                                            <p:txEl>
+                                              <p:pRg st="2" end="2"/>
+                                            </p:txEl>
+                                          </p:spTgt>
+                                        </p:tgtEl>
+                                        <p:attrNameLst>
+                                          <p:attrName>style.visibility</p:attrName>
+                                        </p:attrNameLst>
+                                      </p:cBhvr>
+                                      <p:to>
+                                        <p:strVal val="visible"/>
+                                      </p:to>
+                                    </p:set>
+                                  </p:childTnLst>
+                                </p:cTn>
+                              </p:par>
+                            </p:childTnLst>
+                          </p:cTn>
+                        </p:par>
+                      </p:childTnLst>
+                    </p:cTn>
+                  </p:par>
+                  <p:par>
+                    <p:cTn id="15" fill="hold">
+                      <p:stCondLst>
+                        <p:cond delay="indefinite"/>
+                      </p:stCondLst>
+                      <p:childTnLst>
+                        <p:par>
+                          <p:cTn id="16" fill="hold">
+                            <p:stCondLst>
+                              <p:cond delay="0"/>
+                            </p:stCondLst>
+                            <p:childTnLst>
+                              <p:par>
+                                <p:cTn id="17" presetID="1" presetClass="entr" presetSubtype="0" fill="hold" grpId="0" nodeType="clickEffect">
+                                  <p:stCondLst>
+                                    <p:cond delay="0"/>
+                                  </p:stCondLst>
+                                  <p:childTnLst>
+                                    <p:set>
+                                      <p:cBhvr>
+                                        <p:cTn id="18" dur="1" fill="hold">
+                                          <p:stCondLst>
+                                            <p:cond delay="0"/>
+                                          </p:stCondLst>
+                                        </p:cTn>
+                                        <p:tgtEl>
+                                          <p:spTgt spid="3">
+                                            <p:txEl>
+                                              <p:pRg st="4" end="4"/>
+                                            </p:txEl>
+                                          </p:spTgt>
+                                        </p:tgtEl>
+                                        <p:attrNameLst>
+                                          <p:attrName>style.visibility</p:attrName>
+                                        </p:attrNameLst>
+                                      </p:cBhvr>
+                                      <p:to>
+                                        <p:strVal val="visible"/>
+                                      </p:to>
+                                    </p:set>
+                                  </p:childTnLst>
+                                </p:cTn>
+                              </p:par>
+                            </p:childTnLst>
+                          </p:cTn>
+                        </p:par>
+                      </p:childTnLst>
+                    </p:cTn>
+                  </p:par>
+                  <p:par>
+                    <p:cTn id="19" fill="hold">
+                      <p:stCondLst>
+                        <p:cond delay="indefinite"/>
+                      </p:stCondLst>
+                      <p:childTnLst>
+                        <p:par>
+                          <p:cTn id="20" fill="hold">
+                            <p:stCondLst>
+                              <p:cond delay="0"/>
+                            </p:stCondLst>
+                            <p:childTnLst>
+                              <p:par>
+                                <p:cTn id="21" presetID="1" presetClass="entr" presetSubtype="0" fill="hold" grpId="0" nodeType="clickEffect">
+                                  <p:stCondLst>
+                                    <p:cond delay="0"/>
+                                  </p:stCondLst>
+                                  <p:childTnLst>
+                                    <p:set>
+                                      <p:cBhvr>
+                                        <p:cTn id="22" dur="1" fill="hold">
+                                          <p:stCondLst>
+                                            <p:cond delay="0"/>
+                                          </p:stCondLst>
+                                        </p:cTn>
+                                        <p:tgtEl>
+                                          <p:spTgt spid="3">
+                                            <p:txEl>
+                                              <p:pRg st="3" end="3"/>
+                                            </p:txEl>
+                                          </p:spTgt>
+                                        </p:tgtEl>
+                                        <p:attrNameLst>
+                                          <p:attrName>style.visibility</p:attrName>
+                                        </p:attrNameLst>
+                                      </p:cBhvr>
+                                      <p:to>
+                                        <p:strVal val="visible"/>
+                                      </p:to>
+                                    </p:set>
+                                  </p:childTnLst>
+                                </p:cTn>
+                              </p:par>
+                            </p:childTnLst>
+                          </p:cTn>
+                        </p:par>
+                      </p:childTnLst>
+                    </p:cTn>
+                  </p:par>
+                  <p:par>
+                    <p:cTn id="23" fill="hold">
+                      <p:stCondLst>
+                        <p:cond delay="indefinite"/>
+                      </p:stCondLst>
+                      <p:childTnLst>
+                        <p:par>
+                          <p:cTn id="24" fill="hold">
+                            <p:stCondLst>
+                              <p:cond delay="0"/>
+                            </p:stCondLst>
+                            <p:childTnLst>
+                              <p:par>
+                                <p:cTn id="25" presetID="1" presetClass="entr" presetSubtype="0" fill="hold" grpId="0" nodeType="clickEffect">
+                                  <p:stCondLst>
+                                    <p:cond delay="0"/>
+                                  </p:stCondLst>
+                                  <p:childTnLst>
+                                    <p:set>
+                                      <p:cBhvr>
+                                        <p:cTn id="26" dur="1" fill="hold">
+                                          <p:stCondLst>
+                                            <p:cond delay="0"/>
+                                          </p:stCondLst>
+                                        </p:cTn>
+                                        <p:tgtEl>
+                                          <p:spTgt spid="4">
+                                            <p:txEl>
+                                              <p:pRg st="0" end="0"/>
+                                            </p:txEl>
+                                          </p:spTgt>
+                                        </p:tgtEl>
+                                        <p:attrNameLst>
+                                          <p:attrName>style.visibility</p:attrName>
+                                        </p:attrNameLst>
+                                      </p:cBhvr>
+                                      <p:to>
+                                        <p:strVal val="visible"/>
+                                      </p:to>
+                                    </p:set>
+                                  </p:childTnLst>
+                                </p:cTn>
+                              </p:par>
+                            </p:childTnLst>
+                          </p:cTn>
+                        </p:par>
+                      </p:childTnLst>
+                    </p:cTn>
+                  </p:par>
+                  <p:par>
+                    <p:cTn id="27" fill="hold">
+                      <p:stCondLst>
+                        <p:cond delay="indefinite"/>
+                      </p:stCondLst>
+                      <p:childTnLst>
+                        <p:par>
+                          <p:cTn id="28" fill="hold">
+                            <p:stCondLst>
+                              <p:cond delay="0"/>
+                            </p:stCondLst>
+                            <p:childTnLst>
+                              <p:par>
+                                <p:cTn id="29" presetID="1" presetClass="entr" presetSubtype="0" fill="hold" grpId="0" nodeType="clickEffect">
+                                  <p:stCondLst>
+                                    <p:cond delay="0"/>
+                                  </p:stCondLst>
+                                  <p:childTnLst>
+                                    <p:set>
+                                      <p:cBhvr>
+                                        <p:cTn id="30" dur="1" fill="hold">
+                                          <p:stCondLst>
+                                            <p:cond delay="0"/>
+                                          </p:stCondLst>
+                                        </p:cTn>
+                                        <p:tgtEl>
+                                          <p:spTgt spid="4">
+                                            <p:txEl>
+                                              <p:pRg st="1" end="1"/>
+                                            </p:txEl>
+                                          </p:spTgt>
+                                        </p:tgtEl>
+                                        <p:attrNameLst>
+                                          <p:attrName>style.visibility</p:attrName>
+                                        </p:attrNameLst>
+                                      </p:cBhvr>
+                                      <p:to>
+                                        <p:strVal val="visible"/>
+                                      </p:to>
+                                    </p:set>
+                                  </p:childTnLst>
+                                </p:cTn>
+                              </p:par>
+                            </p:childTnLst>
+                          </p:cTn>
+                        </p:par>
+                      </p:childTnLst>
+                    </p:cTn>
+                  </p:par>
+                  <p:par>
+                    <p:cTn id="31" fill="hold">
+                      <p:stCondLst>
+                        <p:cond delay="indefinite"/>
+                      </p:stCondLst>
+                      <p:childTnLst>
+                        <p:par>
+                          <p:cTn id="32" fill="hold">
+                            <p:stCondLst>
+                              <p:cond delay="0"/>
+                            </p:stCondLst>
+                            <p:childTnLst>
+                              <p:par>
+                                <p:cTn id="33" presetID="1" presetClass="entr" presetSubtype="0" fill="hold" grpId="0" nodeType="clickEffect">
+                                  <p:stCondLst>
+                                    <p:cond delay="0"/>
+                                  </p:stCondLst>
+                                  <p:childTnLst>
+                                    <p:set>
+                                      <p:cBhvr>
+                                        <p:cTn id="34" dur="1" fill="hold">
+                                          <p:stCondLst>
+                                            <p:cond delay="0"/>
+                                          </p:stCondLst>
+                                        </p:cTn>
+                                        <p:tgtEl>
+                                          <p:spTgt spid="4">
+                                            <p:txEl>
+                                              <p:pRg st="3" end="3"/>
+                                            </p:txEl>
+                                          </p:spTgt>
+                                        </p:tgtEl>
+                                        <p:attrNameLst>
+                                          <p:attrName>style.visibility</p:attrName>
+                                        </p:attrNameLst>
+                                      </p:cBhvr>
+                                      <p:to>
+                                        <p:strVal val="visible"/>
+                                      </p:to>
+                                    </p:set>
+                                  </p:childTnLst>
+                                </p:cTn>
+                              </p:par>
+                            </p:childTnLst>
+                          </p:cTn>
+                        </p:par>
+                      </p:childTnLst>
+                    </p:cTn>
+                  </p:par>
+                  <p:par>
+                    <p:cTn id="35" fill="hold">
+                      <p:stCondLst>
+                        <p:cond delay="indefinite"/>
+                      </p:stCondLst>
+                      <p:childTnLst>
+                        <p:par>
+                          <p:cTn id="36" fill="hold">
+                            <p:stCondLst>
+                              <p:cond delay="0"/>
+                            </p:stCondLst>
+                            <p:childTnLst>
+                              <p:par>
+                                <p:cTn id="37" presetID="1" presetClass="entr" presetSubtype="0" fill="hold" grpId="0" nodeType="clickEffect">
+                                  <p:stCondLst>
+                                    <p:cond delay="0"/>
+                                  </p:stCondLst>
+                                  <p:childTnLst>
+                                    <p:set>
+                                      <p:cBhvr>
+                                        <p:cTn id="38" dur="1" fill="hold">
+                                          <p:stCondLst>
+                                            <p:cond delay="0"/>
+                                          </p:stCondLst>
+                                        </p:cTn>
+                                        <p:tgtEl>
+                                          <p:spTgt spid="4">
+                                            <p:txEl>
+                                              <p:pRg st="4" end="4"/>
+                                            </p:txEl>
+                                          </p:spTgt>
+                                        </p:tgtEl>
+                                        <p:attrNameLst>
+                                          <p:attrName>style.visibility</p:attrName>
+                                        </p:attrNameLst>
+                                      </p:cBhvr>
+                                      <p:to>
+                                        <p:strVal val="visible"/>
+                                      </p:to>
+                                    </p:set>
+                                  </p:childTnLst>
+                                </p:cTn>
+                              </p:par>
+                            </p:childTnLst>
+                          </p:cTn>
+                        </p:par>
+                      </p:childTnLst>
+                    </p:cTn>
+                  </p:par>
+                </p:childTnLst>
+              </p:cTn>
+              <p:prevCondLst>
+                <p:cond evt="onPrev" delay="0">
+                  <p:tgtEl>
+                    <p:sldTgt/>
+                  </p:tgtEl>
+                </p:cond>
+              </p:prevCondLst>
+              <p:nextCondLst>
+                <p:cond evt="onNext" delay="0">
+                  <p:tgtEl>
+                    <p:sldTgt/>
+                  </p:tgtEl>
+                </p:cond>
+              </p:nextCondLst>
+            </p:seq>
+          </p:childTnLst>
+        </p:cTn>
+      </p:par>
+    </p:tnLst>
+    <p:bldLst>
+      <p:bldP spid="3" grpId="0" uiExpand="1" build="p"/>
+      <p:bldP spid="4" grpId="0" build="p"/>
+    </p:bldLst>
+  </p:timing>
 </p:sld>
 </file>
 
@@ -17428,7 +17600,7 @@
           <p:cNvPr id="2" name="Title 1">
             <a:extLst>
               <a:ext uri="{FF2B5EF4-FFF2-40B4-BE49-F238E27FC236}">
-                <a16:creationId xmlns:a16="http://schemas.microsoft.com/office/drawing/2014/main" id="{D7B94626-D304-D3F7-4E93-621646241431}"/>
+                <a16:creationId xmlns:a16="http://schemas.microsoft.com/office/drawing/2014/main" id="{DC1F0107-3227-E3C6-71AE-5870135361A4}"/>
               </a:ext>
             </a:extLst>
           </p:cNvPr>
@@ -17446,7 +17618,7 @@
           <a:p>
             <a:r>
               <a:rPr lang="en-US" dirty="0"/>
-              <a:t>Iterator</a:t>
+              <a:t>Drop trait vs drop function</a:t>
             </a:r>
             <a:endParaRPr lang="ru-RU" dirty="0"/>
           </a:p>
@@ -17454,10 +17626,10 @@
       </p:sp>
       <p:sp>
         <p:nvSpPr>
-          <p:cNvPr id="3" name="Content Placeholder 2">
+          <p:cNvPr id="6" name="Text Placeholder 5">
             <a:extLst>
               <a:ext uri="{FF2B5EF4-FFF2-40B4-BE49-F238E27FC236}">
-                <a16:creationId xmlns:a16="http://schemas.microsoft.com/office/drawing/2014/main" id="{B519EC75-D057-1F57-E9CD-2120AE12333C}"/>
+                <a16:creationId xmlns:a16="http://schemas.microsoft.com/office/drawing/2014/main" id="{E1F13A00-FEB0-ACA4-13DC-9F8A87B627AE}"/>
               </a:ext>
             </a:extLst>
           </p:cNvPr>
@@ -17465,7 +17637,7 @@
             <a:spLocks noGrp="1"/>
           </p:cNvSpPr>
           <p:nvPr>
-            <p:ph sz="half" idx="1"/>
+            <p:ph type="body" idx="1"/>
           </p:nvPr>
         </p:nvSpPr>
         <p:spPr/>
@@ -17473,16 +17645,20 @@
           <a:bodyPr/>
           <a:lstStyle/>
           <a:p>
-            <a:endParaRPr lang="ru-RU"/>
+            <a:r>
+              <a:rPr lang="en-US" dirty="0"/>
+              <a:t>Drop::drop(&amp;mut self)</a:t>
+            </a:r>
+            <a:endParaRPr lang="ru-RU" dirty="0"/>
           </a:p>
         </p:txBody>
       </p:sp>
       <p:sp>
         <p:nvSpPr>
-          <p:cNvPr id="4" name="Content Placeholder 3">
+          <p:cNvPr id="7" name="Content Placeholder 6">
             <a:extLst>
               <a:ext uri="{FF2B5EF4-FFF2-40B4-BE49-F238E27FC236}">
-                <a16:creationId xmlns:a16="http://schemas.microsoft.com/office/drawing/2014/main" id="{0F9A3A85-612B-08A6-F2D6-AF735C90606E}"/>
+                <a16:creationId xmlns:a16="http://schemas.microsoft.com/office/drawing/2014/main" id="{3D9A7968-488C-D4F2-1917-8780D49BC7FC}"/>
               </a:ext>
             </a:extLst>
           </p:cNvPr>
@@ -17498,20 +17674,324 @@
           <a:bodyPr/>
           <a:lstStyle/>
           <a:p>
-            <a:endParaRPr lang="ru-RU"/>
+            <a:r>
+              <a:rPr lang="en-US" dirty="0"/>
+              <a:t>Destructor</a:t>
+            </a:r>
+          </a:p>
+          <a:p>
+            <a:r>
+              <a:rPr lang="en-US" dirty="0"/>
+              <a:t>Executes on drop</a:t>
+            </a:r>
+            <a:endParaRPr lang="ru-RU" dirty="0"/>
+          </a:p>
+        </p:txBody>
+      </p:sp>
+      <p:sp>
+        <p:nvSpPr>
+          <p:cNvPr id="8" name="Text Placeholder 7">
+            <a:extLst>
+              <a:ext uri="{FF2B5EF4-FFF2-40B4-BE49-F238E27FC236}">
+                <a16:creationId xmlns:a16="http://schemas.microsoft.com/office/drawing/2014/main" id="{774172A2-025B-5483-41F3-1FD0EE6B0343}"/>
+              </a:ext>
+            </a:extLst>
+          </p:cNvPr>
+          <p:cNvSpPr>
+            <a:spLocks noGrp="1"/>
+          </p:cNvSpPr>
+          <p:nvPr>
+            <p:ph type="body" sz="quarter" idx="3"/>
+          </p:nvPr>
+        </p:nvSpPr>
+        <p:spPr/>
+        <p:txBody>
+          <a:bodyPr/>
+          <a:lstStyle/>
+          <a:p>
+            <a:r>
+              <a:rPr lang="en-US" dirty="0"/>
+              <a:t>mem::drop&lt;T&gt;(_x: T);</a:t>
+            </a:r>
+            <a:endParaRPr lang="ru-RU" dirty="0"/>
+          </a:p>
+        </p:txBody>
+      </p:sp>
+      <p:sp>
+        <p:nvSpPr>
+          <p:cNvPr id="9" name="Content Placeholder 8">
+            <a:extLst>
+              <a:ext uri="{FF2B5EF4-FFF2-40B4-BE49-F238E27FC236}">
+                <a16:creationId xmlns:a16="http://schemas.microsoft.com/office/drawing/2014/main" id="{6E912A4E-D85B-ABA4-730B-AB594383ECB0}"/>
+              </a:ext>
+            </a:extLst>
+          </p:cNvPr>
+          <p:cNvSpPr>
+            <a:spLocks noGrp="1"/>
+          </p:cNvSpPr>
+          <p:nvPr>
+            <p:ph sz="quarter" idx="4"/>
+          </p:nvPr>
+        </p:nvSpPr>
+        <p:spPr/>
+        <p:txBody>
+          <a:bodyPr/>
+          <a:lstStyle/>
+          <a:p>
+            <a:r>
+              <a:rPr lang="en-US" dirty="0"/>
+              <a:t>Just a function</a:t>
+            </a:r>
+          </a:p>
+          <a:p>
+            <a:r>
+              <a:rPr lang="en-US" dirty="0"/>
+              <a:t>Relies on Rust drop check</a:t>
+            </a:r>
+            <a:endParaRPr lang="ru-RU" dirty="0"/>
           </a:p>
         </p:txBody>
       </p:sp>
     </p:spTree>
     <p:extLst>
       <p:ext uri="{BB962C8B-B14F-4D97-AF65-F5344CB8AC3E}">
-        <p14:creationId xmlns:p14="http://schemas.microsoft.com/office/powerpoint/2010/main" val="2692592960"/>
+        <p14:creationId xmlns:p14="http://schemas.microsoft.com/office/powerpoint/2010/main" val="650815656"/>
       </p:ext>
     </p:extLst>
   </p:cSld>
   <p:clrMapOvr>
     <a:masterClrMapping/>
   </p:clrMapOvr>
+  <p:timing>
+    <p:tnLst>
+      <p:par>
+        <p:cTn id="1" dur="indefinite" restart="never" nodeType="tmRoot">
+          <p:childTnLst>
+            <p:seq concurrent="1" nextAc="seek">
+              <p:cTn id="2" dur="indefinite" nodeType="mainSeq">
+                <p:childTnLst>
+                  <p:par>
+                    <p:cTn id="3" fill="hold">
+                      <p:stCondLst>
+                        <p:cond delay="indefinite"/>
+                      </p:stCondLst>
+                      <p:childTnLst>
+                        <p:par>
+                          <p:cTn id="4" fill="hold">
+                            <p:stCondLst>
+                              <p:cond delay="0"/>
+                            </p:stCondLst>
+                            <p:childTnLst>
+                              <p:par>
+                                <p:cTn id="5" presetID="1" presetClass="entr" presetSubtype="0" fill="hold" grpId="0" nodeType="clickEffect">
+                                  <p:stCondLst>
+                                    <p:cond delay="0"/>
+                                  </p:stCondLst>
+                                  <p:childTnLst>
+                                    <p:set>
+                                      <p:cBhvr>
+                                        <p:cTn id="6" dur="1" fill="hold">
+                                          <p:stCondLst>
+                                            <p:cond delay="0"/>
+                                          </p:stCondLst>
+                                        </p:cTn>
+                                        <p:tgtEl>
+                                          <p:spTgt spid="7">
+                                            <p:txEl>
+                                              <p:pRg st="0" end="0"/>
+                                            </p:txEl>
+                                          </p:spTgt>
+                                        </p:tgtEl>
+                                        <p:attrNameLst>
+                                          <p:attrName>style.visibility</p:attrName>
+                                        </p:attrNameLst>
+                                      </p:cBhvr>
+                                      <p:to>
+                                        <p:strVal val="visible"/>
+                                      </p:to>
+                                    </p:set>
+                                  </p:childTnLst>
+                                </p:cTn>
+                              </p:par>
+                            </p:childTnLst>
+                          </p:cTn>
+                        </p:par>
+                      </p:childTnLst>
+                    </p:cTn>
+                  </p:par>
+                  <p:par>
+                    <p:cTn id="7" fill="hold">
+                      <p:stCondLst>
+                        <p:cond delay="indefinite"/>
+                      </p:stCondLst>
+                      <p:childTnLst>
+                        <p:par>
+                          <p:cTn id="8" fill="hold">
+                            <p:stCondLst>
+                              <p:cond delay="0"/>
+                            </p:stCondLst>
+                            <p:childTnLst>
+                              <p:par>
+                                <p:cTn id="9" presetID="1" presetClass="entr" presetSubtype="0" fill="hold" grpId="0" nodeType="clickEffect">
+                                  <p:stCondLst>
+                                    <p:cond delay="0"/>
+                                  </p:stCondLst>
+                                  <p:childTnLst>
+                                    <p:set>
+                                      <p:cBhvr>
+                                        <p:cTn id="10" dur="1" fill="hold">
+                                          <p:stCondLst>
+                                            <p:cond delay="0"/>
+                                          </p:stCondLst>
+                                        </p:cTn>
+                                        <p:tgtEl>
+                                          <p:spTgt spid="7">
+                                            <p:txEl>
+                                              <p:pRg st="1" end="1"/>
+                                            </p:txEl>
+                                          </p:spTgt>
+                                        </p:tgtEl>
+                                        <p:attrNameLst>
+                                          <p:attrName>style.visibility</p:attrName>
+                                        </p:attrNameLst>
+                                      </p:cBhvr>
+                                      <p:to>
+                                        <p:strVal val="visible"/>
+                                      </p:to>
+                                    </p:set>
+                                  </p:childTnLst>
+                                </p:cTn>
+                              </p:par>
+                            </p:childTnLst>
+                          </p:cTn>
+                        </p:par>
+                      </p:childTnLst>
+                    </p:cTn>
+                  </p:par>
+                  <p:par>
+                    <p:cTn id="11" fill="hold">
+                      <p:stCondLst>
+                        <p:cond delay="indefinite"/>
+                      </p:stCondLst>
+                      <p:childTnLst>
+                        <p:par>
+                          <p:cTn id="12" fill="hold">
+                            <p:stCondLst>
+                              <p:cond delay="0"/>
+                            </p:stCondLst>
+                            <p:childTnLst>
+                              <p:par>
+                                <p:cTn id="13" presetID="1" presetClass="entr" presetSubtype="0" fill="hold" grpId="0" nodeType="clickEffect">
+                                  <p:stCondLst>
+                                    <p:cond delay="0"/>
+                                  </p:stCondLst>
+                                  <p:childTnLst>
+                                    <p:set>
+                                      <p:cBhvr>
+                                        <p:cTn id="14" dur="1" fill="hold">
+                                          <p:stCondLst>
+                                            <p:cond delay="0"/>
+                                          </p:stCondLst>
+                                        </p:cTn>
+                                        <p:tgtEl>
+                                          <p:spTgt spid="9">
+                                            <p:txEl>
+                                              <p:pRg st="0" end="0"/>
+                                            </p:txEl>
+                                          </p:spTgt>
+                                        </p:tgtEl>
+                                        <p:attrNameLst>
+                                          <p:attrName>style.visibility</p:attrName>
+                                        </p:attrNameLst>
+                                      </p:cBhvr>
+                                      <p:to>
+                                        <p:strVal val="visible"/>
+                                      </p:to>
+                                    </p:set>
+                                  </p:childTnLst>
+                                </p:cTn>
+                              </p:par>
+                            </p:childTnLst>
+                          </p:cTn>
+                        </p:par>
+                      </p:childTnLst>
+                    </p:cTn>
+                  </p:par>
+                  <p:par>
+                    <p:cTn id="15" fill="hold">
+                      <p:stCondLst>
+                        <p:cond delay="indefinite"/>
+                      </p:stCondLst>
+                      <p:childTnLst>
+                        <p:par>
+                          <p:cTn id="16" fill="hold">
+                            <p:stCondLst>
+                              <p:cond delay="0"/>
+                            </p:stCondLst>
+                            <p:childTnLst>
+                              <p:par>
+                                <p:cTn id="17" presetID="1" presetClass="entr" presetSubtype="0" fill="hold" grpId="0" nodeType="clickEffect">
+                                  <p:stCondLst>
+                                    <p:cond delay="0"/>
+                                  </p:stCondLst>
+                                  <p:childTnLst>
+                                    <p:set>
+                                      <p:cBhvr>
+                                        <p:cTn id="18" dur="1" fill="hold">
+                                          <p:stCondLst>
+                                            <p:cond delay="0"/>
+                                          </p:stCondLst>
+                                        </p:cTn>
+                                        <p:tgtEl>
+                                          <p:spTgt spid="9">
+                                            <p:txEl>
+                                              <p:pRg st="1" end="1"/>
+                                            </p:txEl>
+                                          </p:spTgt>
+                                        </p:tgtEl>
+                                        <p:attrNameLst>
+                                          <p:attrName>style.visibility</p:attrName>
+                                        </p:attrNameLst>
+                                      </p:cBhvr>
+                                      <p:to>
+                                        <p:strVal val="visible"/>
+                                      </p:to>
+                                    </p:set>
+                                  </p:childTnLst>
+                                </p:cTn>
+                              </p:par>
+                            </p:childTnLst>
+                          </p:cTn>
+                        </p:par>
+                      </p:childTnLst>
+                    </p:cTn>
+                  </p:par>
+                </p:childTnLst>
+              </p:cTn>
+              <p:prevCondLst>
+                <p:cond evt="onPrev" delay="0">
+                  <p:tgtEl>
+                    <p:sldTgt/>
+                  </p:tgtEl>
+                </p:cond>
+              </p:prevCondLst>
+              <p:nextCondLst>
+                <p:cond evt="onNext" delay="0">
+                  <p:tgtEl>
+                    <p:sldTgt/>
+                  </p:tgtEl>
+                </p:cond>
+              </p:nextCondLst>
+            </p:seq>
+          </p:childTnLst>
+        </p:cTn>
+      </p:par>
+    </p:tnLst>
+    <p:bldLst>
+      <p:bldP spid="7" grpId="0" uiExpand="1" build="p"/>
+      <p:bldP spid="9" grpId="0" uiExpand="1" build="p"/>
+    </p:bldLst>
+  </p:timing>
 </p:sld>
 </file>
 
@@ -17537,7 +18017,7 @@
           <p:cNvPr id="2" name="Title 1">
             <a:extLst>
               <a:ext uri="{FF2B5EF4-FFF2-40B4-BE49-F238E27FC236}">
-                <a16:creationId xmlns:a16="http://schemas.microsoft.com/office/drawing/2014/main" id="{6EAC2F57-76F8-946A-9A2F-91D6B0DFCD10}"/>
+                <a16:creationId xmlns:a16="http://schemas.microsoft.com/office/drawing/2014/main" id="{234E6E71-CF9E-3BF2-0272-292875CF1505}"/>
               </a:ext>
             </a:extLst>
           </p:cNvPr>
@@ -17555,7 +18035,7 @@
           <a:p>
             <a:r>
               <a:rPr lang="en-US" dirty="0"/>
-              <a:t>Homework</a:t>
+              <a:t>To drop or not to drop</a:t>
             </a:r>
             <a:endParaRPr lang="ru-RU" dirty="0"/>
           </a:p>
@@ -17563,10 +18043,10 @@
       </p:sp>
       <p:sp>
         <p:nvSpPr>
-          <p:cNvPr id="3" name="Content Placeholder 2">
+          <p:cNvPr id="7" name="Content Placeholder 6">
             <a:extLst>
               <a:ext uri="{FF2B5EF4-FFF2-40B4-BE49-F238E27FC236}">
-                <a16:creationId xmlns:a16="http://schemas.microsoft.com/office/drawing/2014/main" id="{357DED15-6CD3-6C54-F2B8-38B251C4BF7A}"/>
+                <a16:creationId xmlns:a16="http://schemas.microsoft.com/office/drawing/2014/main" id="{0A8CF35D-3A0A-1AB9-175A-B67D03BC4ABA}"/>
               </a:ext>
             </a:extLst>
           </p:cNvPr>
@@ -17574,7 +18054,7 @@
             <a:spLocks noGrp="1"/>
           </p:cNvSpPr>
           <p:nvPr>
-            <p:ph idx="1"/>
+            <p:ph sz="half" idx="1"/>
           </p:nvPr>
         </p:nvSpPr>
         <p:spPr/>
@@ -17582,24 +18062,591 @@
           <a:bodyPr/>
           <a:lstStyle/>
           <a:p>
-            <a:endParaRPr lang="ru-RU"/>
+            <a:pPr marL="0" indent="0">
+              <a:buNone/>
+            </a:pPr>
+            <a:r>
+              <a:rPr lang="en-US" dirty="0">
+                <a:solidFill>
+                  <a:srgbClr val="0033B3"/>
+                </a:solidFill>
+                <a:effectLst/>
+                <a:latin typeface="JetBrains Mono"/>
+              </a:rPr>
+              <a:t>let </a:t>
+            </a:r>
+            <a:r>
+              <a:rPr lang="en-US" dirty="0">
+                <a:solidFill>
+                  <a:srgbClr val="000000"/>
+                </a:solidFill>
+                <a:effectLst/>
+                <a:latin typeface="JetBrains Mono"/>
+              </a:rPr>
+              <a:t>str </a:t>
+            </a:r>
+            <a:r>
+              <a:rPr lang="en-US" dirty="0">
+                <a:solidFill>
+                  <a:srgbClr val="080808"/>
+                </a:solidFill>
+                <a:effectLst/>
+                <a:latin typeface="JetBrains Mono"/>
+              </a:rPr>
+              <a:t>= </a:t>
+            </a:r>
+            <a:r>
+              <a:rPr lang="en-US" dirty="0" err="1">
+                <a:solidFill>
+                  <a:srgbClr val="000000"/>
+                </a:solidFill>
+                <a:effectLst/>
+                <a:latin typeface="JetBrains Mono"/>
+              </a:rPr>
+              <a:t>MyStruct</a:t>
+            </a:r>
+            <a:r>
+              <a:rPr lang="en-US" dirty="0">
+                <a:solidFill>
+                  <a:srgbClr val="000000"/>
+                </a:solidFill>
+                <a:effectLst/>
+                <a:latin typeface="JetBrains Mono"/>
+              </a:rPr>
+              <a:t> </a:t>
+            </a:r>
+            <a:r>
+              <a:rPr lang="en-US" dirty="0">
+                <a:solidFill>
+                  <a:srgbClr val="080808"/>
+                </a:solidFill>
+                <a:effectLst/>
+                <a:latin typeface="JetBrains Mono"/>
+              </a:rPr>
+              <a:t>{ </a:t>
+            </a:r>
+            <a:r>
+              <a:rPr lang="en-US" dirty="0">
+                <a:solidFill>
+                  <a:srgbClr val="871094"/>
+                </a:solidFill>
+                <a:effectLst/>
+                <a:latin typeface="JetBrains Mono"/>
+              </a:rPr>
+              <a:t>integer</a:t>
+            </a:r>
+            <a:r>
+              <a:rPr lang="en-US" dirty="0">
+                <a:solidFill>
+                  <a:srgbClr val="080808"/>
+                </a:solidFill>
+                <a:effectLst/>
+                <a:latin typeface="JetBrains Mono"/>
+              </a:rPr>
+              <a:t>: </a:t>
+            </a:r>
+            <a:r>
+              <a:rPr lang="en-US" dirty="0">
+                <a:solidFill>
+                  <a:srgbClr val="1750EB"/>
+                </a:solidFill>
+                <a:effectLst/>
+                <a:latin typeface="JetBrains Mono"/>
+              </a:rPr>
+              <a:t>42 </a:t>
+            </a:r>
+            <a:r>
+              <a:rPr lang="en-US" dirty="0">
+                <a:solidFill>
+                  <a:srgbClr val="080808"/>
+                </a:solidFill>
+                <a:effectLst/>
+                <a:latin typeface="JetBrains Mono"/>
+              </a:rPr>
+              <a:t>};</a:t>
+            </a:r>
+          </a:p>
+          <a:p>
+            <a:pPr marL="0" indent="0">
+              <a:buNone/>
+            </a:pPr>
+            <a:r>
+              <a:rPr lang="en-US" dirty="0" err="1">
+                <a:solidFill>
+                  <a:srgbClr val="000000"/>
+                </a:solidFill>
+                <a:effectLst/>
+                <a:latin typeface="JetBrains Mono"/>
+              </a:rPr>
+              <a:t>str</a:t>
+            </a:r>
+            <a:r>
+              <a:rPr lang="en-US" dirty="0" err="1">
+                <a:solidFill>
+                  <a:srgbClr val="080808"/>
+                </a:solidFill>
+                <a:effectLst/>
+                <a:latin typeface="JetBrains Mono"/>
+              </a:rPr>
+              <a:t>.drop</a:t>
+            </a:r>
+            <a:r>
+              <a:rPr lang="en-US" dirty="0">
+                <a:solidFill>
+                  <a:srgbClr val="080808"/>
+                </a:solidFill>
+                <a:effectLst/>
+                <a:latin typeface="JetBrains Mono"/>
+              </a:rPr>
+              <a:t>();</a:t>
+            </a:r>
+          </a:p>
+          <a:p>
+            <a:pPr marL="0" indent="0">
+              <a:buNone/>
+            </a:pPr>
+            <a:r>
+              <a:rPr lang="en-US" dirty="0">
+                <a:solidFill>
+                  <a:srgbClr val="FF0000"/>
+                </a:solidFill>
+              </a:rPr>
+              <a:t>error[E0040]: explicit use of destructor method</a:t>
+            </a:r>
+            <a:endParaRPr lang="ru-RU" dirty="0">
+              <a:solidFill>
+                <a:srgbClr val="FF0000"/>
+              </a:solidFill>
+            </a:endParaRPr>
+          </a:p>
+        </p:txBody>
+      </p:sp>
+      <p:sp>
+        <p:nvSpPr>
+          <p:cNvPr id="8" name="Content Placeholder 7">
+            <a:extLst>
+              <a:ext uri="{FF2B5EF4-FFF2-40B4-BE49-F238E27FC236}">
+                <a16:creationId xmlns:a16="http://schemas.microsoft.com/office/drawing/2014/main" id="{D0D54B81-A5B0-8772-7FB8-3DF5CCF64898}"/>
+              </a:ext>
+            </a:extLst>
+          </p:cNvPr>
+          <p:cNvSpPr>
+            <a:spLocks noGrp="1"/>
+          </p:cNvSpPr>
+          <p:nvPr>
+            <p:ph sz="half" idx="2"/>
+          </p:nvPr>
+        </p:nvSpPr>
+        <p:spPr/>
+        <p:txBody>
+          <a:bodyPr/>
+          <a:lstStyle/>
+          <a:p>
+            <a:pPr marL="0" indent="0">
+              <a:buNone/>
+            </a:pPr>
+            <a:r>
+              <a:rPr lang="en-US" dirty="0">
+                <a:solidFill>
+                  <a:srgbClr val="0033B3"/>
+                </a:solidFill>
+                <a:effectLst/>
+                <a:latin typeface="JetBrains Mono"/>
+              </a:rPr>
+              <a:t>let </a:t>
+            </a:r>
+            <a:r>
+              <a:rPr lang="en-US" dirty="0">
+                <a:solidFill>
+                  <a:srgbClr val="000000"/>
+                </a:solidFill>
+                <a:effectLst/>
+                <a:latin typeface="JetBrains Mono"/>
+              </a:rPr>
+              <a:t>str </a:t>
+            </a:r>
+            <a:r>
+              <a:rPr lang="en-US" dirty="0">
+                <a:solidFill>
+                  <a:srgbClr val="080808"/>
+                </a:solidFill>
+                <a:effectLst/>
+                <a:latin typeface="JetBrains Mono"/>
+              </a:rPr>
+              <a:t>= </a:t>
+            </a:r>
+            <a:r>
+              <a:rPr lang="en-US" dirty="0" err="1">
+                <a:solidFill>
+                  <a:srgbClr val="000000"/>
+                </a:solidFill>
+                <a:effectLst/>
+                <a:latin typeface="JetBrains Mono"/>
+              </a:rPr>
+              <a:t>MyStruct</a:t>
+            </a:r>
+            <a:r>
+              <a:rPr lang="en-US" dirty="0">
+                <a:solidFill>
+                  <a:srgbClr val="000000"/>
+                </a:solidFill>
+                <a:effectLst/>
+                <a:latin typeface="JetBrains Mono"/>
+              </a:rPr>
+              <a:t> </a:t>
+            </a:r>
+            <a:r>
+              <a:rPr lang="en-US" dirty="0">
+                <a:solidFill>
+                  <a:srgbClr val="080808"/>
+                </a:solidFill>
+                <a:effectLst/>
+                <a:latin typeface="JetBrains Mono"/>
+              </a:rPr>
+              <a:t>{ </a:t>
+            </a:r>
+            <a:r>
+              <a:rPr lang="en-US" dirty="0">
+                <a:solidFill>
+                  <a:srgbClr val="871094"/>
+                </a:solidFill>
+                <a:effectLst/>
+                <a:latin typeface="JetBrains Mono"/>
+              </a:rPr>
+              <a:t>integer</a:t>
+            </a:r>
+            <a:r>
+              <a:rPr lang="en-US" dirty="0">
+                <a:solidFill>
+                  <a:srgbClr val="080808"/>
+                </a:solidFill>
+                <a:effectLst/>
+                <a:latin typeface="JetBrains Mono"/>
+              </a:rPr>
+              <a:t>: </a:t>
+            </a:r>
+            <a:r>
+              <a:rPr lang="en-US" dirty="0">
+                <a:solidFill>
+                  <a:srgbClr val="1750EB"/>
+                </a:solidFill>
+                <a:effectLst/>
+                <a:latin typeface="JetBrains Mono"/>
+              </a:rPr>
+              <a:t>42 </a:t>
+            </a:r>
+            <a:r>
+              <a:rPr lang="en-US" dirty="0">
+                <a:solidFill>
+                  <a:srgbClr val="080808"/>
+                </a:solidFill>
+                <a:effectLst/>
+                <a:latin typeface="JetBrains Mono"/>
+              </a:rPr>
+              <a:t>};</a:t>
+            </a:r>
+            <a:endParaRPr lang="en-US" i="1" dirty="0">
+              <a:solidFill>
+                <a:srgbClr val="8C8C8C"/>
+              </a:solidFill>
+              <a:effectLst/>
+              <a:latin typeface="JetBrains Mono"/>
+            </a:endParaRPr>
+          </a:p>
+          <a:p>
+            <a:pPr marL="0" indent="0">
+              <a:buNone/>
+            </a:pPr>
+            <a:r>
+              <a:rPr lang="en-US" dirty="0">
+                <a:solidFill>
+                  <a:srgbClr val="000000"/>
+                </a:solidFill>
+                <a:effectLst/>
+                <a:latin typeface="JetBrains Mono"/>
+              </a:rPr>
+              <a:t>mem</a:t>
+            </a:r>
+            <a:r>
+              <a:rPr lang="en-US" dirty="0">
+                <a:solidFill>
+                  <a:srgbClr val="080808"/>
+                </a:solidFill>
+                <a:effectLst/>
+                <a:latin typeface="JetBrains Mono"/>
+              </a:rPr>
+              <a:t>::drop(</a:t>
+            </a:r>
+            <a:r>
+              <a:rPr lang="en-US" dirty="0">
+                <a:solidFill>
+                  <a:srgbClr val="000000"/>
+                </a:solidFill>
+                <a:effectLst/>
+                <a:latin typeface="JetBrains Mono"/>
+              </a:rPr>
+              <a:t>str</a:t>
+            </a:r>
+            <a:r>
+              <a:rPr lang="en-US" dirty="0">
+                <a:solidFill>
+                  <a:srgbClr val="080808"/>
+                </a:solidFill>
+                <a:effectLst/>
+                <a:latin typeface="JetBrains Mono"/>
+              </a:rPr>
+              <a:t>);</a:t>
+            </a:r>
+          </a:p>
+          <a:p>
+            <a:endParaRPr lang="ru-RU" dirty="0"/>
           </a:p>
         </p:txBody>
       </p:sp>
     </p:spTree>
     <p:extLst>
       <p:ext uri="{BB962C8B-B14F-4D97-AF65-F5344CB8AC3E}">
-        <p14:creationId xmlns:p14="http://schemas.microsoft.com/office/powerpoint/2010/main" val="1237145490"/>
+        <p14:creationId xmlns:p14="http://schemas.microsoft.com/office/powerpoint/2010/main" val="2274837604"/>
       </p:ext>
     </p:extLst>
   </p:cSld>
   <p:clrMapOvr>
     <a:masterClrMapping/>
   </p:clrMapOvr>
+  <p:timing>
+    <p:tnLst>
+      <p:par>
+        <p:cTn id="1" dur="indefinite" restart="never" nodeType="tmRoot">
+          <p:childTnLst>
+            <p:seq concurrent="1" nextAc="seek">
+              <p:cTn id="2" dur="indefinite" nodeType="mainSeq">
+                <p:childTnLst>
+                  <p:par>
+                    <p:cTn id="3" fill="hold">
+                      <p:stCondLst>
+                        <p:cond delay="indefinite"/>
+                      </p:stCondLst>
+                      <p:childTnLst>
+                        <p:par>
+                          <p:cTn id="4" fill="hold">
+                            <p:stCondLst>
+                              <p:cond delay="0"/>
+                            </p:stCondLst>
+                            <p:childTnLst>
+                              <p:par>
+                                <p:cTn id="5" presetID="1" presetClass="entr" presetSubtype="0" fill="hold" grpId="0" nodeType="clickEffect">
+                                  <p:stCondLst>
+                                    <p:cond delay="0"/>
+                                  </p:stCondLst>
+                                  <p:childTnLst>
+                                    <p:set>
+                                      <p:cBhvr>
+                                        <p:cTn id="6" dur="1" fill="hold">
+                                          <p:stCondLst>
+                                            <p:cond delay="0"/>
+                                          </p:stCondLst>
+                                        </p:cTn>
+                                        <p:tgtEl>
+                                          <p:spTgt spid="7">
+                                            <p:txEl>
+                                              <p:pRg st="1" end="1"/>
+                                            </p:txEl>
+                                          </p:spTgt>
+                                        </p:tgtEl>
+                                        <p:attrNameLst>
+                                          <p:attrName>style.visibility</p:attrName>
+                                        </p:attrNameLst>
+                                      </p:cBhvr>
+                                      <p:to>
+                                        <p:strVal val="visible"/>
+                                      </p:to>
+                                    </p:set>
+                                  </p:childTnLst>
+                                </p:cTn>
+                              </p:par>
+                            </p:childTnLst>
+                          </p:cTn>
+                        </p:par>
+                      </p:childTnLst>
+                    </p:cTn>
+                  </p:par>
+                  <p:par>
+                    <p:cTn id="7" fill="hold">
+                      <p:stCondLst>
+                        <p:cond delay="indefinite"/>
+                      </p:stCondLst>
+                      <p:childTnLst>
+                        <p:par>
+                          <p:cTn id="8" fill="hold">
+                            <p:stCondLst>
+                              <p:cond delay="0"/>
+                            </p:stCondLst>
+                            <p:childTnLst>
+                              <p:par>
+                                <p:cTn id="9" presetID="1" presetClass="entr" presetSubtype="0" fill="hold" grpId="0" nodeType="clickEffect">
+                                  <p:stCondLst>
+                                    <p:cond delay="0"/>
+                                  </p:stCondLst>
+                                  <p:childTnLst>
+                                    <p:set>
+                                      <p:cBhvr>
+                                        <p:cTn id="10" dur="1" fill="hold">
+                                          <p:stCondLst>
+                                            <p:cond delay="0"/>
+                                          </p:stCondLst>
+                                        </p:cTn>
+                                        <p:tgtEl>
+                                          <p:spTgt spid="7">
+                                            <p:txEl>
+                                              <p:pRg st="2" end="2"/>
+                                            </p:txEl>
+                                          </p:spTgt>
+                                        </p:tgtEl>
+                                        <p:attrNameLst>
+                                          <p:attrName>style.visibility</p:attrName>
+                                        </p:attrNameLst>
+                                      </p:cBhvr>
+                                      <p:to>
+                                        <p:strVal val="visible"/>
+                                      </p:to>
+                                    </p:set>
+                                  </p:childTnLst>
+                                </p:cTn>
+                              </p:par>
+                            </p:childTnLst>
+                          </p:cTn>
+                        </p:par>
+                      </p:childTnLst>
+                    </p:cTn>
+                  </p:par>
+                  <p:par>
+                    <p:cTn id="11" fill="hold">
+                      <p:stCondLst>
+                        <p:cond delay="indefinite"/>
+                      </p:stCondLst>
+                      <p:childTnLst>
+                        <p:par>
+                          <p:cTn id="12" fill="hold">
+                            <p:stCondLst>
+                              <p:cond delay="0"/>
+                            </p:stCondLst>
+                            <p:childTnLst>
+                              <p:par>
+                                <p:cTn id="13" presetID="1" presetClass="entr" presetSubtype="0" fill="hold" grpId="0" nodeType="clickEffect">
+                                  <p:stCondLst>
+                                    <p:cond delay="0"/>
+                                  </p:stCondLst>
+                                  <p:childTnLst>
+                                    <p:set>
+                                      <p:cBhvr>
+                                        <p:cTn id="14" dur="1" fill="hold">
+                                          <p:stCondLst>
+                                            <p:cond delay="0"/>
+                                          </p:stCondLst>
+                                        </p:cTn>
+                                        <p:tgtEl>
+                                          <p:spTgt spid="8">
+                                            <p:txEl>
+                                              <p:pRg st="0" end="0"/>
+                                            </p:txEl>
+                                          </p:spTgt>
+                                        </p:tgtEl>
+                                        <p:attrNameLst>
+                                          <p:attrName>style.visibility</p:attrName>
+                                        </p:attrNameLst>
+                                      </p:cBhvr>
+                                      <p:to>
+                                        <p:strVal val="visible"/>
+                                      </p:to>
+                                    </p:set>
+                                  </p:childTnLst>
+                                </p:cTn>
+                              </p:par>
+                            </p:childTnLst>
+                          </p:cTn>
+                        </p:par>
+                      </p:childTnLst>
+                    </p:cTn>
+                  </p:par>
+                  <p:par>
+                    <p:cTn id="15" fill="hold">
+                      <p:stCondLst>
+                        <p:cond delay="indefinite"/>
+                      </p:stCondLst>
+                      <p:childTnLst>
+                        <p:par>
+                          <p:cTn id="16" fill="hold">
+                            <p:stCondLst>
+                              <p:cond delay="0"/>
+                            </p:stCondLst>
+                            <p:childTnLst>
+                              <p:par>
+                                <p:cTn id="17" presetID="1" presetClass="entr" presetSubtype="0" fill="hold" grpId="0" nodeType="clickEffect">
+                                  <p:stCondLst>
+                                    <p:cond delay="0"/>
+                                  </p:stCondLst>
+                                  <p:childTnLst>
+                                    <p:set>
+                                      <p:cBhvr>
+                                        <p:cTn id="18" dur="1" fill="hold">
+                                          <p:stCondLst>
+                                            <p:cond delay="0"/>
+                                          </p:stCondLst>
+                                        </p:cTn>
+                                        <p:tgtEl>
+                                          <p:spTgt spid="8">
+                                            <p:txEl>
+                                              <p:pRg st="1" end="1"/>
+                                            </p:txEl>
+                                          </p:spTgt>
+                                        </p:tgtEl>
+                                        <p:attrNameLst>
+                                          <p:attrName>style.visibility</p:attrName>
+                                        </p:attrNameLst>
+                                      </p:cBhvr>
+                                      <p:to>
+                                        <p:strVal val="visible"/>
+                                      </p:to>
+                                    </p:set>
+                                  </p:childTnLst>
+                                </p:cTn>
+                              </p:par>
+                            </p:childTnLst>
+                          </p:cTn>
+                        </p:par>
+                      </p:childTnLst>
+                    </p:cTn>
+                  </p:par>
+                </p:childTnLst>
+              </p:cTn>
+              <p:prevCondLst>
+                <p:cond evt="onPrev" delay="0">
+                  <p:tgtEl>
+                    <p:sldTgt/>
+                  </p:tgtEl>
+                </p:cond>
+              </p:prevCondLst>
+              <p:nextCondLst>
+                <p:cond evt="onNext" delay="0">
+                  <p:tgtEl>
+                    <p:sldTgt/>
+                  </p:tgtEl>
+                </p:cond>
+              </p:nextCondLst>
+            </p:seq>
+          </p:childTnLst>
+        </p:cTn>
+      </p:par>
+    </p:tnLst>
+    <p:bldLst>
+      <p:bldP spid="7" grpId="0" uiExpand="1" build="p"/>
+      <p:bldP spid="8" grpId="0" build="p"/>
+    </p:bldLst>
+  </p:timing>
 </p:sld>
 </file>
 
-<file path=ppt/slides/slide3.xml><?xml version="1.0" encoding="utf-8"?>
+<file path=ppt/slides/slide27.xml><?xml version="1.0" encoding="utf-8"?>
 <p:sld xmlns:a="http://schemas.openxmlformats.org/drawingml/2006/main" xmlns:r="http://schemas.openxmlformats.org/officeDocument/2006/relationships" xmlns:p="http://schemas.openxmlformats.org/presentationml/2006/main">
   <p:cSld>
     <p:spTree>
@@ -17621,7 +18668,7 @@
           <p:cNvPr id="2" name="Title 1">
             <a:extLst>
               <a:ext uri="{FF2B5EF4-FFF2-40B4-BE49-F238E27FC236}">
-                <a16:creationId xmlns:a16="http://schemas.microsoft.com/office/drawing/2014/main" id="{001A4796-0012-4F9C-1CE3-2903F2116478}"/>
+                <a16:creationId xmlns:a16="http://schemas.microsoft.com/office/drawing/2014/main" id="{6EBBB623-5BDE-45AB-D7CA-5C40DBCC2C99}"/>
               </a:ext>
             </a:extLst>
           </p:cNvPr>
@@ -17639,7 +18686,7 @@
           <a:p>
             <a:r>
               <a:rPr lang="en-US" dirty="0"/>
-              <a:t>Object-Oriented Programming</a:t>
+              <a:t>mem::forget()</a:t>
             </a:r>
             <a:endParaRPr lang="ru-RU" dirty="0"/>
           </a:p>
@@ -17647,10 +18694,10 @@
       </p:sp>
       <p:sp>
         <p:nvSpPr>
-          <p:cNvPr id="3" name="Content Placeholder 2">
+          <p:cNvPr id="5" name="Content Placeholder 4">
             <a:extLst>
               <a:ext uri="{FF2B5EF4-FFF2-40B4-BE49-F238E27FC236}">
-                <a16:creationId xmlns:a16="http://schemas.microsoft.com/office/drawing/2014/main" id="{D7291D5F-4644-08F2-2694-17563EDCDC8F}"/>
+                <a16:creationId xmlns:a16="http://schemas.microsoft.com/office/drawing/2014/main" id="{78381CDE-6280-C634-54C2-73F556ECE0C7}"/>
               </a:ext>
             </a:extLst>
           </p:cNvPr>
@@ -17666,56 +18713,2291 @@
           <a:bodyPr/>
           <a:lstStyle/>
           <a:p>
-            <a:r>
-              <a:rPr lang="en-US" dirty="0"/>
-              <a:t>Encapsulation</a:t>
-            </a:r>
-          </a:p>
-          <a:p>
-            <a:r>
-              <a:rPr lang="en-US" dirty="0">
-                <a:solidFill>
-                  <a:srgbClr val="202122"/>
-                </a:solidFill>
-                <a:latin typeface="Arial" panose="020B0604020202020204" pitchFamily="34" charset="0"/>
-              </a:rPr>
-              <a:t>I</a:t>
-            </a:r>
-            <a:r>
-              <a:rPr lang="en-US" b="0" i="0" dirty="0">
-                <a:solidFill>
-                  <a:srgbClr val="202122"/>
-                </a:solidFill>
-                <a:effectLst/>
-                <a:latin typeface="Arial" panose="020B0604020202020204" pitchFamily="34" charset="0"/>
-              </a:rPr>
-              <a:t>nheritance</a:t>
-            </a:r>
-            <a:endParaRPr lang="en-US" dirty="0"/>
-          </a:p>
-          <a:p>
-            <a:r>
-              <a:rPr lang="en-US" dirty="0"/>
-              <a:t>Polymorphism</a:t>
-            </a:r>
-            <a:endParaRPr lang="ru-RU" dirty="0"/>
+            <a:pPr marL="0" indent="0">
+              <a:buNone/>
+            </a:pPr>
+            <a:r>
+              <a:rPr lang="en-US" dirty="0">
+                <a:solidFill>
+                  <a:srgbClr val="080808"/>
+                </a:solidFill>
+                <a:latin typeface="JetBrains Mono"/>
+              </a:rPr>
+              <a:t>{</a:t>
+            </a:r>
+            <a:br>
+              <a:rPr lang="en-US" dirty="0">
+                <a:solidFill>
+                  <a:srgbClr val="080808"/>
+                </a:solidFill>
+                <a:latin typeface="JetBrains Mono"/>
+              </a:rPr>
+            </a:br>
+            <a:r>
+              <a:rPr lang="en-US" dirty="0">
+                <a:solidFill>
+                  <a:srgbClr val="080808"/>
+                </a:solidFill>
+                <a:latin typeface="JetBrains Mono"/>
+              </a:rPr>
+              <a:t>    </a:t>
+            </a:r>
+            <a:r>
+              <a:rPr lang="en-US" dirty="0">
+                <a:solidFill>
+                  <a:srgbClr val="0033B3"/>
+                </a:solidFill>
+                <a:latin typeface="JetBrains Mono"/>
+              </a:rPr>
+              <a:t>let </a:t>
+            </a:r>
+            <a:r>
+              <a:rPr lang="en-US" dirty="0">
+                <a:solidFill>
+                  <a:srgbClr val="000000"/>
+                </a:solidFill>
+                <a:latin typeface="JetBrains Mono"/>
+              </a:rPr>
+              <a:t>str </a:t>
+            </a:r>
+            <a:r>
+              <a:rPr lang="en-US" dirty="0">
+                <a:solidFill>
+                  <a:srgbClr val="080808"/>
+                </a:solidFill>
+                <a:latin typeface="JetBrains Mono"/>
+              </a:rPr>
+              <a:t>= </a:t>
+            </a:r>
+            <a:r>
+              <a:rPr lang="en-US" dirty="0" err="1">
+                <a:solidFill>
+                  <a:srgbClr val="000000"/>
+                </a:solidFill>
+                <a:latin typeface="JetBrains Mono"/>
+              </a:rPr>
+              <a:t>MyStruct</a:t>
+            </a:r>
+            <a:r>
+              <a:rPr lang="en-US" dirty="0">
+                <a:solidFill>
+                  <a:srgbClr val="000000"/>
+                </a:solidFill>
+                <a:latin typeface="JetBrains Mono"/>
+              </a:rPr>
+              <a:t> </a:t>
+            </a:r>
+            <a:r>
+              <a:rPr lang="en-US" dirty="0">
+                <a:solidFill>
+                  <a:srgbClr val="080808"/>
+                </a:solidFill>
+                <a:latin typeface="JetBrains Mono"/>
+              </a:rPr>
+              <a:t>{ </a:t>
+            </a:r>
+            <a:r>
+              <a:rPr lang="en-US" dirty="0">
+                <a:solidFill>
+                  <a:srgbClr val="871094"/>
+                </a:solidFill>
+                <a:latin typeface="JetBrains Mono"/>
+              </a:rPr>
+              <a:t>integer</a:t>
+            </a:r>
+            <a:r>
+              <a:rPr lang="en-US" dirty="0">
+                <a:solidFill>
+                  <a:srgbClr val="080808"/>
+                </a:solidFill>
+                <a:latin typeface="JetBrains Mono"/>
+              </a:rPr>
+              <a:t>: </a:t>
+            </a:r>
+            <a:r>
+              <a:rPr lang="en-US" dirty="0">
+                <a:solidFill>
+                  <a:srgbClr val="1750EB"/>
+                </a:solidFill>
+                <a:latin typeface="JetBrains Mono"/>
+              </a:rPr>
+              <a:t>42 </a:t>
+            </a:r>
+            <a:r>
+              <a:rPr lang="en-US" dirty="0">
+                <a:solidFill>
+                  <a:srgbClr val="080808"/>
+                </a:solidFill>
+                <a:latin typeface="JetBrains Mono"/>
+              </a:rPr>
+              <a:t>};</a:t>
+            </a:r>
+          </a:p>
+          <a:p>
+            <a:pPr marL="0" indent="0">
+              <a:buNone/>
+            </a:pPr>
+            <a:r>
+              <a:rPr lang="en-US" i="1" dirty="0">
+                <a:solidFill>
+                  <a:srgbClr val="8C8C8C"/>
+                </a:solidFill>
+                <a:latin typeface="JetBrains Mono"/>
+              </a:rPr>
+              <a:t>    </a:t>
+            </a:r>
+            <a:r>
+              <a:rPr lang="en-US" dirty="0">
+                <a:solidFill>
+                  <a:srgbClr val="000000"/>
+                </a:solidFill>
+                <a:latin typeface="JetBrains Mono"/>
+              </a:rPr>
+              <a:t>mem</a:t>
+            </a:r>
+            <a:r>
+              <a:rPr lang="en-US" dirty="0">
+                <a:solidFill>
+                  <a:srgbClr val="080808"/>
+                </a:solidFill>
+                <a:latin typeface="JetBrains Mono"/>
+              </a:rPr>
+              <a:t>::forget(</a:t>
+            </a:r>
+            <a:r>
+              <a:rPr lang="en-US" dirty="0">
+                <a:solidFill>
+                  <a:srgbClr val="000000"/>
+                </a:solidFill>
+                <a:latin typeface="JetBrains Mono"/>
+              </a:rPr>
+              <a:t>str</a:t>
+            </a:r>
+            <a:r>
+              <a:rPr lang="en-US" dirty="0">
+                <a:solidFill>
+                  <a:srgbClr val="080808"/>
+                </a:solidFill>
+                <a:latin typeface="JetBrains Mono"/>
+              </a:rPr>
+              <a:t>);</a:t>
+            </a:r>
+          </a:p>
+          <a:p>
+            <a:pPr marL="0" indent="0">
+              <a:buNone/>
+            </a:pPr>
+            <a:r>
+              <a:rPr lang="en-US" dirty="0">
+                <a:solidFill>
+                  <a:srgbClr val="080808"/>
+                </a:solidFill>
+                <a:latin typeface="JetBrains Mono"/>
+              </a:rPr>
+              <a:t>}</a:t>
+            </a:r>
+            <a:br>
+              <a:rPr lang="en-US" dirty="0">
+                <a:solidFill>
+                  <a:srgbClr val="080808"/>
+                </a:solidFill>
+                <a:latin typeface="JetBrains Mono"/>
+              </a:rPr>
+            </a:br>
+            <a:r>
+              <a:rPr lang="en-US" dirty="0" err="1">
+                <a:solidFill>
+                  <a:srgbClr val="DD6718"/>
+                </a:solidFill>
+                <a:latin typeface="JetBrains Mono"/>
+              </a:rPr>
+              <a:t>println</a:t>
+            </a:r>
+            <a:r>
+              <a:rPr lang="en-US" dirty="0">
+                <a:solidFill>
+                  <a:srgbClr val="DD6718"/>
+                </a:solidFill>
+                <a:latin typeface="JetBrains Mono"/>
+              </a:rPr>
+              <a:t>!</a:t>
+            </a:r>
+            <a:r>
+              <a:rPr lang="en-US" dirty="0">
+                <a:solidFill>
+                  <a:srgbClr val="080808"/>
+                </a:solidFill>
+                <a:latin typeface="JetBrains Mono"/>
+              </a:rPr>
+              <a:t>(</a:t>
+            </a:r>
+            <a:r>
+              <a:rPr lang="en-US" dirty="0">
+                <a:solidFill>
+                  <a:srgbClr val="067D17"/>
+                </a:solidFill>
+                <a:latin typeface="JetBrains Mono"/>
+              </a:rPr>
+              <a:t>"Hi"</a:t>
+            </a:r>
+            <a:r>
+              <a:rPr lang="en-US" dirty="0">
+                <a:solidFill>
+                  <a:srgbClr val="080808"/>
+                </a:solidFill>
+                <a:latin typeface="JetBrains Mono"/>
+              </a:rPr>
+              <a:t>)</a:t>
+            </a:r>
+          </a:p>
+          <a:p>
+            <a:pPr marL="0" indent="0">
+              <a:buNone/>
+            </a:pPr>
+            <a:endParaRPr lang="en-US" dirty="0">
+              <a:solidFill>
+                <a:srgbClr val="080808"/>
+              </a:solidFill>
+              <a:latin typeface="JetBrains Mono"/>
+            </a:endParaRPr>
+          </a:p>
+          <a:p>
+            <a:pPr marL="0" indent="0">
+              <a:buNone/>
+            </a:pPr>
+            <a:r>
+              <a:rPr lang="en-US" dirty="0">
+                <a:solidFill>
+                  <a:srgbClr val="080808"/>
+                </a:solidFill>
+                <a:latin typeface="JetBrains Mono"/>
+              </a:rPr>
+              <a:t>&gt; Hi</a:t>
+            </a:r>
+          </a:p>
+          <a:p>
+            <a:pPr marL="0" indent="0">
+              <a:buNone/>
+            </a:pPr>
+            <a:r>
+              <a:rPr lang="en-US" b="1" i="1" u="sng" dirty="0">
+                <a:solidFill>
+                  <a:srgbClr val="FF0000"/>
+                </a:solidFill>
+                <a:latin typeface="JetBrains Mono"/>
+              </a:rPr>
+              <a:t>mem::forget() is not unsafe</a:t>
+            </a:r>
           </a:p>
         </p:txBody>
       </p:sp>
     </p:spTree>
     <p:extLst>
       <p:ext uri="{BB962C8B-B14F-4D97-AF65-F5344CB8AC3E}">
-        <p14:creationId xmlns:p14="http://schemas.microsoft.com/office/powerpoint/2010/main" val="3842887478"/>
+        <p14:creationId xmlns:p14="http://schemas.microsoft.com/office/powerpoint/2010/main" val="35075548"/>
       </p:ext>
     </p:extLst>
   </p:cSld>
   <p:clrMapOvr>
     <a:masterClrMapping/>
   </p:clrMapOvr>
+  <p:timing>
+    <p:tnLst>
+      <p:par>
+        <p:cTn id="1" dur="indefinite" restart="never" nodeType="tmRoot">
+          <p:childTnLst>
+            <p:seq concurrent="1" nextAc="seek">
+              <p:cTn id="2" dur="indefinite" nodeType="mainSeq">
+                <p:childTnLst>
+                  <p:par>
+                    <p:cTn id="3" fill="hold">
+                      <p:stCondLst>
+                        <p:cond delay="indefinite"/>
+                      </p:stCondLst>
+                      <p:childTnLst>
+                        <p:par>
+                          <p:cTn id="4" fill="hold">
+                            <p:stCondLst>
+                              <p:cond delay="0"/>
+                            </p:stCondLst>
+                            <p:childTnLst>
+                              <p:par>
+                                <p:cTn id="5" presetID="1" presetClass="entr" presetSubtype="0" fill="hold" grpId="0" nodeType="clickEffect">
+                                  <p:stCondLst>
+                                    <p:cond delay="0"/>
+                                  </p:stCondLst>
+                                  <p:childTnLst>
+                                    <p:set>
+                                      <p:cBhvr>
+                                        <p:cTn id="6" dur="1" fill="hold">
+                                          <p:stCondLst>
+                                            <p:cond delay="0"/>
+                                          </p:stCondLst>
+                                        </p:cTn>
+                                        <p:tgtEl>
+                                          <p:spTgt spid="5">
+                                            <p:txEl>
+                                              <p:pRg st="0" end="0"/>
+                                            </p:txEl>
+                                          </p:spTgt>
+                                        </p:tgtEl>
+                                        <p:attrNameLst>
+                                          <p:attrName>style.visibility</p:attrName>
+                                        </p:attrNameLst>
+                                      </p:cBhvr>
+                                      <p:to>
+                                        <p:strVal val="visible"/>
+                                      </p:to>
+                                    </p:set>
+                                  </p:childTnLst>
+                                </p:cTn>
+                              </p:par>
+                            </p:childTnLst>
+                          </p:cTn>
+                        </p:par>
+                      </p:childTnLst>
+                    </p:cTn>
+                  </p:par>
+                  <p:par>
+                    <p:cTn id="7" fill="hold">
+                      <p:stCondLst>
+                        <p:cond delay="indefinite"/>
+                      </p:stCondLst>
+                      <p:childTnLst>
+                        <p:par>
+                          <p:cTn id="8" fill="hold">
+                            <p:stCondLst>
+                              <p:cond delay="0"/>
+                            </p:stCondLst>
+                            <p:childTnLst>
+                              <p:par>
+                                <p:cTn id="9" presetID="1" presetClass="entr" presetSubtype="0" fill="hold" grpId="0" nodeType="clickEffect">
+                                  <p:stCondLst>
+                                    <p:cond delay="0"/>
+                                  </p:stCondLst>
+                                  <p:childTnLst>
+                                    <p:set>
+                                      <p:cBhvr>
+                                        <p:cTn id="10" dur="1" fill="hold">
+                                          <p:stCondLst>
+                                            <p:cond delay="0"/>
+                                          </p:stCondLst>
+                                        </p:cTn>
+                                        <p:tgtEl>
+                                          <p:spTgt spid="5">
+                                            <p:txEl>
+                                              <p:pRg st="1" end="1"/>
+                                            </p:txEl>
+                                          </p:spTgt>
+                                        </p:tgtEl>
+                                        <p:attrNameLst>
+                                          <p:attrName>style.visibility</p:attrName>
+                                        </p:attrNameLst>
+                                      </p:cBhvr>
+                                      <p:to>
+                                        <p:strVal val="visible"/>
+                                      </p:to>
+                                    </p:set>
+                                  </p:childTnLst>
+                                </p:cTn>
+                              </p:par>
+                            </p:childTnLst>
+                          </p:cTn>
+                        </p:par>
+                      </p:childTnLst>
+                    </p:cTn>
+                  </p:par>
+                  <p:par>
+                    <p:cTn id="11" fill="hold">
+                      <p:stCondLst>
+                        <p:cond delay="indefinite"/>
+                      </p:stCondLst>
+                      <p:childTnLst>
+                        <p:par>
+                          <p:cTn id="12" fill="hold">
+                            <p:stCondLst>
+                              <p:cond delay="0"/>
+                            </p:stCondLst>
+                            <p:childTnLst>
+                              <p:par>
+                                <p:cTn id="13" presetID="1" presetClass="entr" presetSubtype="0" fill="hold" grpId="0" nodeType="clickEffect">
+                                  <p:stCondLst>
+                                    <p:cond delay="0"/>
+                                  </p:stCondLst>
+                                  <p:childTnLst>
+                                    <p:set>
+                                      <p:cBhvr>
+                                        <p:cTn id="14" dur="1" fill="hold">
+                                          <p:stCondLst>
+                                            <p:cond delay="0"/>
+                                          </p:stCondLst>
+                                        </p:cTn>
+                                        <p:tgtEl>
+                                          <p:spTgt spid="5">
+                                            <p:txEl>
+                                              <p:pRg st="2" end="2"/>
+                                            </p:txEl>
+                                          </p:spTgt>
+                                        </p:tgtEl>
+                                        <p:attrNameLst>
+                                          <p:attrName>style.visibility</p:attrName>
+                                        </p:attrNameLst>
+                                      </p:cBhvr>
+                                      <p:to>
+                                        <p:strVal val="visible"/>
+                                      </p:to>
+                                    </p:set>
+                                  </p:childTnLst>
+                                </p:cTn>
+                              </p:par>
+                            </p:childTnLst>
+                          </p:cTn>
+                        </p:par>
+                      </p:childTnLst>
+                    </p:cTn>
+                  </p:par>
+                  <p:par>
+                    <p:cTn id="15" fill="hold">
+                      <p:stCondLst>
+                        <p:cond delay="indefinite"/>
+                      </p:stCondLst>
+                      <p:childTnLst>
+                        <p:par>
+                          <p:cTn id="16" fill="hold">
+                            <p:stCondLst>
+                              <p:cond delay="0"/>
+                            </p:stCondLst>
+                            <p:childTnLst>
+                              <p:par>
+                                <p:cTn id="17" presetID="1" presetClass="entr" presetSubtype="0" fill="hold" grpId="0" nodeType="clickEffect">
+                                  <p:stCondLst>
+                                    <p:cond delay="0"/>
+                                  </p:stCondLst>
+                                  <p:childTnLst>
+                                    <p:set>
+                                      <p:cBhvr>
+                                        <p:cTn id="18" dur="1" fill="hold">
+                                          <p:stCondLst>
+                                            <p:cond delay="0"/>
+                                          </p:stCondLst>
+                                        </p:cTn>
+                                        <p:tgtEl>
+                                          <p:spTgt spid="5">
+                                            <p:txEl>
+                                              <p:pRg st="4" end="4"/>
+                                            </p:txEl>
+                                          </p:spTgt>
+                                        </p:tgtEl>
+                                        <p:attrNameLst>
+                                          <p:attrName>style.visibility</p:attrName>
+                                        </p:attrNameLst>
+                                      </p:cBhvr>
+                                      <p:to>
+                                        <p:strVal val="visible"/>
+                                      </p:to>
+                                    </p:set>
+                                  </p:childTnLst>
+                                </p:cTn>
+                              </p:par>
+                            </p:childTnLst>
+                          </p:cTn>
+                        </p:par>
+                      </p:childTnLst>
+                    </p:cTn>
+                  </p:par>
+                  <p:par>
+                    <p:cTn id="19" fill="hold">
+                      <p:stCondLst>
+                        <p:cond delay="indefinite"/>
+                      </p:stCondLst>
+                      <p:childTnLst>
+                        <p:par>
+                          <p:cTn id="20" fill="hold">
+                            <p:stCondLst>
+                              <p:cond delay="0"/>
+                            </p:stCondLst>
+                            <p:childTnLst>
+                              <p:par>
+                                <p:cTn id="21" presetID="1" presetClass="entr" presetSubtype="0" fill="hold" grpId="0" nodeType="clickEffect">
+                                  <p:stCondLst>
+                                    <p:cond delay="0"/>
+                                  </p:stCondLst>
+                                  <p:childTnLst>
+                                    <p:set>
+                                      <p:cBhvr>
+                                        <p:cTn id="22" dur="1" fill="hold">
+                                          <p:stCondLst>
+                                            <p:cond delay="0"/>
+                                          </p:stCondLst>
+                                        </p:cTn>
+                                        <p:tgtEl>
+                                          <p:spTgt spid="5">
+                                            <p:txEl>
+                                              <p:pRg st="5" end="5"/>
+                                            </p:txEl>
+                                          </p:spTgt>
+                                        </p:tgtEl>
+                                        <p:attrNameLst>
+                                          <p:attrName>style.visibility</p:attrName>
+                                        </p:attrNameLst>
+                                      </p:cBhvr>
+                                      <p:to>
+                                        <p:strVal val="visible"/>
+                                      </p:to>
+                                    </p:set>
+                                  </p:childTnLst>
+                                </p:cTn>
+                              </p:par>
+                            </p:childTnLst>
+                          </p:cTn>
+                        </p:par>
+                      </p:childTnLst>
+                    </p:cTn>
+                  </p:par>
+                </p:childTnLst>
+              </p:cTn>
+              <p:prevCondLst>
+                <p:cond evt="onPrev" delay="0">
+                  <p:tgtEl>
+                    <p:sldTgt/>
+                  </p:tgtEl>
+                </p:cond>
+              </p:prevCondLst>
+              <p:nextCondLst>
+                <p:cond evt="onNext" delay="0">
+                  <p:tgtEl>
+                    <p:sldTgt/>
+                  </p:tgtEl>
+                </p:cond>
+              </p:nextCondLst>
+            </p:seq>
+          </p:childTnLst>
+        </p:cTn>
+      </p:par>
+    </p:tnLst>
+    <p:bldLst>
+      <p:bldP spid="5" grpId="0" build="p"/>
+    </p:bldLst>
+  </p:timing>
 </p:sld>
 </file>
 
-<file path=ppt/slides/slide4.xml><?xml version="1.0" encoding="utf-8"?>
+<file path=ppt/slides/slide28.xml><?xml version="1.0" encoding="utf-8"?>
+<p:sld xmlns:a="http://schemas.openxmlformats.org/drawingml/2006/main" xmlns:r="http://schemas.openxmlformats.org/officeDocument/2006/relationships" xmlns:p="http://schemas.openxmlformats.org/presentationml/2006/main">
+  <p:cSld>
+    <p:spTree>
+      <p:nvGrpSpPr>
+        <p:cNvPr id="1" name=""/>
+        <p:cNvGrpSpPr/>
+        <p:nvPr/>
+      </p:nvGrpSpPr>
+      <p:grpSpPr>
+        <a:xfrm>
+          <a:off x="0" y="0"/>
+          <a:ext cx="0" cy="0"/>
+          <a:chOff x="0" y="0"/>
+          <a:chExt cx="0" cy="0"/>
+        </a:xfrm>
+      </p:grpSpPr>
+      <p:sp>
+        <p:nvSpPr>
+          <p:cNvPr id="2" name="Title 1">
+            <a:extLst>
+              <a:ext uri="{FF2B5EF4-FFF2-40B4-BE49-F238E27FC236}">
+                <a16:creationId xmlns:a16="http://schemas.microsoft.com/office/drawing/2014/main" id="{0A906287-C600-0F4A-19E8-C9271BBBFD53}"/>
+              </a:ext>
+            </a:extLst>
+          </p:cNvPr>
+          <p:cNvSpPr>
+            <a:spLocks noGrp="1"/>
+          </p:cNvSpPr>
+          <p:nvPr>
+            <p:ph type="title"/>
+          </p:nvPr>
+        </p:nvSpPr>
+        <p:spPr/>
+        <p:txBody>
+          <a:bodyPr/>
+          <a:lstStyle/>
+          <a:p>
+            <a:r>
+              <a:rPr lang="en-US" dirty="0"/>
+              <a:t>Drop order</a:t>
+            </a:r>
+            <a:endParaRPr lang="ru-RU" dirty="0"/>
+          </a:p>
+        </p:txBody>
+      </p:sp>
+      <p:sp>
+        <p:nvSpPr>
+          <p:cNvPr id="5" name="Content Placeholder 4">
+            <a:extLst>
+              <a:ext uri="{FF2B5EF4-FFF2-40B4-BE49-F238E27FC236}">
+                <a16:creationId xmlns:a16="http://schemas.microsoft.com/office/drawing/2014/main" id="{D29E8864-97A9-237D-827D-1D28CB6662FF}"/>
+              </a:ext>
+            </a:extLst>
+          </p:cNvPr>
+          <p:cNvSpPr>
+            <a:spLocks noGrp="1"/>
+          </p:cNvSpPr>
+          <p:nvPr>
+            <p:ph idx="1"/>
+          </p:nvPr>
+        </p:nvSpPr>
+        <p:spPr/>
+        <p:txBody>
+          <a:bodyPr/>
+          <a:lstStyle/>
+          <a:p>
+            <a:r>
+              <a:rPr lang="en-US" b="0" i="0" dirty="0">
+                <a:solidFill>
+                  <a:srgbClr val="24292F"/>
+                </a:solidFill>
+                <a:effectLst/>
+                <a:latin typeface="-apple-system"/>
+              </a:rPr>
+              <a:t>Struct fields are dropped in the same order as they are declared</a:t>
+            </a:r>
+          </a:p>
+          <a:p>
+            <a:r>
+              <a:rPr lang="en-US" dirty="0">
+                <a:solidFill>
+                  <a:srgbClr val="24292F"/>
+                </a:solidFill>
+                <a:latin typeface="-apple-system"/>
+              </a:rPr>
+              <a:t>Slice/</a:t>
+            </a:r>
+            <a:r>
+              <a:rPr lang="en-US" dirty="0" err="1">
+                <a:solidFill>
+                  <a:srgbClr val="24292F"/>
+                </a:solidFill>
+                <a:latin typeface="-apple-system"/>
+              </a:rPr>
+              <a:t>Vec</a:t>
+            </a:r>
+            <a:r>
+              <a:rPr lang="en-US" dirty="0">
+                <a:solidFill>
+                  <a:srgbClr val="24292F"/>
+                </a:solidFill>
+                <a:latin typeface="-apple-system"/>
+              </a:rPr>
+              <a:t> are dropped in the straightforward order</a:t>
+            </a:r>
+          </a:p>
+          <a:p>
+            <a:r>
+              <a:rPr lang="en-US" dirty="0">
+                <a:hlinkClick r:id="rId2"/>
+              </a:rPr>
+              <a:t>https://github.com/rust-lang/rfcs/blob/master/text/1857-stabilize-drop-order.md</a:t>
+            </a:r>
+            <a:endParaRPr lang="en-US" dirty="0"/>
+          </a:p>
+          <a:p>
+            <a:endParaRPr lang="ru-RU" dirty="0"/>
+          </a:p>
+        </p:txBody>
+      </p:sp>
+    </p:spTree>
+    <p:extLst>
+      <p:ext uri="{BB962C8B-B14F-4D97-AF65-F5344CB8AC3E}">
+        <p14:creationId xmlns:p14="http://schemas.microsoft.com/office/powerpoint/2010/main" val="2131159844"/>
+      </p:ext>
+    </p:extLst>
+  </p:cSld>
+  <p:clrMapOvr>
+    <a:masterClrMapping/>
+  </p:clrMapOvr>
+  <p:timing>
+    <p:tnLst>
+      <p:par>
+        <p:cTn id="1" dur="indefinite" restart="never" nodeType="tmRoot">
+          <p:childTnLst>
+            <p:seq concurrent="1" nextAc="seek">
+              <p:cTn id="2" dur="indefinite" nodeType="mainSeq">
+                <p:childTnLst>
+                  <p:par>
+                    <p:cTn id="3" fill="hold">
+                      <p:stCondLst>
+                        <p:cond delay="indefinite"/>
+                      </p:stCondLst>
+                      <p:childTnLst>
+                        <p:par>
+                          <p:cTn id="4" fill="hold">
+                            <p:stCondLst>
+                              <p:cond delay="0"/>
+                            </p:stCondLst>
+                            <p:childTnLst>
+                              <p:par>
+                                <p:cTn id="5" presetID="1" presetClass="entr" presetSubtype="0" fill="hold" grpId="0" nodeType="clickEffect">
+                                  <p:stCondLst>
+                                    <p:cond delay="0"/>
+                                  </p:stCondLst>
+                                  <p:childTnLst>
+                                    <p:set>
+                                      <p:cBhvr>
+                                        <p:cTn id="6" dur="1" fill="hold">
+                                          <p:stCondLst>
+                                            <p:cond delay="0"/>
+                                          </p:stCondLst>
+                                        </p:cTn>
+                                        <p:tgtEl>
+                                          <p:spTgt spid="5">
+                                            <p:txEl>
+                                              <p:pRg st="0" end="0"/>
+                                            </p:txEl>
+                                          </p:spTgt>
+                                        </p:tgtEl>
+                                        <p:attrNameLst>
+                                          <p:attrName>style.visibility</p:attrName>
+                                        </p:attrNameLst>
+                                      </p:cBhvr>
+                                      <p:to>
+                                        <p:strVal val="visible"/>
+                                      </p:to>
+                                    </p:set>
+                                  </p:childTnLst>
+                                </p:cTn>
+                              </p:par>
+                            </p:childTnLst>
+                          </p:cTn>
+                        </p:par>
+                      </p:childTnLst>
+                    </p:cTn>
+                  </p:par>
+                  <p:par>
+                    <p:cTn id="7" fill="hold">
+                      <p:stCondLst>
+                        <p:cond delay="indefinite"/>
+                      </p:stCondLst>
+                      <p:childTnLst>
+                        <p:par>
+                          <p:cTn id="8" fill="hold">
+                            <p:stCondLst>
+                              <p:cond delay="0"/>
+                            </p:stCondLst>
+                            <p:childTnLst>
+                              <p:par>
+                                <p:cTn id="9" presetID="1" presetClass="entr" presetSubtype="0" fill="hold" grpId="0" nodeType="clickEffect">
+                                  <p:stCondLst>
+                                    <p:cond delay="0"/>
+                                  </p:stCondLst>
+                                  <p:childTnLst>
+                                    <p:set>
+                                      <p:cBhvr>
+                                        <p:cTn id="10" dur="1" fill="hold">
+                                          <p:stCondLst>
+                                            <p:cond delay="0"/>
+                                          </p:stCondLst>
+                                        </p:cTn>
+                                        <p:tgtEl>
+                                          <p:spTgt spid="5">
+                                            <p:txEl>
+                                              <p:pRg st="1" end="1"/>
+                                            </p:txEl>
+                                          </p:spTgt>
+                                        </p:tgtEl>
+                                        <p:attrNameLst>
+                                          <p:attrName>style.visibility</p:attrName>
+                                        </p:attrNameLst>
+                                      </p:cBhvr>
+                                      <p:to>
+                                        <p:strVal val="visible"/>
+                                      </p:to>
+                                    </p:set>
+                                  </p:childTnLst>
+                                </p:cTn>
+                              </p:par>
+                            </p:childTnLst>
+                          </p:cTn>
+                        </p:par>
+                      </p:childTnLst>
+                    </p:cTn>
+                  </p:par>
+                  <p:par>
+                    <p:cTn id="11" fill="hold">
+                      <p:stCondLst>
+                        <p:cond delay="indefinite"/>
+                      </p:stCondLst>
+                      <p:childTnLst>
+                        <p:par>
+                          <p:cTn id="12" fill="hold">
+                            <p:stCondLst>
+                              <p:cond delay="0"/>
+                            </p:stCondLst>
+                            <p:childTnLst>
+                              <p:par>
+                                <p:cTn id="13" presetID="1" presetClass="entr" presetSubtype="0" fill="hold" grpId="0" nodeType="clickEffect">
+                                  <p:stCondLst>
+                                    <p:cond delay="0"/>
+                                  </p:stCondLst>
+                                  <p:childTnLst>
+                                    <p:set>
+                                      <p:cBhvr>
+                                        <p:cTn id="14" dur="1" fill="hold">
+                                          <p:stCondLst>
+                                            <p:cond delay="0"/>
+                                          </p:stCondLst>
+                                        </p:cTn>
+                                        <p:tgtEl>
+                                          <p:spTgt spid="5">
+                                            <p:txEl>
+                                              <p:pRg st="2" end="2"/>
+                                            </p:txEl>
+                                          </p:spTgt>
+                                        </p:tgtEl>
+                                        <p:attrNameLst>
+                                          <p:attrName>style.visibility</p:attrName>
+                                        </p:attrNameLst>
+                                      </p:cBhvr>
+                                      <p:to>
+                                        <p:strVal val="visible"/>
+                                      </p:to>
+                                    </p:set>
+                                  </p:childTnLst>
+                                </p:cTn>
+                              </p:par>
+                            </p:childTnLst>
+                          </p:cTn>
+                        </p:par>
+                      </p:childTnLst>
+                    </p:cTn>
+                  </p:par>
+                </p:childTnLst>
+              </p:cTn>
+              <p:prevCondLst>
+                <p:cond evt="onPrev" delay="0">
+                  <p:tgtEl>
+                    <p:sldTgt/>
+                  </p:tgtEl>
+                </p:cond>
+              </p:prevCondLst>
+              <p:nextCondLst>
+                <p:cond evt="onNext" delay="0">
+                  <p:tgtEl>
+                    <p:sldTgt/>
+                  </p:tgtEl>
+                </p:cond>
+              </p:nextCondLst>
+            </p:seq>
+          </p:childTnLst>
+        </p:cTn>
+      </p:par>
+    </p:tnLst>
+    <p:bldLst>
+      <p:bldP spid="5" grpId="0" build="p"/>
+    </p:bldLst>
+  </p:timing>
+</p:sld>
+</file>
+
+<file path=ppt/slides/slide29.xml><?xml version="1.0" encoding="utf-8"?>
+<p:sld xmlns:a="http://schemas.openxmlformats.org/drawingml/2006/main" xmlns:r="http://schemas.openxmlformats.org/officeDocument/2006/relationships" xmlns:p="http://schemas.openxmlformats.org/presentationml/2006/main">
+  <p:cSld>
+    <p:spTree>
+      <p:nvGrpSpPr>
+        <p:cNvPr id="1" name=""/>
+        <p:cNvGrpSpPr/>
+        <p:nvPr/>
+      </p:nvGrpSpPr>
+      <p:grpSpPr>
+        <a:xfrm>
+          <a:off x="0" y="0"/>
+          <a:ext cx="0" cy="0"/>
+          <a:chOff x="0" y="0"/>
+          <a:chExt cx="0" cy="0"/>
+        </a:xfrm>
+      </p:grpSpPr>
+      <p:sp>
+        <p:nvSpPr>
+          <p:cNvPr id="2" name="Title 1">
+            <a:extLst>
+              <a:ext uri="{FF2B5EF4-FFF2-40B4-BE49-F238E27FC236}">
+                <a16:creationId xmlns:a16="http://schemas.microsoft.com/office/drawing/2014/main" id="{7C87DCFC-7331-1EF1-FE0D-B7E89751DEB4}"/>
+              </a:ext>
+            </a:extLst>
+          </p:cNvPr>
+          <p:cNvSpPr>
+            <a:spLocks noGrp="1"/>
+          </p:cNvSpPr>
+          <p:nvPr>
+            <p:ph type="title"/>
+          </p:nvPr>
+        </p:nvSpPr>
+        <p:spPr/>
+        <p:txBody>
+          <a:bodyPr/>
+          <a:lstStyle/>
+          <a:p>
+            <a:r>
+              <a:rPr lang="en-US" dirty="0"/>
+              <a:t>Self references and drop</a:t>
+            </a:r>
+            <a:endParaRPr lang="ru-RU" dirty="0"/>
+          </a:p>
+        </p:txBody>
+      </p:sp>
+      <p:sp>
+        <p:nvSpPr>
+          <p:cNvPr id="3" name="Content Placeholder 2">
+            <a:extLst>
+              <a:ext uri="{FF2B5EF4-FFF2-40B4-BE49-F238E27FC236}">
+                <a16:creationId xmlns:a16="http://schemas.microsoft.com/office/drawing/2014/main" id="{9B8E65F2-78B4-FC79-9526-55C99909740E}"/>
+              </a:ext>
+            </a:extLst>
+          </p:cNvPr>
+          <p:cNvSpPr>
+            <a:spLocks noGrp="1"/>
+          </p:cNvSpPr>
+          <p:nvPr>
+            <p:ph sz="half" idx="1"/>
+          </p:nvPr>
+        </p:nvSpPr>
+        <p:spPr>
+          <a:xfrm>
+            <a:off x="838200" y="1825624"/>
+            <a:ext cx="5181600" cy="4934721"/>
+          </a:xfrm>
+        </p:spPr>
+        <p:txBody>
+          <a:bodyPr>
+            <a:normAutofit fontScale="92500" lnSpcReduction="10000"/>
+          </a:bodyPr>
+          <a:lstStyle/>
+          <a:p>
+            <a:pPr marL="0" indent="0">
+              <a:buNone/>
+            </a:pPr>
+            <a:r>
+              <a:rPr lang="en-US" dirty="0">
+                <a:solidFill>
+                  <a:srgbClr val="0033B3"/>
+                </a:solidFill>
+                <a:effectLst/>
+                <a:latin typeface="JetBrains Mono"/>
+              </a:rPr>
+              <a:t>struct </a:t>
+            </a:r>
+            <a:r>
+              <a:rPr lang="en-US" dirty="0" err="1">
+                <a:solidFill>
+                  <a:srgbClr val="000000"/>
+                </a:solidFill>
+                <a:effectLst/>
+                <a:latin typeface="JetBrains Mono"/>
+              </a:rPr>
+              <a:t>MySelfRefStruct</a:t>
+            </a:r>
+            <a:r>
+              <a:rPr lang="en-US" dirty="0">
+                <a:solidFill>
+                  <a:srgbClr val="080808"/>
+                </a:solidFill>
+                <a:effectLst/>
+                <a:latin typeface="JetBrains Mono"/>
+              </a:rPr>
+              <a:t>&lt;</a:t>
+            </a:r>
+            <a:r>
+              <a:rPr lang="en-US" i="1" dirty="0">
+                <a:solidFill>
+                  <a:srgbClr val="20999D"/>
+                </a:solidFill>
+                <a:effectLst/>
+                <a:latin typeface="JetBrains Mono"/>
+              </a:rPr>
+              <a:t>'a</a:t>
+            </a:r>
+            <a:r>
+              <a:rPr lang="en-US" dirty="0">
+                <a:solidFill>
+                  <a:srgbClr val="080808"/>
+                </a:solidFill>
+                <a:effectLst/>
+                <a:latin typeface="JetBrains Mono"/>
+              </a:rPr>
+              <a:t>&gt; {</a:t>
+            </a:r>
+            <a:br>
+              <a:rPr lang="en-US" dirty="0">
+                <a:solidFill>
+                  <a:srgbClr val="080808"/>
+                </a:solidFill>
+                <a:effectLst/>
+                <a:latin typeface="JetBrains Mono"/>
+              </a:rPr>
+            </a:br>
+            <a:r>
+              <a:rPr lang="en-US" dirty="0">
+                <a:solidFill>
+                  <a:srgbClr val="080808"/>
+                </a:solidFill>
+                <a:effectLst/>
+                <a:latin typeface="JetBrains Mono"/>
+              </a:rPr>
+              <a:t>    </a:t>
+            </a:r>
+            <a:r>
+              <a:rPr lang="en-US" dirty="0">
+                <a:solidFill>
+                  <a:srgbClr val="871094"/>
+                </a:solidFill>
+                <a:effectLst/>
+                <a:latin typeface="JetBrains Mono"/>
+              </a:rPr>
+              <a:t>string</a:t>
+            </a:r>
+            <a:r>
+              <a:rPr lang="en-US" dirty="0">
+                <a:solidFill>
+                  <a:srgbClr val="080808"/>
+                </a:solidFill>
+                <a:effectLst/>
+                <a:latin typeface="JetBrains Mono"/>
+              </a:rPr>
+              <a:t>: </a:t>
+            </a:r>
+            <a:r>
+              <a:rPr lang="en-US" dirty="0">
+                <a:solidFill>
+                  <a:srgbClr val="000000"/>
+                </a:solidFill>
+                <a:effectLst/>
+                <a:latin typeface="JetBrains Mono"/>
+              </a:rPr>
+              <a:t>String</a:t>
+            </a:r>
+            <a:r>
+              <a:rPr lang="en-US" dirty="0">
+                <a:solidFill>
+                  <a:srgbClr val="080808"/>
+                </a:solidFill>
+                <a:effectLst/>
+                <a:latin typeface="JetBrains Mono"/>
+              </a:rPr>
+              <a:t>,</a:t>
+            </a:r>
+            <a:br>
+              <a:rPr lang="en-US" dirty="0">
+                <a:solidFill>
+                  <a:srgbClr val="080808"/>
+                </a:solidFill>
+                <a:effectLst/>
+                <a:latin typeface="JetBrains Mono"/>
+              </a:rPr>
+            </a:br>
+            <a:r>
+              <a:rPr lang="en-US" dirty="0">
+                <a:solidFill>
+                  <a:srgbClr val="080808"/>
+                </a:solidFill>
+                <a:effectLst/>
+                <a:latin typeface="JetBrains Mono"/>
+              </a:rPr>
+              <a:t>    </a:t>
+            </a:r>
+            <a:r>
+              <a:rPr lang="en-US" dirty="0" err="1">
+                <a:solidFill>
+                  <a:srgbClr val="871094"/>
+                </a:solidFill>
+                <a:effectLst/>
+                <a:latin typeface="JetBrains Mono"/>
+              </a:rPr>
+              <a:t>ref_string</a:t>
+            </a:r>
+            <a:r>
+              <a:rPr lang="en-US" dirty="0">
+                <a:solidFill>
+                  <a:srgbClr val="080808"/>
+                </a:solidFill>
+                <a:effectLst/>
+                <a:latin typeface="JetBrains Mono"/>
+              </a:rPr>
+              <a:t>: </a:t>
+            </a:r>
+            <a:r>
+              <a:rPr lang="en-US" dirty="0">
+                <a:solidFill>
+                  <a:srgbClr val="000000"/>
+                </a:solidFill>
+                <a:effectLst/>
+                <a:latin typeface="JetBrains Mono"/>
+              </a:rPr>
+              <a:t>Option</a:t>
+            </a:r>
+            <a:r>
+              <a:rPr lang="en-US" dirty="0">
+                <a:solidFill>
+                  <a:srgbClr val="080808"/>
+                </a:solidFill>
+                <a:effectLst/>
+                <a:latin typeface="JetBrains Mono"/>
+              </a:rPr>
+              <a:t>&lt;&amp;</a:t>
+            </a:r>
+            <a:r>
+              <a:rPr lang="en-US" i="1" dirty="0">
+                <a:solidFill>
+                  <a:srgbClr val="20999D"/>
+                </a:solidFill>
+                <a:effectLst/>
+                <a:latin typeface="JetBrains Mono"/>
+              </a:rPr>
+              <a:t>'a </a:t>
+            </a:r>
+            <a:r>
+              <a:rPr lang="en-US" dirty="0">
+                <a:solidFill>
+                  <a:srgbClr val="000000"/>
+                </a:solidFill>
+                <a:effectLst/>
+                <a:latin typeface="JetBrains Mono"/>
+              </a:rPr>
+              <a:t>String</a:t>
+            </a:r>
+            <a:r>
+              <a:rPr lang="en-US" dirty="0">
+                <a:solidFill>
+                  <a:srgbClr val="080808"/>
+                </a:solidFill>
+                <a:effectLst/>
+                <a:latin typeface="JetBrains Mono"/>
+              </a:rPr>
+              <a:t>&gt;,</a:t>
+            </a:r>
+            <a:br>
+              <a:rPr lang="en-US" dirty="0">
+                <a:solidFill>
+                  <a:srgbClr val="080808"/>
+                </a:solidFill>
+                <a:effectLst/>
+                <a:latin typeface="JetBrains Mono"/>
+              </a:rPr>
+            </a:br>
+            <a:r>
+              <a:rPr lang="en-US" dirty="0">
+                <a:solidFill>
+                  <a:srgbClr val="080808"/>
+                </a:solidFill>
+                <a:effectLst/>
+                <a:latin typeface="JetBrains Mono"/>
+              </a:rPr>
+              <a:t>}</a:t>
+            </a:r>
+            <a:endParaRPr lang="en-US" dirty="0"/>
+          </a:p>
+          <a:p>
+            <a:pPr marL="0" indent="0">
+              <a:buNone/>
+            </a:pPr>
+            <a:r>
+              <a:rPr lang="en-US" dirty="0">
+                <a:solidFill>
+                  <a:srgbClr val="0033B3"/>
+                </a:solidFill>
+                <a:effectLst/>
+                <a:latin typeface="JetBrains Mono"/>
+              </a:rPr>
+              <a:t>let mut </a:t>
+            </a:r>
+            <a:r>
+              <a:rPr lang="en-US" dirty="0">
+                <a:solidFill>
+                  <a:srgbClr val="000000"/>
+                </a:solidFill>
+                <a:effectLst/>
+                <a:latin typeface="JetBrains Mono"/>
+              </a:rPr>
+              <a:t>str </a:t>
+            </a:r>
+            <a:r>
+              <a:rPr lang="en-US" dirty="0">
+                <a:solidFill>
+                  <a:srgbClr val="080808"/>
+                </a:solidFill>
+                <a:effectLst/>
+                <a:latin typeface="JetBrains Mono"/>
+              </a:rPr>
+              <a:t>= </a:t>
+            </a:r>
+            <a:r>
+              <a:rPr lang="en-US" dirty="0" err="1">
+                <a:solidFill>
+                  <a:srgbClr val="000000"/>
+                </a:solidFill>
+                <a:effectLst/>
+                <a:latin typeface="JetBrains Mono"/>
+              </a:rPr>
+              <a:t>MySelfRefStruct</a:t>
+            </a:r>
+            <a:r>
+              <a:rPr lang="en-US" dirty="0">
+                <a:solidFill>
+                  <a:srgbClr val="000000"/>
+                </a:solidFill>
+                <a:effectLst/>
+                <a:latin typeface="JetBrains Mono"/>
+              </a:rPr>
+              <a:t> </a:t>
+            </a:r>
+            <a:r>
+              <a:rPr lang="en-US" dirty="0">
+                <a:solidFill>
+                  <a:srgbClr val="080808"/>
+                </a:solidFill>
+                <a:effectLst/>
+                <a:latin typeface="JetBrains Mono"/>
+              </a:rPr>
+              <a:t>{</a:t>
+            </a:r>
+            <a:br>
+              <a:rPr lang="en-US" dirty="0">
+                <a:solidFill>
+                  <a:srgbClr val="080808"/>
+                </a:solidFill>
+                <a:effectLst/>
+                <a:latin typeface="JetBrains Mono"/>
+              </a:rPr>
+            </a:br>
+            <a:r>
+              <a:rPr lang="en-US" dirty="0">
+                <a:solidFill>
+                  <a:srgbClr val="080808"/>
+                </a:solidFill>
+                <a:effectLst/>
+                <a:latin typeface="JetBrains Mono"/>
+              </a:rPr>
+              <a:t>    </a:t>
+            </a:r>
+            <a:r>
+              <a:rPr lang="en-US" dirty="0">
+                <a:solidFill>
+                  <a:srgbClr val="871094"/>
+                </a:solidFill>
+                <a:effectLst/>
+                <a:latin typeface="JetBrains Mono"/>
+              </a:rPr>
+              <a:t>string</a:t>
+            </a:r>
+            <a:r>
+              <a:rPr lang="en-US" dirty="0">
+                <a:solidFill>
+                  <a:srgbClr val="080808"/>
+                </a:solidFill>
+                <a:effectLst/>
+                <a:latin typeface="JetBrains Mono"/>
+              </a:rPr>
+              <a:t>: </a:t>
+            </a:r>
+            <a:r>
+              <a:rPr lang="en-US" dirty="0">
+                <a:solidFill>
+                  <a:srgbClr val="000000"/>
+                </a:solidFill>
+                <a:effectLst/>
+                <a:latin typeface="JetBrains Mono"/>
+              </a:rPr>
+              <a:t>String</a:t>
+            </a:r>
+            <a:r>
+              <a:rPr lang="en-US" dirty="0">
+                <a:solidFill>
+                  <a:srgbClr val="080808"/>
+                </a:solidFill>
+                <a:effectLst/>
+                <a:latin typeface="JetBrains Mono"/>
+              </a:rPr>
+              <a:t>::</a:t>
+            </a:r>
+            <a:r>
+              <a:rPr lang="en-US" i="1" dirty="0">
+                <a:solidFill>
+                  <a:srgbClr val="00627A"/>
+                </a:solidFill>
+                <a:effectLst/>
+                <a:latin typeface="JetBrains Mono"/>
+              </a:rPr>
+              <a:t>from</a:t>
+            </a:r>
+            <a:r>
+              <a:rPr lang="en-US" dirty="0">
+                <a:solidFill>
+                  <a:srgbClr val="080808"/>
+                </a:solidFill>
+                <a:effectLst/>
+                <a:latin typeface="JetBrains Mono"/>
+              </a:rPr>
+              <a:t>(</a:t>
+            </a:r>
+            <a:r>
+              <a:rPr lang="en-US" dirty="0">
+                <a:solidFill>
+                  <a:srgbClr val="067D17"/>
+                </a:solidFill>
+                <a:effectLst/>
+                <a:latin typeface="JetBrains Mono"/>
+              </a:rPr>
+              <a:t>"Hi"</a:t>
+            </a:r>
+            <a:r>
+              <a:rPr lang="en-US" dirty="0">
+                <a:solidFill>
+                  <a:srgbClr val="080808"/>
+                </a:solidFill>
+                <a:effectLst/>
+                <a:latin typeface="JetBrains Mono"/>
+              </a:rPr>
+              <a:t>),</a:t>
+            </a:r>
+            <a:br>
+              <a:rPr lang="en-US" dirty="0">
+                <a:solidFill>
+                  <a:srgbClr val="080808"/>
+                </a:solidFill>
+                <a:effectLst/>
+                <a:latin typeface="JetBrains Mono"/>
+              </a:rPr>
+            </a:br>
+            <a:r>
+              <a:rPr lang="en-US" dirty="0">
+                <a:solidFill>
+                  <a:srgbClr val="080808"/>
+                </a:solidFill>
+                <a:effectLst/>
+                <a:latin typeface="JetBrains Mono"/>
+              </a:rPr>
+              <a:t>    </a:t>
+            </a:r>
+            <a:r>
+              <a:rPr lang="en-US" dirty="0" err="1">
+                <a:solidFill>
+                  <a:srgbClr val="871094"/>
+                </a:solidFill>
+                <a:effectLst/>
+                <a:latin typeface="JetBrains Mono"/>
+              </a:rPr>
+              <a:t>ref_string</a:t>
+            </a:r>
+            <a:r>
+              <a:rPr lang="en-US" dirty="0">
+                <a:solidFill>
+                  <a:srgbClr val="080808"/>
+                </a:solidFill>
+                <a:effectLst/>
+                <a:latin typeface="JetBrains Mono"/>
+              </a:rPr>
+              <a:t>: </a:t>
+            </a:r>
+            <a:r>
+              <a:rPr lang="en-US" i="1" dirty="0">
+                <a:solidFill>
+                  <a:srgbClr val="871094"/>
+                </a:solidFill>
+                <a:effectLst/>
+                <a:latin typeface="JetBrains Mono"/>
+              </a:rPr>
+              <a:t>None</a:t>
+            </a:r>
+            <a:r>
+              <a:rPr lang="en-US" dirty="0">
+                <a:solidFill>
+                  <a:srgbClr val="080808"/>
+                </a:solidFill>
+                <a:effectLst/>
+                <a:latin typeface="JetBrains Mono"/>
+              </a:rPr>
+              <a:t>,</a:t>
+            </a:r>
+            <a:br>
+              <a:rPr lang="en-US" dirty="0">
+                <a:solidFill>
+                  <a:srgbClr val="080808"/>
+                </a:solidFill>
+                <a:effectLst/>
+                <a:latin typeface="JetBrains Mono"/>
+              </a:rPr>
+            </a:br>
+            <a:r>
+              <a:rPr lang="en-US" dirty="0">
+                <a:solidFill>
+                  <a:srgbClr val="080808"/>
+                </a:solidFill>
+                <a:effectLst/>
+                <a:latin typeface="JetBrains Mono"/>
+              </a:rPr>
+              <a:t>};</a:t>
+            </a:r>
+          </a:p>
+          <a:p>
+            <a:pPr marL="0" indent="0">
+              <a:buNone/>
+            </a:pPr>
+            <a:r>
+              <a:rPr lang="en-US" dirty="0" err="1">
+                <a:solidFill>
+                  <a:srgbClr val="000000"/>
+                </a:solidFill>
+                <a:effectLst/>
+                <a:latin typeface="JetBrains Mono"/>
+              </a:rPr>
+              <a:t>str</a:t>
+            </a:r>
+            <a:r>
+              <a:rPr lang="en-US" dirty="0" err="1">
+                <a:solidFill>
+                  <a:srgbClr val="080808"/>
+                </a:solidFill>
+                <a:effectLst/>
+                <a:latin typeface="JetBrains Mono"/>
+              </a:rPr>
+              <a:t>.</a:t>
+            </a:r>
+            <a:r>
+              <a:rPr lang="en-US" dirty="0" err="1">
+                <a:solidFill>
+                  <a:srgbClr val="871094"/>
+                </a:solidFill>
+                <a:effectLst/>
+                <a:latin typeface="JetBrains Mono"/>
+              </a:rPr>
+              <a:t>ref_string</a:t>
+            </a:r>
+            <a:r>
+              <a:rPr lang="en-US" dirty="0">
+                <a:solidFill>
+                  <a:srgbClr val="871094"/>
+                </a:solidFill>
+                <a:effectLst/>
+                <a:latin typeface="JetBrains Mono"/>
+              </a:rPr>
+              <a:t> </a:t>
+            </a:r>
+            <a:r>
+              <a:rPr lang="en-US" dirty="0">
+                <a:solidFill>
+                  <a:srgbClr val="080808"/>
+                </a:solidFill>
+                <a:effectLst/>
+                <a:latin typeface="JetBrains Mono"/>
+              </a:rPr>
+              <a:t>= </a:t>
+            </a:r>
+            <a:r>
+              <a:rPr lang="en-US" i="1" dirty="0">
+                <a:solidFill>
+                  <a:srgbClr val="871094"/>
+                </a:solidFill>
+                <a:effectLst/>
+                <a:latin typeface="JetBrains Mono"/>
+              </a:rPr>
+              <a:t>Some</a:t>
+            </a:r>
+            <a:r>
+              <a:rPr lang="en-US" dirty="0">
+                <a:solidFill>
+                  <a:srgbClr val="080808"/>
+                </a:solidFill>
+                <a:effectLst/>
+                <a:latin typeface="JetBrains Mono"/>
+              </a:rPr>
+              <a:t>(&amp;</a:t>
+            </a:r>
+            <a:r>
+              <a:rPr lang="en-US" dirty="0" err="1">
+                <a:solidFill>
+                  <a:srgbClr val="000000"/>
+                </a:solidFill>
+                <a:effectLst/>
+                <a:latin typeface="JetBrains Mono"/>
+              </a:rPr>
+              <a:t>str</a:t>
+            </a:r>
+            <a:r>
+              <a:rPr lang="en-US" dirty="0" err="1">
+                <a:solidFill>
+                  <a:srgbClr val="080808"/>
+                </a:solidFill>
+                <a:effectLst/>
+                <a:latin typeface="JetBrains Mono"/>
+              </a:rPr>
+              <a:t>.</a:t>
+            </a:r>
+            <a:r>
+              <a:rPr lang="en-US" dirty="0" err="1">
+                <a:solidFill>
+                  <a:srgbClr val="871094"/>
+                </a:solidFill>
+                <a:effectLst/>
+                <a:latin typeface="JetBrains Mono"/>
+              </a:rPr>
+              <a:t>string</a:t>
+            </a:r>
+            <a:r>
+              <a:rPr lang="en-US" dirty="0">
+                <a:solidFill>
+                  <a:srgbClr val="080808"/>
+                </a:solidFill>
+                <a:effectLst/>
+                <a:latin typeface="JetBrains Mono"/>
+              </a:rPr>
+              <a:t>);</a:t>
+            </a:r>
+          </a:p>
+          <a:p>
+            <a:pPr marL="0" indent="0">
+              <a:buNone/>
+            </a:pPr>
+            <a:r>
+              <a:rPr lang="en-US" dirty="0">
+                <a:solidFill>
+                  <a:srgbClr val="FF0000"/>
+                </a:solidFill>
+              </a:rPr>
+              <a:t>error[E0713]: borrow may still be in use when destructor runs</a:t>
+            </a:r>
+            <a:endParaRPr lang="ru-RU" dirty="0">
+              <a:solidFill>
+                <a:srgbClr val="FF0000"/>
+              </a:solidFill>
+            </a:endParaRPr>
+          </a:p>
+        </p:txBody>
+      </p:sp>
+      <p:sp>
+        <p:nvSpPr>
+          <p:cNvPr id="4" name="Content Placeholder 3">
+            <a:extLst>
+              <a:ext uri="{FF2B5EF4-FFF2-40B4-BE49-F238E27FC236}">
+                <a16:creationId xmlns:a16="http://schemas.microsoft.com/office/drawing/2014/main" id="{73312925-3721-78B8-D90A-384AA899015F}"/>
+              </a:ext>
+            </a:extLst>
+          </p:cNvPr>
+          <p:cNvSpPr>
+            <a:spLocks noGrp="1"/>
+          </p:cNvSpPr>
+          <p:nvPr>
+            <p:ph sz="half" idx="2"/>
+          </p:nvPr>
+        </p:nvSpPr>
+        <p:spPr/>
+        <p:txBody>
+          <a:bodyPr>
+            <a:normAutofit fontScale="92500" lnSpcReduction="10000"/>
+          </a:bodyPr>
+          <a:lstStyle/>
+          <a:p>
+            <a:pPr marL="0" indent="0">
+              <a:buNone/>
+            </a:pPr>
+            <a:r>
+              <a:rPr lang="en-US" dirty="0" err="1">
+                <a:solidFill>
+                  <a:srgbClr val="0033B3"/>
+                </a:solidFill>
+                <a:effectLst/>
+                <a:latin typeface="JetBrains Mono"/>
+              </a:rPr>
+              <a:t>impl</a:t>
+            </a:r>
+            <a:r>
+              <a:rPr lang="en-US" dirty="0">
+                <a:solidFill>
+                  <a:srgbClr val="0033B3"/>
+                </a:solidFill>
+                <a:effectLst/>
+                <a:latin typeface="JetBrains Mono"/>
+              </a:rPr>
+              <a:t> </a:t>
+            </a:r>
+            <a:r>
+              <a:rPr lang="en-US" dirty="0">
+                <a:solidFill>
+                  <a:srgbClr val="000000"/>
+                </a:solidFill>
+                <a:effectLst/>
+                <a:latin typeface="JetBrains Mono"/>
+              </a:rPr>
+              <a:t>Drop </a:t>
+            </a:r>
+            <a:r>
+              <a:rPr lang="en-US" dirty="0">
+                <a:solidFill>
+                  <a:srgbClr val="0033B3"/>
+                </a:solidFill>
+                <a:effectLst/>
+                <a:latin typeface="JetBrains Mono"/>
+              </a:rPr>
+              <a:t>for </a:t>
+            </a:r>
+            <a:r>
+              <a:rPr lang="en-US" dirty="0" err="1">
+                <a:solidFill>
+                  <a:srgbClr val="000000"/>
+                </a:solidFill>
+                <a:effectLst/>
+                <a:latin typeface="JetBrains Mono"/>
+              </a:rPr>
+              <a:t>MySelfRefStruct</a:t>
+            </a:r>
+            <a:r>
+              <a:rPr lang="en-US" dirty="0">
+                <a:solidFill>
+                  <a:srgbClr val="080808"/>
+                </a:solidFill>
+                <a:effectLst/>
+                <a:latin typeface="JetBrains Mono"/>
+              </a:rPr>
+              <a:t>&lt;</a:t>
+            </a:r>
+            <a:r>
+              <a:rPr lang="en-US" i="1" dirty="0">
+                <a:solidFill>
+                  <a:srgbClr val="20999D"/>
+                </a:solidFill>
+                <a:effectLst/>
+                <a:latin typeface="JetBrains Mono"/>
+              </a:rPr>
+              <a:t>'_</a:t>
+            </a:r>
+            <a:r>
+              <a:rPr lang="en-US" dirty="0">
+                <a:solidFill>
+                  <a:srgbClr val="080808"/>
+                </a:solidFill>
+                <a:effectLst/>
+                <a:latin typeface="JetBrains Mono"/>
+              </a:rPr>
+              <a:t>&gt; {</a:t>
+            </a:r>
+            <a:br>
+              <a:rPr lang="en-US" dirty="0">
+                <a:solidFill>
+                  <a:srgbClr val="080808"/>
+                </a:solidFill>
+                <a:effectLst/>
+                <a:latin typeface="JetBrains Mono"/>
+              </a:rPr>
+            </a:br>
+            <a:r>
+              <a:rPr lang="en-US" dirty="0">
+                <a:solidFill>
+                  <a:srgbClr val="080808"/>
+                </a:solidFill>
+                <a:effectLst/>
+                <a:latin typeface="JetBrains Mono"/>
+              </a:rPr>
+              <a:t>    </a:t>
+            </a:r>
+            <a:r>
+              <a:rPr lang="en-US" dirty="0" err="1">
+                <a:solidFill>
+                  <a:srgbClr val="0033B3"/>
+                </a:solidFill>
+                <a:effectLst/>
+                <a:latin typeface="JetBrains Mono"/>
+              </a:rPr>
+              <a:t>fn</a:t>
+            </a:r>
+            <a:r>
+              <a:rPr lang="en-US" dirty="0">
+                <a:solidFill>
+                  <a:srgbClr val="0033B3"/>
+                </a:solidFill>
+                <a:effectLst/>
+                <a:latin typeface="JetBrains Mono"/>
+              </a:rPr>
+              <a:t> </a:t>
+            </a:r>
+            <a:r>
+              <a:rPr lang="en-US" dirty="0">
+                <a:solidFill>
+                  <a:srgbClr val="00627A"/>
+                </a:solidFill>
+                <a:effectLst/>
+                <a:latin typeface="JetBrains Mono"/>
+              </a:rPr>
+              <a:t>drop</a:t>
+            </a:r>
+            <a:r>
+              <a:rPr lang="en-US" dirty="0">
+                <a:solidFill>
+                  <a:srgbClr val="080808"/>
+                </a:solidFill>
+                <a:effectLst/>
+                <a:latin typeface="JetBrains Mono"/>
+              </a:rPr>
+              <a:t>(&amp;</a:t>
+            </a:r>
+            <a:r>
+              <a:rPr lang="en-US" dirty="0">
+                <a:solidFill>
+                  <a:srgbClr val="0033B3"/>
+                </a:solidFill>
+                <a:effectLst/>
+                <a:latin typeface="JetBrains Mono"/>
+              </a:rPr>
+              <a:t>mut self</a:t>
+            </a:r>
+            <a:r>
+              <a:rPr lang="en-US" dirty="0">
+                <a:solidFill>
+                  <a:srgbClr val="080808"/>
+                </a:solidFill>
+                <a:effectLst/>
+                <a:latin typeface="JetBrains Mono"/>
+              </a:rPr>
+              <a:t>) {</a:t>
+            </a:r>
+            <a:br>
+              <a:rPr lang="en-US" dirty="0">
+                <a:solidFill>
+                  <a:srgbClr val="080808"/>
+                </a:solidFill>
+                <a:effectLst/>
+                <a:latin typeface="JetBrains Mono"/>
+              </a:rPr>
+            </a:br>
+            <a:r>
+              <a:rPr lang="en-US" dirty="0">
+                <a:solidFill>
+                  <a:srgbClr val="080808"/>
+                </a:solidFill>
+                <a:effectLst/>
+                <a:latin typeface="JetBrains Mono"/>
+              </a:rPr>
+              <a:t>        </a:t>
+            </a:r>
+            <a:r>
+              <a:rPr lang="en-US" dirty="0" err="1">
+                <a:solidFill>
+                  <a:srgbClr val="DD6718"/>
+                </a:solidFill>
+                <a:effectLst/>
+                <a:latin typeface="JetBrains Mono"/>
+              </a:rPr>
+              <a:t>println</a:t>
+            </a:r>
+            <a:r>
+              <a:rPr lang="en-US" dirty="0">
+                <a:solidFill>
+                  <a:srgbClr val="DD6718"/>
+                </a:solidFill>
+                <a:effectLst/>
+                <a:latin typeface="JetBrains Mono"/>
+              </a:rPr>
+              <a:t>!</a:t>
+            </a:r>
+            <a:r>
+              <a:rPr lang="en-US" dirty="0">
+                <a:solidFill>
+                  <a:srgbClr val="080808"/>
+                </a:solidFill>
+                <a:effectLst/>
+                <a:latin typeface="JetBrains Mono"/>
+              </a:rPr>
+              <a:t>(</a:t>
+            </a:r>
+            <a:r>
+              <a:rPr lang="en-US" dirty="0">
+                <a:solidFill>
+                  <a:srgbClr val="067D17"/>
+                </a:solidFill>
+                <a:effectLst/>
+                <a:latin typeface="JetBrains Mono"/>
+              </a:rPr>
+              <a:t>"Dropped"</a:t>
+            </a:r>
+            <a:r>
+              <a:rPr lang="en-US" dirty="0">
+                <a:solidFill>
+                  <a:srgbClr val="080808"/>
+                </a:solidFill>
+                <a:effectLst/>
+                <a:latin typeface="JetBrains Mono"/>
+              </a:rPr>
+              <a:t>)</a:t>
+            </a:r>
+            <a:br>
+              <a:rPr lang="en-US" dirty="0">
+                <a:solidFill>
+                  <a:srgbClr val="080808"/>
+                </a:solidFill>
+                <a:effectLst/>
+                <a:latin typeface="JetBrains Mono"/>
+              </a:rPr>
+            </a:br>
+            <a:r>
+              <a:rPr lang="en-US" dirty="0">
+                <a:solidFill>
+                  <a:srgbClr val="080808"/>
+                </a:solidFill>
+                <a:effectLst/>
+                <a:latin typeface="JetBrains Mono"/>
+              </a:rPr>
+              <a:t>    }</a:t>
+            </a:r>
+            <a:br>
+              <a:rPr lang="en-US" dirty="0">
+                <a:solidFill>
+                  <a:srgbClr val="080808"/>
+                </a:solidFill>
+                <a:effectLst/>
+                <a:latin typeface="JetBrains Mono"/>
+              </a:rPr>
+            </a:br>
+            <a:r>
+              <a:rPr lang="en-US" dirty="0">
+                <a:solidFill>
+                  <a:srgbClr val="080808"/>
+                </a:solidFill>
+                <a:effectLst/>
+                <a:latin typeface="JetBrains Mono"/>
+              </a:rPr>
+              <a:t>}</a:t>
+            </a:r>
+          </a:p>
+          <a:p>
+            <a:pPr marL="0" indent="0">
+              <a:buNone/>
+            </a:pPr>
+            <a:r>
+              <a:rPr lang="en-US" dirty="0"/>
+              <a:t>drop of `str` needs exclusive access to `</a:t>
+            </a:r>
+            <a:r>
+              <a:rPr lang="en-US" dirty="0" err="1"/>
+              <a:t>str.string</a:t>
+            </a:r>
+            <a:r>
+              <a:rPr lang="en-US" dirty="0"/>
+              <a:t>`, because the type `</a:t>
+            </a:r>
+            <a:r>
+              <a:rPr lang="en-US" dirty="0" err="1"/>
+              <a:t>MySelfRefStruct</a:t>
+            </a:r>
+            <a:r>
+              <a:rPr lang="en-US" dirty="0"/>
+              <a:t>&lt;'_&gt;` implements the `Drop` trait</a:t>
+            </a:r>
+          </a:p>
+          <a:p>
+            <a:pPr marL="0" indent="0">
+              <a:buNone/>
+            </a:pPr>
+            <a:r>
+              <a:rPr lang="en-US" dirty="0"/>
+              <a:t>borrow might be used here, when `str` is dropped and runs the `Drop` code for type `</a:t>
+            </a:r>
+            <a:r>
+              <a:rPr lang="en-US" dirty="0" err="1"/>
+              <a:t>MySelfRefStruct</a:t>
+            </a:r>
+            <a:r>
+              <a:rPr lang="en-US" dirty="0"/>
+              <a:t>`</a:t>
+            </a:r>
+            <a:endParaRPr lang="ru-RU" dirty="0"/>
+          </a:p>
+        </p:txBody>
+      </p:sp>
+    </p:spTree>
+    <p:extLst>
+      <p:ext uri="{BB962C8B-B14F-4D97-AF65-F5344CB8AC3E}">
+        <p14:creationId xmlns:p14="http://schemas.microsoft.com/office/powerpoint/2010/main" val="3539172648"/>
+      </p:ext>
+    </p:extLst>
+  </p:cSld>
+  <p:clrMapOvr>
+    <a:masterClrMapping/>
+  </p:clrMapOvr>
+  <p:timing>
+    <p:tnLst>
+      <p:par>
+        <p:cTn id="1" dur="indefinite" restart="never" nodeType="tmRoot">
+          <p:childTnLst>
+            <p:seq concurrent="1" nextAc="seek">
+              <p:cTn id="2" dur="indefinite" nodeType="mainSeq">
+                <p:childTnLst>
+                  <p:par>
+                    <p:cTn id="3" fill="hold">
+                      <p:stCondLst>
+                        <p:cond delay="indefinite"/>
+                      </p:stCondLst>
+                      <p:childTnLst>
+                        <p:par>
+                          <p:cTn id="4" fill="hold">
+                            <p:stCondLst>
+                              <p:cond delay="0"/>
+                            </p:stCondLst>
+                            <p:childTnLst>
+                              <p:par>
+                                <p:cTn id="5" presetID="1" presetClass="entr" presetSubtype="0" fill="hold" grpId="0" nodeType="clickEffect">
+                                  <p:stCondLst>
+                                    <p:cond delay="0"/>
+                                  </p:stCondLst>
+                                  <p:childTnLst>
+                                    <p:set>
+                                      <p:cBhvr>
+                                        <p:cTn id="6" dur="1" fill="hold">
+                                          <p:stCondLst>
+                                            <p:cond delay="0"/>
+                                          </p:stCondLst>
+                                        </p:cTn>
+                                        <p:tgtEl>
+                                          <p:spTgt spid="3">
+                                            <p:txEl>
+                                              <p:pRg st="0" end="0"/>
+                                            </p:txEl>
+                                          </p:spTgt>
+                                        </p:tgtEl>
+                                        <p:attrNameLst>
+                                          <p:attrName>style.visibility</p:attrName>
+                                        </p:attrNameLst>
+                                      </p:cBhvr>
+                                      <p:to>
+                                        <p:strVal val="visible"/>
+                                      </p:to>
+                                    </p:set>
+                                  </p:childTnLst>
+                                </p:cTn>
+                              </p:par>
+                            </p:childTnLst>
+                          </p:cTn>
+                        </p:par>
+                      </p:childTnLst>
+                    </p:cTn>
+                  </p:par>
+                  <p:par>
+                    <p:cTn id="7" fill="hold">
+                      <p:stCondLst>
+                        <p:cond delay="indefinite"/>
+                      </p:stCondLst>
+                      <p:childTnLst>
+                        <p:par>
+                          <p:cTn id="8" fill="hold">
+                            <p:stCondLst>
+                              <p:cond delay="0"/>
+                            </p:stCondLst>
+                            <p:childTnLst>
+                              <p:par>
+                                <p:cTn id="9" presetID="1" presetClass="entr" presetSubtype="0" fill="hold" grpId="0" nodeType="clickEffect">
+                                  <p:stCondLst>
+                                    <p:cond delay="0"/>
+                                  </p:stCondLst>
+                                  <p:childTnLst>
+                                    <p:set>
+                                      <p:cBhvr>
+                                        <p:cTn id="10" dur="1" fill="hold">
+                                          <p:stCondLst>
+                                            <p:cond delay="0"/>
+                                          </p:stCondLst>
+                                        </p:cTn>
+                                        <p:tgtEl>
+                                          <p:spTgt spid="3">
+                                            <p:txEl>
+                                              <p:pRg st="1" end="1"/>
+                                            </p:txEl>
+                                          </p:spTgt>
+                                        </p:tgtEl>
+                                        <p:attrNameLst>
+                                          <p:attrName>style.visibility</p:attrName>
+                                        </p:attrNameLst>
+                                      </p:cBhvr>
+                                      <p:to>
+                                        <p:strVal val="visible"/>
+                                      </p:to>
+                                    </p:set>
+                                  </p:childTnLst>
+                                </p:cTn>
+                              </p:par>
+                            </p:childTnLst>
+                          </p:cTn>
+                        </p:par>
+                      </p:childTnLst>
+                    </p:cTn>
+                  </p:par>
+                  <p:par>
+                    <p:cTn id="11" fill="hold">
+                      <p:stCondLst>
+                        <p:cond delay="indefinite"/>
+                      </p:stCondLst>
+                      <p:childTnLst>
+                        <p:par>
+                          <p:cTn id="12" fill="hold">
+                            <p:stCondLst>
+                              <p:cond delay="0"/>
+                            </p:stCondLst>
+                            <p:childTnLst>
+                              <p:par>
+                                <p:cTn id="13" presetID="1" presetClass="entr" presetSubtype="0" fill="hold" grpId="0" nodeType="clickEffect">
+                                  <p:stCondLst>
+                                    <p:cond delay="0"/>
+                                  </p:stCondLst>
+                                  <p:childTnLst>
+                                    <p:set>
+                                      <p:cBhvr>
+                                        <p:cTn id="14" dur="1" fill="hold">
+                                          <p:stCondLst>
+                                            <p:cond delay="0"/>
+                                          </p:stCondLst>
+                                        </p:cTn>
+                                        <p:tgtEl>
+                                          <p:spTgt spid="3">
+                                            <p:txEl>
+                                              <p:pRg st="2" end="2"/>
+                                            </p:txEl>
+                                          </p:spTgt>
+                                        </p:tgtEl>
+                                        <p:attrNameLst>
+                                          <p:attrName>style.visibility</p:attrName>
+                                        </p:attrNameLst>
+                                      </p:cBhvr>
+                                      <p:to>
+                                        <p:strVal val="visible"/>
+                                      </p:to>
+                                    </p:set>
+                                  </p:childTnLst>
+                                </p:cTn>
+                              </p:par>
+                            </p:childTnLst>
+                          </p:cTn>
+                        </p:par>
+                      </p:childTnLst>
+                    </p:cTn>
+                  </p:par>
+                  <p:par>
+                    <p:cTn id="15" fill="hold">
+                      <p:stCondLst>
+                        <p:cond delay="indefinite"/>
+                      </p:stCondLst>
+                      <p:childTnLst>
+                        <p:par>
+                          <p:cTn id="16" fill="hold">
+                            <p:stCondLst>
+                              <p:cond delay="0"/>
+                            </p:stCondLst>
+                            <p:childTnLst>
+                              <p:par>
+                                <p:cTn id="17" presetID="1" presetClass="entr" presetSubtype="0" fill="hold" grpId="0" nodeType="clickEffect">
+                                  <p:stCondLst>
+                                    <p:cond delay="0"/>
+                                  </p:stCondLst>
+                                  <p:childTnLst>
+                                    <p:set>
+                                      <p:cBhvr>
+                                        <p:cTn id="18" dur="1" fill="hold">
+                                          <p:stCondLst>
+                                            <p:cond delay="0"/>
+                                          </p:stCondLst>
+                                        </p:cTn>
+                                        <p:tgtEl>
+                                          <p:spTgt spid="4">
+                                            <p:txEl>
+                                              <p:pRg st="0" end="0"/>
+                                            </p:txEl>
+                                          </p:spTgt>
+                                        </p:tgtEl>
+                                        <p:attrNameLst>
+                                          <p:attrName>style.visibility</p:attrName>
+                                        </p:attrNameLst>
+                                      </p:cBhvr>
+                                      <p:to>
+                                        <p:strVal val="visible"/>
+                                      </p:to>
+                                    </p:set>
+                                  </p:childTnLst>
+                                </p:cTn>
+                              </p:par>
+                            </p:childTnLst>
+                          </p:cTn>
+                        </p:par>
+                      </p:childTnLst>
+                    </p:cTn>
+                  </p:par>
+                  <p:par>
+                    <p:cTn id="19" fill="hold">
+                      <p:stCondLst>
+                        <p:cond delay="indefinite"/>
+                      </p:stCondLst>
+                      <p:childTnLst>
+                        <p:par>
+                          <p:cTn id="20" fill="hold">
+                            <p:stCondLst>
+                              <p:cond delay="0"/>
+                            </p:stCondLst>
+                            <p:childTnLst>
+                              <p:par>
+                                <p:cTn id="21" presetID="1" presetClass="entr" presetSubtype="0" fill="hold" grpId="0" nodeType="clickEffect">
+                                  <p:stCondLst>
+                                    <p:cond delay="0"/>
+                                  </p:stCondLst>
+                                  <p:childTnLst>
+                                    <p:set>
+                                      <p:cBhvr>
+                                        <p:cTn id="22" dur="1" fill="hold">
+                                          <p:stCondLst>
+                                            <p:cond delay="0"/>
+                                          </p:stCondLst>
+                                        </p:cTn>
+                                        <p:tgtEl>
+                                          <p:spTgt spid="3">
+                                            <p:txEl>
+                                              <p:pRg st="3" end="3"/>
+                                            </p:txEl>
+                                          </p:spTgt>
+                                        </p:tgtEl>
+                                        <p:attrNameLst>
+                                          <p:attrName>style.visibility</p:attrName>
+                                        </p:attrNameLst>
+                                      </p:cBhvr>
+                                      <p:to>
+                                        <p:strVal val="visible"/>
+                                      </p:to>
+                                    </p:set>
+                                  </p:childTnLst>
+                                </p:cTn>
+                              </p:par>
+                            </p:childTnLst>
+                          </p:cTn>
+                        </p:par>
+                      </p:childTnLst>
+                    </p:cTn>
+                  </p:par>
+                  <p:par>
+                    <p:cTn id="23" fill="hold">
+                      <p:stCondLst>
+                        <p:cond delay="indefinite"/>
+                      </p:stCondLst>
+                      <p:childTnLst>
+                        <p:par>
+                          <p:cTn id="24" fill="hold">
+                            <p:stCondLst>
+                              <p:cond delay="0"/>
+                            </p:stCondLst>
+                            <p:childTnLst>
+                              <p:par>
+                                <p:cTn id="25" presetID="1" presetClass="entr" presetSubtype="0" fill="hold" grpId="0" nodeType="clickEffect">
+                                  <p:stCondLst>
+                                    <p:cond delay="0"/>
+                                  </p:stCondLst>
+                                  <p:childTnLst>
+                                    <p:set>
+                                      <p:cBhvr>
+                                        <p:cTn id="26" dur="1" fill="hold">
+                                          <p:stCondLst>
+                                            <p:cond delay="0"/>
+                                          </p:stCondLst>
+                                        </p:cTn>
+                                        <p:tgtEl>
+                                          <p:spTgt spid="4">
+                                            <p:txEl>
+                                              <p:pRg st="1" end="1"/>
+                                            </p:txEl>
+                                          </p:spTgt>
+                                        </p:tgtEl>
+                                        <p:attrNameLst>
+                                          <p:attrName>style.visibility</p:attrName>
+                                        </p:attrNameLst>
+                                      </p:cBhvr>
+                                      <p:to>
+                                        <p:strVal val="visible"/>
+                                      </p:to>
+                                    </p:set>
+                                  </p:childTnLst>
+                                </p:cTn>
+                              </p:par>
+                            </p:childTnLst>
+                          </p:cTn>
+                        </p:par>
+                      </p:childTnLst>
+                    </p:cTn>
+                  </p:par>
+                  <p:par>
+                    <p:cTn id="27" fill="hold">
+                      <p:stCondLst>
+                        <p:cond delay="indefinite"/>
+                      </p:stCondLst>
+                      <p:childTnLst>
+                        <p:par>
+                          <p:cTn id="28" fill="hold">
+                            <p:stCondLst>
+                              <p:cond delay="0"/>
+                            </p:stCondLst>
+                            <p:childTnLst>
+                              <p:par>
+                                <p:cTn id="29" presetID="1" presetClass="entr" presetSubtype="0" fill="hold" grpId="0" nodeType="clickEffect">
+                                  <p:stCondLst>
+                                    <p:cond delay="0"/>
+                                  </p:stCondLst>
+                                  <p:childTnLst>
+                                    <p:set>
+                                      <p:cBhvr>
+                                        <p:cTn id="30" dur="1" fill="hold">
+                                          <p:stCondLst>
+                                            <p:cond delay="0"/>
+                                          </p:stCondLst>
+                                        </p:cTn>
+                                        <p:tgtEl>
+                                          <p:spTgt spid="4">
+                                            <p:txEl>
+                                              <p:pRg st="2" end="2"/>
+                                            </p:txEl>
+                                          </p:spTgt>
+                                        </p:tgtEl>
+                                        <p:attrNameLst>
+                                          <p:attrName>style.visibility</p:attrName>
+                                        </p:attrNameLst>
+                                      </p:cBhvr>
+                                      <p:to>
+                                        <p:strVal val="visible"/>
+                                      </p:to>
+                                    </p:set>
+                                  </p:childTnLst>
+                                </p:cTn>
+                              </p:par>
+                            </p:childTnLst>
+                          </p:cTn>
+                        </p:par>
+                      </p:childTnLst>
+                    </p:cTn>
+                  </p:par>
+                </p:childTnLst>
+              </p:cTn>
+              <p:prevCondLst>
+                <p:cond evt="onPrev" delay="0">
+                  <p:tgtEl>
+                    <p:sldTgt/>
+                  </p:tgtEl>
+                </p:cond>
+              </p:prevCondLst>
+              <p:nextCondLst>
+                <p:cond evt="onNext" delay="0">
+                  <p:tgtEl>
+                    <p:sldTgt/>
+                  </p:tgtEl>
+                </p:cond>
+              </p:nextCondLst>
+            </p:seq>
+          </p:childTnLst>
+        </p:cTn>
+      </p:par>
+    </p:tnLst>
+    <p:bldLst>
+      <p:bldP spid="3" grpId="0" uiExpand="1" build="p"/>
+      <p:bldP spid="4" grpId="0" uiExpand="1" build="p"/>
+    </p:bldLst>
+  </p:timing>
+</p:sld>
+</file>
+
+<file path=ppt/slides/slide3.xml><?xml version="1.0" encoding="utf-8"?>
 <p:sld xmlns:a="http://schemas.openxmlformats.org/drawingml/2006/main" xmlns:r="http://schemas.openxmlformats.org/officeDocument/2006/relationships" xmlns:p="http://schemas.openxmlformats.org/presentationml/2006/main">
   <p:cSld>
     <p:spTree>
@@ -18107,7 +21389,724 @@
 </p:sld>
 </file>
 
-<file path=ppt/slides/slide5.xml><?xml version="1.0" encoding="utf-8"?>
+<file path=ppt/slides/slide30.xml><?xml version="1.0" encoding="utf-8"?>
+<p:sld xmlns:a="http://schemas.openxmlformats.org/drawingml/2006/main" xmlns:r="http://schemas.openxmlformats.org/officeDocument/2006/relationships" xmlns:p="http://schemas.openxmlformats.org/presentationml/2006/main">
+  <p:cSld>
+    <p:spTree>
+      <p:nvGrpSpPr>
+        <p:cNvPr id="1" name=""/>
+        <p:cNvGrpSpPr/>
+        <p:nvPr/>
+      </p:nvGrpSpPr>
+      <p:grpSpPr>
+        <a:xfrm>
+          <a:off x="0" y="0"/>
+          <a:ext cx="0" cy="0"/>
+          <a:chOff x="0" y="0"/>
+          <a:chExt cx="0" cy="0"/>
+        </a:xfrm>
+      </p:grpSpPr>
+      <p:sp>
+        <p:nvSpPr>
+          <p:cNvPr id="5" name="Title 4">
+            <a:extLst>
+              <a:ext uri="{FF2B5EF4-FFF2-40B4-BE49-F238E27FC236}">
+                <a16:creationId xmlns:a16="http://schemas.microsoft.com/office/drawing/2014/main" id="{762A65B0-8088-361A-456B-A4FC58F275AD}"/>
+              </a:ext>
+            </a:extLst>
+          </p:cNvPr>
+          <p:cNvSpPr>
+            <a:spLocks noGrp="1"/>
+          </p:cNvSpPr>
+          <p:nvPr>
+            <p:ph type="title"/>
+          </p:nvPr>
+        </p:nvSpPr>
+        <p:spPr/>
+        <p:txBody>
+          <a:bodyPr/>
+          <a:lstStyle/>
+          <a:p>
+            <a:r>
+              <a:rPr lang="en-US" dirty="0"/>
+              <a:t>Functional Programming</a:t>
+            </a:r>
+            <a:endParaRPr lang="ru-RU" dirty="0"/>
+          </a:p>
+        </p:txBody>
+      </p:sp>
+      <p:sp>
+        <p:nvSpPr>
+          <p:cNvPr id="6" name="Content Placeholder 5">
+            <a:extLst>
+              <a:ext uri="{FF2B5EF4-FFF2-40B4-BE49-F238E27FC236}">
+                <a16:creationId xmlns:a16="http://schemas.microsoft.com/office/drawing/2014/main" id="{37584AAA-823B-2E3E-EC00-08BD507EAD51}"/>
+              </a:ext>
+            </a:extLst>
+          </p:cNvPr>
+          <p:cNvSpPr>
+            <a:spLocks noGrp="1"/>
+          </p:cNvSpPr>
+          <p:nvPr>
+            <p:ph idx="1"/>
+          </p:nvPr>
+        </p:nvSpPr>
+        <p:spPr/>
+        <p:txBody>
+          <a:bodyPr/>
+          <a:lstStyle/>
+          <a:p>
+            <a:r>
+              <a:rPr lang="en-US" dirty="0"/>
+              <a:t>Functions are treated as first-class citizens</a:t>
+            </a:r>
+          </a:p>
+          <a:p>
+            <a:r>
+              <a:rPr lang="en-US" strike="sngStrike" dirty="0"/>
+              <a:t>Pure functions</a:t>
+            </a:r>
+          </a:p>
+          <a:p>
+            <a:r>
+              <a:rPr lang="en-US" dirty="0"/>
+              <a:t>Recursion (https://docs.rs/tailcall/latest/tailcall/)</a:t>
+            </a:r>
+          </a:p>
+          <a:p>
+            <a:r>
+              <a:rPr lang="en-US" strike="sngStrike" dirty="0"/>
+              <a:t>Lazy evaluation</a:t>
+            </a:r>
+          </a:p>
+          <a:p>
+            <a:r>
+              <a:rPr lang="en-US" dirty="0"/>
+              <a:t>Discriminated Unions</a:t>
+            </a:r>
+          </a:p>
+          <a:p>
+            <a:r>
+              <a:rPr lang="en-US" dirty="0"/>
+              <a:t>Type inference (based on the standard Hindley-Milner)</a:t>
+            </a:r>
+          </a:p>
+        </p:txBody>
+      </p:sp>
+    </p:spTree>
+    <p:extLst>
+      <p:ext uri="{BB962C8B-B14F-4D97-AF65-F5344CB8AC3E}">
+        <p14:creationId xmlns:p14="http://schemas.microsoft.com/office/powerpoint/2010/main" val="2911390372"/>
+      </p:ext>
+    </p:extLst>
+  </p:cSld>
+  <p:clrMapOvr>
+    <a:masterClrMapping/>
+  </p:clrMapOvr>
+  <p:timing>
+    <p:tnLst>
+      <p:par>
+        <p:cTn id="1" dur="indefinite" restart="never" nodeType="tmRoot">
+          <p:childTnLst>
+            <p:seq concurrent="1" nextAc="seek">
+              <p:cTn id="2" dur="indefinite" nodeType="mainSeq">
+                <p:childTnLst>
+                  <p:par>
+                    <p:cTn id="3" fill="hold">
+                      <p:stCondLst>
+                        <p:cond delay="indefinite"/>
+                      </p:stCondLst>
+                      <p:childTnLst>
+                        <p:par>
+                          <p:cTn id="4" fill="hold">
+                            <p:stCondLst>
+                              <p:cond delay="0"/>
+                            </p:stCondLst>
+                            <p:childTnLst>
+                              <p:par>
+                                <p:cTn id="5" presetID="1" presetClass="entr" presetSubtype="0" fill="hold" grpId="0" nodeType="clickEffect">
+                                  <p:stCondLst>
+                                    <p:cond delay="0"/>
+                                  </p:stCondLst>
+                                  <p:childTnLst>
+                                    <p:set>
+                                      <p:cBhvr>
+                                        <p:cTn id="6" dur="1" fill="hold">
+                                          <p:stCondLst>
+                                            <p:cond delay="0"/>
+                                          </p:stCondLst>
+                                        </p:cTn>
+                                        <p:tgtEl>
+                                          <p:spTgt spid="6">
+                                            <p:txEl>
+                                              <p:pRg st="0" end="0"/>
+                                            </p:txEl>
+                                          </p:spTgt>
+                                        </p:tgtEl>
+                                        <p:attrNameLst>
+                                          <p:attrName>style.visibility</p:attrName>
+                                        </p:attrNameLst>
+                                      </p:cBhvr>
+                                      <p:to>
+                                        <p:strVal val="visible"/>
+                                      </p:to>
+                                    </p:set>
+                                  </p:childTnLst>
+                                </p:cTn>
+                              </p:par>
+                            </p:childTnLst>
+                          </p:cTn>
+                        </p:par>
+                      </p:childTnLst>
+                    </p:cTn>
+                  </p:par>
+                  <p:par>
+                    <p:cTn id="7" fill="hold">
+                      <p:stCondLst>
+                        <p:cond delay="indefinite"/>
+                      </p:stCondLst>
+                      <p:childTnLst>
+                        <p:par>
+                          <p:cTn id="8" fill="hold">
+                            <p:stCondLst>
+                              <p:cond delay="0"/>
+                            </p:stCondLst>
+                            <p:childTnLst>
+                              <p:par>
+                                <p:cTn id="9" presetID="1" presetClass="entr" presetSubtype="0" fill="hold" grpId="0" nodeType="clickEffect">
+                                  <p:stCondLst>
+                                    <p:cond delay="0"/>
+                                  </p:stCondLst>
+                                  <p:childTnLst>
+                                    <p:set>
+                                      <p:cBhvr>
+                                        <p:cTn id="10" dur="1" fill="hold">
+                                          <p:stCondLst>
+                                            <p:cond delay="0"/>
+                                          </p:stCondLst>
+                                        </p:cTn>
+                                        <p:tgtEl>
+                                          <p:spTgt spid="6">
+                                            <p:txEl>
+                                              <p:pRg st="1" end="1"/>
+                                            </p:txEl>
+                                          </p:spTgt>
+                                        </p:tgtEl>
+                                        <p:attrNameLst>
+                                          <p:attrName>style.visibility</p:attrName>
+                                        </p:attrNameLst>
+                                      </p:cBhvr>
+                                      <p:to>
+                                        <p:strVal val="visible"/>
+                                      </p:to>
+                                    </p:set>
+                                  </p:childTnLst>
+                                </p:cTn>
+                              </p:par>
+                            </p:childTnLst>
+                          </p:cTn>
+                        </p:par>
+                      </p:childTnLst>
+                    </p:cTn>
+                  </p:par>
+                  <p:par>
+                    <p:cTn id="11" fill="hold">
+                      <p:stCondLst>
+                        <p:cond delay="indefinite"/>
+                      </p:stCondLst>
+                      <p:childTnLst>
+                        <p:par>
+                          <p:cTn id="12" fill="hold">
+                            <p:stCondLst>
+                              <p:cond delay="0"/>
+                            </p:stCondLst>
+                            <p:childTnLst>
+                              <p:par>
+                                <p:cTn id="13" presetID="1" presetClass="entr" presetSubtype="0" fill="hold" grpId="0" nodeType="clickEffect">
+                                  <p:stCondLst>
+                                    <p:cond delay="0"/>
+                                  </p:stCondLst>
+                                  <p:childTnLst>
+                                    <p:set>
+                                      <p:cBhvr>
+                                        <p:cTn id="14" dur="1" fill="hold">
+                                          <p:stCondLst>
+                                            <p:cond delay="0"/>
+                                          </p:stCondLst>
+                                        </p:cTn>
+                                        <p:tgtEl>
+                                          <p:spTgt spid="6">
+                                            <p:txEl>
+                                              <p:pRg st="2" end="2"/>
+                                            </p:txEl>
+                                          </p:spTgt>
+                                        </p:tgtEl>
+                                        <p:attrNameLst>
+                                          <p:attrName>style.visibility</p:attrName>
+                                        </p:attrNameLst>
+                                      </p:cBhvr>
+                                      <p:to>
+                                        <p:strVal val="visible"/>
+                                      </p:to>
+                                    </p:set>
+                                  </p:childTnLst>
+                                </p:cTn>
+                              </p:par>
+                            </p:childTnLst>
+                          </p:cTn>
+                        </p:par>
+                      </p:childTnLst>
+                    </p:cTn>
+                  </p:par>
+                  <p:par>
+                    <p:cTn id="15" fill="hold">
+                      <p:stCondLst>
+                        <p:cond delay="indefinite"/>
+                      </p:stCondLst>
+                      <p:childTnLst>
+                        <p:par>
+                          <p:cTn id="16" fill="hold">
+                            <p:stCondLst>
+                              <p:cond delay="0"/>
+                            </p:stCondLst>
+                            <p:childTnLst>
+                              <p:par>
+                                <p:cTn id="17" presetID="1" presetClass="entr" presetSubtype="0" fill="hold" grpId="0" nodeType="clickEffect">
+                                  <p:stCondLst>
+                                    <p:cond delay="0"/>
+                                  </p:stCondLst>
+                                  <p:childTnLst>
+                                    <p:set>
+                                      <p:cBhvr>
+                                        <p:cTn id="18" dur="1" fill="hold">
+                                          <p:stCondLst>
+                                            <p:cond delay="0"/>
+                                          </p:stCondLst>
+                                        </p:cTn>
+                                        <p:tgtEl>
+                                          <p:spTgt spid="6">
+                                            <p:txEl>
+                                              <p:pRg st="3" end="3"/>
+                                            </p:txEl>
+                                          </p:spTgt>
+                                        </p:tgtEl>
+                                        <p:attrNameLst>
+                                          <p:attrName>style.visibility</p:attrName>
+                                        </p:attrNameLst>
+                                      </p:cBhvr>
+                                      <p:to>
+                                        <p:strVal val="visible"/>
+                                      </p:to>
+                                    </p:set>
+                                  </p:childTnLst>
+                                </p:cTn>
+                              </p:par>
+                            </p:childTnLst>
+                          </p:cTn>
+                        </p:par>
+                      </p:childTnLst>
+                    </p:cTn>
+                  </p:par>
+                  <p:par>
+                    <p:cTn id="19" fill="hold">
+                      <p:stCondLst>
+                        <p:cond delay="indefinite"/>
+                      </p:stCondLst>
+                      <p:childTnLst>
+                        <p:par>
+                          <p:cTn id="20" fill="hold">
+                            <p:stCondLst>
+                              <p:cond delay="0"/>
+                            </p:stCondLst>
+                            <p:childTnLst>
+                              <p:par>
+                                <p:cTn id="21" presetID="1" presetClass="entr" presetSubtype="0" fill="hold" grpId="0" nodeType="clickEffect">
+                                  <p:stCondLst>
+                                    <p:cond delay="0"/>
+                                  </p:stCondLst>
+                                  <p:childTnLst>
+                                    <p:set>
+                                      <p:cBhvr>
+                                        <p:cTn id="22" dur="1" fill="hold">
+                                          <p:stCondLst>
+                                            <p:cond delay="0"/>
+                                          </p:stCondLst>
+                                        </p:cTn>
+                                        <p:tgtEl>
+                                          <p:spTgt spid="6">
+                                            <p:txEl>
+                                              <p:pRg st="4" end="4"/>
+                                            </p:txEl>
+                                          </p:spTgt>
+                                        </p:tgtEl>
+                                        <p:attrNameLst>
+                                          <p:attrName>style.visibility</p:attrName>
+                                        </p:attrNameLst>
+                                      </p:cBhvr>
+                                      <p:to>
+                                        <p:strVal val="visible"/>
+                                      </p:to>
+                                    </p:set>
+                                  </p:childTnLst>
+                                </p:cTn>
+                              </p:par>
+                            </p:childTnLst>
+                          </p:cTn>
+                        </p:par>
+                      </p:childTnLst>
+                    </p:cTn>
+                  </p:par>
+                  <p:par>
+                    <p:cTn id="23" fill="hold">
+                      <p:stCondLst>
+                        <p:cond delay="indefinite"/>
+                      </p:stCondLst>
+                      <p:childTnLst>
+                        <p:par>
+                          <p:cTn id="24" fill="hold">
+                            <p:stCondLst>
+                              <p:cond delay="0"/>
+                            </p:stCondLst>
+                            <p:childTnLst>
+                              <p:par>
+                                <p:cTn id="25" presetID="1" presetClass="entr" presetSubtype="0" fill="hold" grpId="0" nodeType="clickEffect">
+                                  <p:stCondLst>
+                                    <p:cond delay="0"/>
+                                  </p:stCondLst>
+                                  <p:childTnLst>
+                                    <p:set>
+                                      <p:cBhvr>
+                                        <p:cTn id="26" dur="1" fill="hold">
+                                          <p:stCondLst>
+                                            <p:cond delay="0"/>
+                                          </p:stCondLst>
+                                        </p:cTn>
+                                        <p:tgtEl>
+                                          <p:spTgt spid="6">
+                                            <p:txEl>
+                                              <p:pRg st="5" end="5"/>
+                                            </p:txEl>
+                                          </p:spTgt>
+                                        </p:tgtEl>
+                                        <p:attrNameLst>
+                                          <p:attrName>style.visibility</p:attrName>
+                                        </p:attrNameLst>
+                                      </p:cBhvr>
+                                      <p:to>
+                                        <p:strVal val="visible"/>
+                                      </p:to>
+                                    </p:set>
+                                  </p:childTnLst>
+                                </p:cTn>
+                              </p:par>
+                            </p:childTnLst>
+                          </p:cTn>
+                        </p:par>
+                      </p:childTnLst>
+                    </p:cTn>
+                  </p:par>
+                </p:childTnLst>
+              </p:cTn>
+              <p:prevCondLst>
+                <p:cond evt="onPrev" delay="0">
+                  <p:tgtEl>
+                    <p:sldTgt/>
+                  </p:tgtEl>
+                </p:cond>
+              </p:prevCondLst>
+              <p:nextCondLst>
+                <p:cond evt="onNext" delay="0">
+                  <p:tgtEl>
+                    <p:sldTgt/>
+                  </p:tgtEl>
+                </p:cond>
+              </p:nextCondLst>
+            </p:seq>
+          </p:childTnLst>
+        </p:cTn>
+      </p:par>
+    </p:tnLst>
+    <p:bldLst>
+      <p:bldP spid="6" grpId="0" build="p"/>
+    </p:bldLst>
+  </p:timing>
+</p:sld>
+</file>
+
+<file path=ppt/slides/slide31.xml><?xml version="1.0" encoding="utf-8"?>
+<p:sld xmlns:a="http://schemas.openxmlformats.org/drawingml/2006/main" xmlns:r="http://schemas.openxmlformats.org/officeDocument/2006/relationships" xmlns:p="http://schemas.openxmlformats.org/presentationml/2006/main">
+  <p:cSld>
+    <p:spTree>
+      <p:nvGrpSpPr>
+        <p:cNvPr id="1" name=""/>
+        <p:cNvGrpSpPr/>
+        <p:nvPr/>
+      </p:nvGrpSpPr>
+      <p:grpSpPr>
+        <a:xfrm>
+          <a:off x="0" y="0"/>
+          <a:ext cx="0" cy="0"/>
+          <a:chOff x="0" y="0"/>
+          <a:chExt cx="0" cy="0"/>
+        </a:xfrm>
+      </p:grpSpPr>
+      <p:sp>
+        <p:nvSpPr>
+          <p:cNvPr id="2" name="Title 1">
+            <a:extLst>
+              <a:ext uri="{FF2B5EF4-FFF2-40B4-BE49-F238E27FC236}">
+                <a16:creationId xmlns:a16="http://schemas.microsoft.com/office/drawing/2014/main" id="{1FFB1FE8-50D8-A5E6-F6A0-771A228EBA70}"/>
+              </a:ext>
+            </a:extLst>
+          </p:cNvPr>
+          <p:cNvSpPr>
+            <a:spLocks noGrp="1"/>
+          </p:cNvSpPr>
+          <p:nvPr>
+            <p:ph type="title"/>
+          </p:nvPr>
+        </p:nvSpPr>
+        <p:spPr/>
+        <p:txBody>
+          <a:bodyPr/>
+          <a:lstStyle/>
+          <a:p>
+            <a:endParaRPr lang="ru-RU"/>
+          </a:p>
+        </p:txBody>
+      </p:sp>
+      <p:sp>
+        <p:nvSpPr>
+          <p:cNvPr id="3" name="Content Placeholder 2">
+            <a:extLst>
+              <a:ext uri="{FF2B5EF4-FFF2-40B4-BE49-F238E27FC236}">
+                <a16:creationId xmlns:a16="http://schemas.microsoft.com/office/drawing/2014/main" id="{18B62285-C7B7-8CCD-D874-DD56CFF90AA1}"/>
+              </a:ext>
+            </a:extLst>
+          </p:cNvPr>
+          <p:cNvSpPr>
+            <a:spLocks noGrp="1"/>
+          </p:cNvSpPr>
+          <p:nvPr>
+            <p:ph idx="1"/>
+          </p:nvPr>
+        </p:nvSpPr>
+        <p:spPr/>
+        <p:txBody>
+          <a:bodyPr/>
+          <a:lstStyle/>
+          <a:p>
+            <a:endParaRPr lang="ru-RU"/>
+          </a:p>
+        </p:txBody>
+      </p:sp>
+    </p:spTree>
+    <p:extLst>
+      <p:ext uri="{BB962C8B-B14F-4D97-AF65-F5344CB8AC3E}">
+        <p14:creationId xmlns:p14="http://schemas.microsoft.com/office/powerpoint/2010/main" val="2101203791"/>
+      </p:ext>
+    </p:extLst>
+  </p:cSld>
+  <p:clrMapOvr>
+    <a:masterClrMapping/>
+  </p:clrMapOvr>
+</p:sld>
+</file>
+
+<file path=ppt/slides/slide32.xml><?xml version="1.0" encoding="utf-8"?>
+<p:sld xmlns:a="http://schemas.openxmlformats.org/drawingml/2006/main" xmlns:r="http://schemas.openxmlformats.org/officeDocument/2006/relationships" xmlns:p="http://schemas.openxmlformats.org/presentationml/2006/main">
+  <p:cSld>
+    <p:spTree>
+      <p:nvGrpSpPr>
+        <p:cNvPr id="1" name=""/>
+        <p:cNvGrpSpPr/>
+        <p:nvPr/>
+      </p:nvGrpSpPr>
+      <p:grpSpPr>
+        <a:xfrm>
+          <a:off x="0" y="0"/>
+          <a:ext cx="0" cy="0"/>
+          <a:chOff x="0" y="0"/>
+          <a:chExt cx="0" cy="0"/>
+        </a:xfrm>
+      </p:grpSpPr>
+      <p:sp>
+        <p:nvSpPr>
+          <p:cNvPr id="2" name="Title 1">
+            <a:extLst>
+              <a:ext uri="{FF2B5EF4-FFF2-40B4-BE49-F238E27FC236}">
+                <a16:creationId xmlns:a16="http://schemas.microsoft.com/office/drawing/2014/main" id="{D7B94626-D304-D3F7-4E93-621646241431}"/>
+              </a:ext>
+            </a:extLst>
+          </p:cNvPr>
+          <p:cNvSpPr>
+            <a:spLocks noGrp="1"/>
+          </p:cNvSpPr>
+          <p:nvPr>
+            <p:ph type="title"/>
+          </p:nvPr>
+        </p:nvSpPr>
+        <p:spPr/>
+        <p:txBody>
+          <a:bodyPr/>
+          <a:lstStyle/>
+          <a:p>
+            <a:r>
+              <a:rPr lang="en-US" dirty="0"/>
+              <a:t>Iterator</a:t>
+            </a:r>
+            <a:endParaRPr lang="ru-RU" dirty="0"/>
+          </a:p>
+        </p:txBody>
+      </p:sp>
+      <p:sp>
+        <p:nvSpPr>
+          <p:cNvPr id="3" name="Content Placeholder 2">
+            <a:extLst>
+              <a:ext uri="{FF2B5EF4-FFF2-40B4-BE49-F238E27FC236}">
+                <a16:creationId xmlns:a16="http://schemas.microsoft.com/office/drawing/2014/main" id="{B519EC75-D057-1F57-E9CD-2120AE12333C}"/>
+              </a:ext>
+            </a:extLst>
+          </p:cNvPr>
+          <p:cNvSpPr>
+            <a:spLocks noGrp="1"/>
+          </p:cNvSpPr>
+          <p:nvPr>
+            <p:ph sz="half" idx="1"/>
+          </p:nvPr>
+        </p:nvSpPr>
+        <p:spPr/>
+        <p:txBody>
+          <a:bodyPr/>
+          <a:lstStyle/>
+          <a:p>
+            <a:endParaRPr lang="ru-RU"/>
+          </a:p>
+        </p:txBody>
+      </p:sp>
+      <p:sp>
+        <p:nvSpPr>
+          <p:cNvPr id="4" name="Content Placeholder 3">
+            <a:extLst>
+              <a:ext uri="{FF2B5EF4-FFF2-40B4-BE49-F238E27FC236}">
+                <a16:creationId xmlns:a16="http://schemas.microsoft.com/office/drawing/2014/main" id="{0F9A3A85-612B-08A6-F2D6-AF735C90606E}"/>
+              </a:ext>
+            </a:extLst>
+          </p:cNvPr>
+          <p:cNvSpPr>
+            <a:spLocks noGrp="1"/>
+          </p:cNvSpPr>
+          <p:nvPr>
+            <p:ph sz="half" idx="2"/>
+          </p:nvPr>
+        </p:nvSpPr>
+        <p:spPr/>
+        <p:txBody>
+          <a:bodyPr/>
+          <a:lstStyle/>
+          <a:p>
+            <a:endParaRPr lang="ru-RU"/>
+          </a:p>
+        </p:txBody>
+      </p:sp>
+    </p:spTree>
+    <p:extLst>
+      <p:ext uri="{BB962C8B-B14F-4D97-AF65-F5344CB8AC3E}">
+        <p14:creationId xmlns:p14="http://schemas.microsoft.com/office/powerpoint/2010/main" val="2692592960"/>
+      </p:ext>
+    </p:extLst>
+  </p:cSld>
+  <p:clrMapOvr>
+    <a:masterClrMapping/>
+  </p:clrMapOvr>
+</p:sld>
+</file>
+
+<file path=ppt/slides/slide33.xml><?xml version="1.0" encoding="utf-8"?>
+<p:sld xmlns:a="http://schemas.openxmlformats.org/drawingml/2006/main" xmlns:r="http://schemas.openxmlformats.org/officeDocument/2006/relationships" xmlns:p="http://schemas.openxmlformats.org/presentationml/2006/main">
+  <p:cSld>
+    <p:spTree>
+      <p:nvGrpSpPr>
+        <p:cNvPr id="1" name=""/>
+        <p:cNvGrpSpPr/>
+        <p:nvPr/>
+      </p:nvGrpSpPr>
+      <p:grpSpPr>
+        <a:xfrm>
+          <a:off x="0" y="0"/>
+          <a:ext cx="0" cy="0"/>
+          <a:chOff x="0" y="0"/>
+          <a:chExt cx="0" cy="0"/>
+        </a:xfrm>
+      </p:grpSpPr>
+      <p:sp>
+        <p:nvSpPr>
+          <p:cNvPr id="2" name="Title 1">
+            <a:extLst>
+              <a:ext uri="{FF2B5EF4-FFF2-40B4-BE49-F238E27FC236}">
+                <a16:creationId xmlns:a16="http://schemas.microsoft.com/office/drawing/2014/main" id="{6EAC2F57-76F8-946A-9A2F-91D6B0DFCD10}"/>
+              </a:ext>
+            </a:extLst>
+          </p:cNvPr>
+          <p:cNvSpPr>
+            <a:spLocks noGrp="1"/>
+          </p:cNvSpPr>
+          <p:nvPr>
+            <p:ph type="title"/>
+          </p:nvPr>
+        </p:nvSpPr>
+        <p:spPr/>
+        <p:txBody>
+          <a:bodyPr/>
+          <a:lstStyle/>
+          <a:p>
+            <a:r>
+              <a:rPr lang="en-US" dirty="0"/>
+              <a:t>Homework</a:t>
+            </a:r>
+            <a:endParaRPr lang="ru-RU" dirty="0"/>
+          </a:p>
+        </p:txBody>
+      </p:sp>
+      <p:sp>
+        <p:nvSpPr>
+          <p:cNvPr id="3" name="Content Placeholder 2">
+            <a:extLst>
+              <a:ext uri="{FF2B5EF4-FFF2-40B4-BE49-F238E27FC236}">
+                <a16:creationId xmlns:a16="http://schemas.microsoft.com/office/drawing/2014/main" id="{357DED15-6CD3-6C54-F2B8-38B251C4BF7A}"/>
+              </a:ext>
+            </a:extLst>
+          </p:cNvPr>
+          <p:cNvSpPr>
+            <a:spLocks noGrp="1"/>
+          </p:cNvSpPr>
+          <p:nvPr>
+            <p:ph idx="1"/>
+          </p:nvPr>
+        </p:nvSpPr>
+        <p:spPr/>
+        <p:txBody>
+          <a:bodyPr/>
+          <a:lstStyle/>
+          <a:p>
+            <a:endParaRPr lang="ru-RU"/>
+          </a:p>
+        </p:txBody>
+      </p:sp>
+    </p:spTree>
+    <p:extLst>
+      <p:ext uri="{BB962C8B-B14F-4D97-AF65-F5344CB8AC3E}">
+        <p14:creationId xmlns:p14="http://schemas.microsoft.com/office/powerpoint/2010/main" val="1237145490"/>
+      </p:ext>
+    </p:extLst>
+  </p:cSld>
+  <p:clrMapOvr>
+    <a:masterClrMapping/>
+  </p:clrMapOvr>
+</p:sld>
+</file>
+
+<file path=ppt/slides/slide4.xml><?xml version="1.0" encoding="utf-8"?>
 <p:sld xmlns:a="http://schemas.openxmlformats.org/drawingml/2006/main" xmlns:r="http://schemas.openxmlformats.org/officeDocument/2006/relationships" xmlns:p="http://schemas.openxmlformats.org/presentationml/2006/main">
   <p:cSld>
     <p:spTree>
@@ -18767,7 +22766,7 @@
 </p:sld>
 </file>
 
-<file path=ppt/slides/slide6.xml><?xml version="1.0" encoding="utf-8"?>
+<file path=ppt/slides/slide5.xml><?xml version="1.0" encoding="utf-8"?>
 <p:sld xmlns:a="http://schemas.openxmlformats.org/drawingml/2006/main" xmlns:r="http://schemas.openxmlformats.org/officeDocument/2006/relationships" xmlns:p="http://schemas.openxmlformats.org/presentationml/2006/main">
   <p:cSld>
     <p:spTree>
@@ -19739,7 +23738,7 @@
 </p:sld>
 </file>
 
-<file path=ppt/slides/slide7.xml><?xml version="1.0" encoding="utf-8"?>
+<file path=ppt/slides/slide6.xml><?xml version="1.0" encoding="utf-8"?>
 <p:sld xmlns:a="http://schemas.openxmlformats.org/drawingml/2006/main" xmlns:r="http://schemas.openxmlformats.org/officeDocument/2006/relationships" xmlns:p="http://schemas.openxmlformats.org/presentationml/2006/main">
   <p:cSld>
     <p:spTree>
@@ -20216,7 +24215,7 @@
 </p:sld>
 </file>
 
-<file path=ppt/slides/slide8.xml><?xml version="1.0" encoding="utf-8"?>
+<file path=ppt/slides/slide7.xml><?xml version="1.0" encoding="utf-8"?>
 <p:sld xmlns:a="http://schemas.openxmlformats.org/drawingml/2006/main" xmlns:r="http://schemas.openxmlformats.org/officeDocument/2006/relationships" xmlns:p="http://schemas.openxmlformats.org/presentationml/2006/main">
   <p:cSld>
     <p:spTree>
@@ -21028,7 +25027,7 @@
 </p:sld>
 </file>
 
-<file path=ppt/slides/slide9.xml><?xml version="1.0" encoding="utf-8"?>
+<file path=ppt/slides/slide8.xml><?xml version="1.0" encoding="utf-8"?>
 <p:sld xmlns:a="http://schemas.openxmlformats.org/drawingml/2006/main" xmlns:r="http://schemas.openxmlformats.org/officeDocument/2006/relationships" xmlns:p="http://schemas.openxmlformats.org/presentationml/2006/main">
   <p:cSld>
     <p:spTree>
@@ -21584,6 +25583,1275 @@
     </p:tnLst>
     <p:bldLst>
       <p:bldP spid="5" grpId="0" build="p"/>
+    </p:bldLst>
+  </p:timing>
+</p:sld>
+</file>
+
+<file path=ppt/slides/slide9.xml><?xml version="1.0" encoding="utf-8"?>
+<p:sld xmlns:a="http://schemas.openxmlformats.org/drawingml/2006/main" xmlns:r="http://schemas.openxmlformats.org/officeDocument/2006/relationships" xmlns:p="http://schemas.openxmlformats.org/presentationml/2006/main">
+  <p:cSld>
+    <p:spTree>
+      <p:nvGrpSpPr>
+        <p:cNvPr id="1" name=""/>
+        <p:cNvGrpSpPr/>
+        <p:nvPr/>
+      </p:nvGrpSpPr>
+      <p:grpSpPr>
+        <a:xfrm>
+          <a:off x="0" y="0"/>
+          <a:ext cx="0" cy="0"/>
+          <a:chOff x="0" y="0"/>
+          <a:chExt cx="0" cy="0"/>
+        </a:xfrm>
+      </p:grpSpPr>
+      <p:sp>
+        <p:nvSpPr>
+          <p:cNvPr id="2" name="Title 1">
+            <a:extLst>
+              <a:ext uri="{FF2B5EF4-FFF2-40B4-BE49-F238E27FC236}">
+                <a16:creationId xmlns:a16="http://schemas.microsoft.com/office/drawing/2014/main" id="{1F2D5459-0277-DC02-47C5-2184C633BCDA}"/>
+              </a:ext>
+            </a:extLst>
+          </p:cNvPr>
+          <p:cNvSpPr>
+            <a:spLocks noGrp="1"/>
+          </p:cNvSpPr>
+          <p:nvPr>
+            <p:ph type="title"/>
+          </p:nvPr>
+        </p:nvSpPr>
+        <p:spPr/>
+        <p:txBody>
+          <a:bodyPr/>
+          <a:lstStyle/>
+          <a:p>
+            <a:r>
+              <a:rPr lang="en-US" dirty="0"/>
+              <a:t>Polymorphism (static)</a:t>
+            </a:r>
+            <a:endParaRPr lang="ru-RU" dirty="0"/>
+          </a:p>
+        </p:txBody>
+      </p:sp>
+      <p:sp>
+        <p:nvSpPr>
+          <p:cNvPr id="5" name="Content Placeholder 4">
+            <a:extLst>
+              <a:ext uri="{FF2B5EF4-FFF2-40B4-BE49-F238E27FC236}">
+                <a16:creationId xmlns:a16="http://schemas.microsoft.com/office/drawing/2014/main" id="{C99E9542-062A-9A36-0E01-83B8A9D1CCE5}"/>
+              </a:ext>
+            </a:extLst>
+          </p:cNvPr>
+          <p:cNvSpPr>
+            <a:spLocks noGrp="1"/>
+          </p:cNvSpPr>
+          <p:nvPr>
+            <p:ph idx="1"/>
+          </p:nvPr>
+        </p:nvSpPr>
+        <p:spPr>
+          <a:xfrm>
+            <a:off x="838200" y="1825624"/>
+            <a:ext cx="10515600" cy="5032375"/>
+          </a:xfrm>
+        </p:spPr>
+        <p:txBody>
+          <a:bodyPr>
+            <a:normAutofit fontScale="92500" lnSpcReduction="20000"/>
+          </a:bodyPr>
+          <a:lstStyle/>
+          <a:p>
+            <a:pPr marL="0" indent="0">
+              <a:buNone/>
+            </a:pPr>
+            <a:r>
+              <a:rPr lang="en-US" dirty="0">
+                <a:solidFill>
+                  <a:srgbClr val="0033B3"/>
+                </a:solidFill>
+                <a:effectLst/>
+                <a:latin typeface="JetBrains Mono"/>
+              </a:rPr>
+              <a:t>trait </a:t>
+            </a:r>
+            <a:r>
+              <a:rPr lang="en-US" dirty="0">
+                <a:solidFill>
+                  <a:srgbClr val="000000"/>
+                </a:solidFill>
+                <a:effectLst/>
+                <a:latin typeface="JetBrains Mono"/>
+              </a:rPr>
+              <a:t>Merchandiser</a:t>
+            </a:r>
+            <a:r>
+              <a:rPr lang="en-US" dirty="0">
+                <a:solidFill>
+                  <a:srgbClr val="080808"/>
+                </a:solidFill>
+                <a:effectLst/>
+                <a:latin typeface="JetBrains Mono"/>
+              </a:rPr>
+              <a:t>: </a:t>
+            </a:r>
+            <a:r>
+              <a:rPr lang="en-US" dirty="0">
+                <a:solidFill>
+                  <a:srgbClr val="000000"/>
+                </a:solidFill>
+                <a:effectLst/>
+                <a:latin typeface="JetBrains Mono"/>
+              </a:rPr>
+              <a:t>Employee </a:t>
+            </a:r>
+            <a:r>
+              <a:rPr lang="en-US" dirty="0">
+                <a:solidFill>
+                  <a:srgbClr val="080808"/>
+                </a:solidFill>
+                <a:effectLst/>
+                <a:latin typeface="JetBrains Mono"/>
+              </a:rPr>
+              <a:t>+ </a:t>
+            </a:r>
+            <a:r>
+              <a:rPr lang="en-US" dirty="0">
+                <a:solidFill>
+                  <a:srgbClr val="000000"/>
+                </a:solidFill>
+                <a:effectLst/>
+                <a:latin typeface="JetBrains Mono"/>
+              </a:rPr>
+              <a:t>Customer</a:t>
+            </a:r>
+          </a:p>
+          <a:p>
+            <a:pPr marL="0" indent="0">
+              <a:buNone/>
+            </a:pPr>
+            <a:endParaRPr lang="en-US" dirty="0">
+              <a:solidFill>
+                <a:srgbClr val="000000"/>
+              </a:solidFill>
+              <a:latin typeface="JetBrains Mono"/>
+            </a:endParaRPr>
+          </a:p>
+          <a:p>
+            <a:pPr marL="0" indent="0">
+              <a:buNone/>
+            </a:pPr>
+            <a:r>
+              <a:rPr lang="en-US" dirty="0" err="1">
+                <a:solidFill>
+                  <a:srgbClr val="0033B3"/>
+                </a:solidFill>
+                <a:effectLst/>
+                <a:latin typeface="JetBrains Mono"/>
+              </a:rPr>
+              <a:t>impl</a:t>
+            </a:r>
+            <a:r>
+              <a:rPr lang="en-US" dirty="0">
+                <a:solidFill>
+                  <a:srgbClr val="0033B3"/>
+                </a:solidFill>
+                <a:effectLst/>
+                <a:latin typeface="JetBrains Mono"/>
+              </a:rPr>
+              <a:t> </a:t>
+            </a:r>
+            <a:r>
+              <a:rPr lang="en-US" dirty="0">
+                <a:solidFill>
+                  <a:srgbClr val="000000"/>
+                </a:solidFill>
+                <a:effectLst/>
+                <a:latin typeface="JetBrains Mono"/>
+              </a:rPr>
+              <a:t>Employee </a:t>
+            </a:r>
+            <a:r>
+              <a:rPr lang="en-US" dirty="0">
+                <a:solidFill>
+                  <a:srgbClr val="0033B3"/>
+                </a:solidFill>
+                <a:effectLst/>
+                <a:latin typeface="JetBrains Mono"/>
+              </a:rPr>
+              <a:t>for </a:t>
+            </a:r>
+            <a:r>
+              <a:rPr lang="en-US" dirty="0" err="1">
+                <a:solidFill>
+                  <a:srgbClr val="000000"/>
+                </a:solidFill>
+                <a:effectLst/>
+                <a:latin typeface="JetBrains Mono"/>
+              </a:rPr>
+              <a:t>MerchandiserImpl</a:t>
+            </a:r>
+            <a:r>
+              <a:rPr lang="en-US" dirty="0">
+                <a:solidFill>
+                  <a:srgbClr val="000000"/>
+                </a:solidFill>
+                <a:effectLst/>
+                <a:latin typeface="JetBrains Mono"/>
+              </a:rPr>
+              <a:t> </a:t>
+            </a:r>
+            <a:r>
+              <a:rPr lang="en-US" dirty="0">
+                <a:solidFill>
+                  <a:srgbClr val="080808"/>
+                </a:solidFill>
+                <a:effectLst/>
+                <a:latin typeface="JetBrains Mono"/>
+              </a:rPr>
+              <a:t>{</a:t>
+            </a:r>
+            <a:br>
+              <a:rPr lang="en-US" dirty="0">
+                <a:solidFill>
+                  <a:srgbClr val="080808"/>
+                </a:solidFill>
+                <a:effectLst/>
+                <a:latin typeface="JetBrains Mono"/>
+              </a:rPr>
+            </a:br>
+            <a:r>
+              <a:rPr lang="en-US" dirty="0">
+                <a:solidFill>
+                  <a:srgbClr val="080808"/>
+                </a:solidFill>
+                <a:effectLst/>
+                <a:latin typeface="JetBrains Mono"/>
+              </a:rPr>
+              <a:t>    </a:t>
+            </a:r>
+            <a:r>
+              <a:rPr lang="en-US" dirty="0" err="1">
+                <a:solidFill>
+                  <a:srgbClr val="0033B3"/>
+                </a:solidFill>
+                <a:effectLst/>
+                <a:latin typeface="JetBrains Mono"/>
+              </a:rPr>
+              <a:t>fn</a:t>
+            </a:r>
+            <a:r>
+              <a:rPr lang="en-US" dirty="0">
+                <a:solidFill>
+                  <a:srgbClr val="0033B3"/>
+                </a:solidFill>
+                <a:effectLst/>
+                <a:latin typeface="JetBrains Mono"/>
+              </a:rPr>
+              <a:t> </a:t>
+            </a:r>
+            <a:r>
+              <a:rPr lang="en-US" dirty="0">
+                <a:solidFill>
+                  <a:srgbClr val="00627A"/>
+                </a:solidFill>
+                <a:effectLst/>
+                <a:latin typeface="JetBrains Mono"/>
+              </a:rPr>
+              <a:t>fire</a:t>
+            </a:r>
+            <a:r>
+              <a:rPr lang="en-US" dirty="0">
+                <a:solidFill>
+                  <a:srgbClr val="080808"/>
+                </a:solidFill>
+                <a:effectLst/>
+                <a:latin typeface="JetBrains Mono"/>
+              </a:rPr>
+              <a:t>(</a:t>
+            </a:r>
+            <a:r>
+              <a:rPr lang="en-US" dirty="0">
+                <a:solidFill>
+                  <a:srgbClr val="0033B3"/>
+                </a:solidFill>
+                <a:effectLst/>
+                <a:latin typeface="JetBrains Mono"/>
+              </a:rPr>
+              <a:t>self</a:t>
+            </a:r>
+            <a:r>
+              <a:rPr lang="en-US" dirty="0">
+                <a:solidFill>
+                  <a:srgbClr val="080808"/>
+                </a:solidFill>
+                <a:effectLst/>
+                <a:latin typeface="JetBrains Mono"/>
+              </a:rPr>
+              <a:t>) { </a:t>
+            </a:r>
+            <a:r>
+              <a:rPr lang="en-US" i="1" dirty="0" err="1">
+                <a:solidFill>
+                  <a:srgbClr val="008DDE"/>
+                </a:solidFill>
+                <a:effectLst/>
+                <a:latin typeface="JetBrains Mono"/>
+              </a:rPr>
+              <a:t>todo</a:t>
+            </a:r>
+            <a:r>
+              <a:rPr lang="en-US" i="1" dirty="0">
+                <a:solidFill>
+                  <a:srgbClr val="008DDE"/>
+                </a:solidFill>
+                <a:effectLst/>
+                <a:latin typeface="JetBrains Mono"/>
+              </a:rPr>
+              <a:t>!() </a:t>
+            </a:r>
+            <a:r>
+              <a:rPr lang="en-US" dirty="0">
+                <a:solidFill>
+                  <a:srgbClr val="080808"/>
+                </a:solidFill>
+                <a:effectLst/>
+                <a:latin typeface="JetBrains Mono"/>
+              </a:rPr>
+              <a:t>}</a:t>
+            </a:r>
+            <a:br>
+              <a:rPr lang="en-US" dirty="0">
+                <a:solidFill>
+                  <a:srgbClr val="080808"/>
+                </a:solidFill>
+                <a:effectLst/>
+                <a:latin typeface="JetBrains Mono"/>
+              </a:rPr>
+            </a:br>
+            <a:r>
+              <a:rPr lang="en-US" dirty="0">
+                <a:solidFill>
+                  <a:srgbClr val="080808"/>
+                </a:solidFill>
+                <a:effectLst/>
+                <a:latin typeface="JetBrains Mono"/>
+              </a:rPr>
+              <a:t>    </a:t>
+            </a:r>
+            <a:r>
+              <a:rPr lang="en-US" dirty="0" err="1">
+                <a:solidFill>
+                  <a:srgbClr val="0033B3"/>
+                </a:solidFill>
+                <a:effectLst/>
+                <a:latin typeface="JetBrains Mono"/>
+              </a:rPr>
+              <a:t>fn</a:t>
+            </a:r>
+            <a:r>
+              <a:rPr lang="en-US" dirty="0">
+                <a:solidFill>
+                  <a:srgbClr val="0033B3"/>
+                </a:solidFill>
+                <a:effectLst/>
+                <a:latin typeface="JetBrains Mono"/>
+              </a:rPr>
+              <a:t> </a:t>
+            </a:r>
+            <a:r>
+              <a:rPr lang="en-US" dirty="0" err="1">
+                <a:solidFill>
+                  <a:srgbClr val="00627A"/>
+                </a:solidFill>
+                <a:effectLst/>
+                <a:latin typeface="JetBrains Mono"/>
+              </a:rPr>
+              <a:t>pay_salary</a:t>
+            </a:r>
+            <a:r>
+              <a:rPr lang="en-US" dirty="0">
+                <a:solidFill>
+                  <a:srgbClr val="080808"/>
+                </a:solidFill>
+                <a:effectLst/>
+                <a:latin typeface="JetBrains Mono"/>
+              </a:rPr>
+              <a:t>(&amp;</a:t>
+            </a:r>
+            <a:r>
+              <a:rPr lang="en-US" dirty="0">
+                <a:solidFill>
+                  <a:srgbClr val="0033B3"/>
+                </a:solidFill>
+                <a:effectLst/>
+                <a:latin typeface="JetBrains Mono"/>
+              </a:rPr>
+              <a:t>mut self</a:t>
+            </a:r>
+            <a:r>
+              <a:rPr lang="en-US" dirty="0">
+                <a:solidFill>
+                  <a:srgbClr val="080808"/>
+                </a:solidFill>
+                <a:effectLst/>
+                <a:latin typeface="JetBrains Mono"/>
+              </a:rPr>
+              <a:t>) { </a:t>
+            </a:r>
+            <a:r>
+              <a:rPr lang="en-US" i="1" dirty="0" err="1">
+                <a:solidFill>
+                  <a:srgbClr val="008DDE"/>
+                </a:solidFill>
+                <a:effectLst/>
+                <a:latin typeface="JetBrains Mono"/>
+              </a:rPr>
+              <a:t>todo</a:t>
+            </a:r>
+            <a:r>
+              <a:rPr lang="en-US" i="1" dirty="0">
+                <a:solidFill>
+                  <a:srgbClr val="008DDE"/>
+                </a:solidFill>
+                <a:effectLst/>
+                <a:latin typeface="JetBrains Mono"/>
+              </a:rPr>
+              <a:t>!() </a:t>
+            </a:r>
+            <a:r>
+              <a:rPr lang="en-US" dirty="0">
+                <a:solidFill>
+                  <a:srgbClr val="080808"/>
+                </a:solidFill>
+                <a:effectLst/>
+                <a:latin typeface="JetBrains Mono"/>
+              </a:rPr>
+              <a:t>}</a:t>
+            </a:r>
+            <a:br>
+              <a:rPr lang="en-US" dirty="0">
+                <a:solidFill>
+                  <a:srgbClr val="080808"/>
+                </a:solidFill>
+                <a:effectLst/>
+                <a:latin typeface="JetBrains Mono"/>
+              </a:rPr>
+            </a:br>
+            <a:r>
+              <a:rPr lang="en-US" dirty="0">
+                <a:solidFill>
+                  <a:srgbClr val="080808"/>
+                </a:solidFill>
+                <a:effectLst/>
+                <a:latin typeface="JetBrains Mono"/>
+              </a:rPr>
+              <a:t>    </a:t>
+            </a:r>
+            <a:r>
+              <a:rPr lang="en-US" dirty="0" err="1">
+                <a:solidFill>
+                  <a:srgbClr val="0033B3"/>
+                </a:solidFill>
+                <a:effectLst/>
+                <a:latin typeface="JetBrains Mono"/>
+              </a:rPr>
+              <a:t>fn</a:t>
+            </a:r>
+            <a:r>
+              <a:rPr lang="en-US" dirty="0">
+                <a:solidFill>
+                  <a:srgbClr val="0033B3"/>
+                </a:solidFill>
+                <a:effectLst/>
+                <a:latin typeface="JetBrains Mono"/>
+              </a:rPr>
+              <a:t> </a:t>
+            </a:r>
+            <a:r>
+              <a:rPr lang="en-US" dirty="0" err="1">
+                <a:solidFill>
+                  <a:srgbClr val="00627A"/>
+                </a:solidFill>
+                <a:effectLst/>
+                <a:latin typeface="JetBrains Mono"/>
+              </a:rPr>
+              <a:t>get_age</a:t>
+            </a:r>
+            <a:r>
+              <a:rPr lang="en-US" dirty="0">
+                <a:solidFill>
+                  <a:srgbClr val="080808"/>
+                </a:solidFill>
+                <a:effectLst/>
+                <a:latin typeface="JetBrains Mono"/>
+              </a:rPr>
+              <a:t>(&amp;</a:t>
+            </a:r>
+            <a:r>
+              <a:rPr lang="en-US" dirty="0">
+                <a:solidFill>
+                  <a:srgbClr val="0033B3"/>
+                </a:solidFill>
+                <a:effectLst/>
+                <a:latin typeface="JetBrains Mono"/>
+              </a:rPr>
+              <a:t>self</a:t>
+            </a:r>
+            <a:r>
+              <a:rPr lang="en-US" dirty="0">
+                <a:solidFill>
+                  <a:srgbClr val="080808"/>
+                </a:solidFill>
+                <a:effectLst/>
+                <a:latin typeface="JetBrains Mono"/>
+              </a:rPr>
+              <a:t>) -&gt; </a:t>
+            </a:r>
+            <a:r>
+              <a:rPr lang="en-US" dirty="0">
+                <a:solidFill>
+                  <a:srgbClr val="0033B3"/>
+                </a:solidFill>
+                <a:effectLst/>
+                <a:latin typeface="JetBrains Mono"/>
+              </a:rPr>
+              <a:t>u8 </a:t>
+            </a:r>
+            <a:r>
+              <a:rPr lang="en-US" dirty="0">
+                <a:solidFill>
+                  <a:srgbClr val="080808"/>
+                </a:solidFill>
+                <a:effectLst/>
+                <a:latin typeface="JetBrains Mono"/>
+              </a:rPr>
+              <a:t>{ </a:t>
+            </a:r>
+            <a:r>
+              <a:rPr lang="en-US" i="1" dirty="0" err="1">
+                <a:solidFill>
+                  <a:srgbClr val="008DDE"/>
+                </a:solidFill>
+                <a:effectLst/>
+                <a:latin typeface="JetBrains Mono"/>
+              </a:rPr>
+              <a:t>todo</a:t>
+            </a:r>
+            <a:r>
+              <a:rPr lang="en-US" i="1" dirty="0">
+                <a:solidFill>
+                  <a:srgbClr val="008DDE"/>
+                </a:solidFill>
+                <a:effectLst/>
+                <a:latin typeface="JetBrains Mono"/>
+              </a:rPr>
+              <a:t>!() </a:t>
+            </a:r>
+            <a:r>
+              <a:rPr lang="en-US" dirty="0">
+                <a:solidFill>
+                  <a:srgbClr val="080808"/>
+                </a:solidFill>
+                <a:effectLst/>
+                <a:latin typeface="JetBrains Mono"/>
+              </a:rPr>
+              <a:t>}</a:t>
+            </a:r>
+            <a:br>
+              <a:rPr lang="en-US" dirty="0">
+                <a:solidFill>
+                  <a:srgbClr val="080808"/>
+                </a:solidFill>
+                <a:effectLst/>
+                <a:latin typeface="JetBrains Mono"/>
+              </a:rPr>
+            </a:br>
+            <a:r>
+              <a:rPr lang="en-US" dirty="0">
+                <a:solidFill>
+                  <a:srgbClr val="080808"/>
+                </a:solidFill>
+                <a:effectLst/>
+                <a:latin typeface="JetBrains Mono"/>
+              </a:rPr>
+              <a:t>}</a:t>
+            </a:r>
+            <a:br>
+              <a:rPr lang="en-US" dirty="0">
+                <a:solidFill>
+                  <a:srgbClr val="080808"/>
+                </a:solidFill>
+                <a:effectLst/>
+                <a:latin typeface="JetBrains Mono"/>
+              </a:rPr>
+            </a:br>
+            <a:endParaRPr lang="en-US" dirty="0">
+              <a:solidFill>
+                <a:srgbClr val="080808"/>
+              </a:solidFill>
+              <a:effectLst/>
+              <a:latin typeface="JetBrains Mono"/>
+            </a:endParaRPr>
+          </a:p>
+          <a:p>
+            <a:pPr marL="0" indent="0">
+              <a:buNone/>
+            </a:pPr>
+            <a:r>
+              <a:rPr lang="en-US" dirty="0" err="1">
+                <a:solidFill>
+                  <a:srgbClr val="0033B3"/>
+                </a:solidFill>
+                <a:effectLst/>
+                <a:latin typeface="JetBrains Mono"/>
+              </a:rPr>
+              <a:t>impl</a:t>
+            </a:r>
+            <a:r>
+              <a:rPr lang="en-US" dirty="0">
+                <a:solidFill>
+                  <a:srgbClr val="0033B3"/>
+                </a:solidFill>
+                <a:effectLst/>
+                <a:latin typeface="JetBrains Mono"/>
+              </a:rPr>
+              <a:t> </a:t>
+            </a:r>
+            <a:r>
+              <a:rPr lang="en-US" dirty="0">
+                <a:solidFill>
+                  <a:srgbClr val="000000"/>
+                </a:solidFill>
+                <a:effectLst/>
+                <a:latin typeface="JetBrains Mono"/>
+              </a:rPr>
+              <a:t>Customer </a:t>
+            </a:r>
+            <a:r>
+              <a:rPr lang="en-US" dirty="0">
+                <a:solidFill>
+                  <a:srgbClr val="0033B3"/>
+                </a:solidFill>
+                <a:effectLst/>
+                <a:latin typeface="JetBrains Mono"/>
+              </a:rPr>
+              <a:t>for </a:t>
+            </a:r>
+            <a:r>
+              <a:rPr lang="en-US" dirty="0" err="1">
+                <a:solidFill>
+                  <a:srgbClr val="000000"/>
+                </a:solidFill>
+                <a:effectLst/>
+                <a:latin typeface="JetBrains Mono"/>
+              </a:rPr>
+              <a:t>MerchandiserImpl</a:t>
+            </a:r>
+            <a:r>
+              <a:rPr lang="en-US" dirty="0">
+                <a:solidFill>
+                  <a:srgbClr val="000000"/>
+                </a:solidFill>
+                <a:effectLst/>
+                <a:latin typeface="JetBrains Mono"/>
+              </a:rPr>
+              <a:t> </a:t>
+            </a:r>
+            <a:r>
+              <a:rPr lang="en-US" dirty="0">
+                <a:solidFill>
+                  <a:srgbClr val="080808"/>
+                </a:solidFill>
+                <a:effectLst/>
+                <a:latin typeface="JetBrains Mono"/>
+              </a:rPr>
+              <a:t>{</a:t>
+            </a:r>
+            <a:br>
+              <a:rPr lang="en-US" dirty="0">
+                <a:solidFill>
+                  <a:srgbClr val="080808"/>
+                </a:solidFill>
+                <a:effectLst/>
+                <a:latin typeface="JetBrains Mono"/>
+              </a:rPr>
+            </a:br>
+            <a:r>
+              <a:rPr lang="en-US" dirty="0">
+                <a:solidFill>
+                  <a:srgbClr val="080808"/>
+                </a:solidFill>
+                <a:effectLst/>
+                <a:latin typeface="JetBrains Mono"/>
+              </a:rPr>
+              <a:t>    </a:t>
+            </a:r>
+            <a:r>
+              <a:rPr lang="en-US" dirty="0" err="1">
+                <a:solidFill>
+                  <a:srgbClr val="0033B3"/>
+                </a:solidFill>
+                <a:effectLst/>
+                <a:latin typeface="JetBrains Mono"/>
+              </a:rPr>
+              <a:t>fn</a:t>
+            </a:r>
+            <a:r>
+              <a:rPr lang="en-US" dirty="0">
+                <a:solidFill>
+                  <a:srgbClr val="0033B3"/>
+                </a:solidFill>
+                <a:effectLst/>
+                <a:latin typeface="JetBrains Mono"/>
+              </a:rPr>
+              <a:t> </a:t>
+            </a:r>
+            <a:r>
+              <a:rPr lang="en-US" dirty="0" err="1">
+                <a:solidFill>
+                  <a:srgbClr val="00627A"/>
+                </a:solidFill>
+                <a:effectLst/>
+                <a:latin typeface="JetBrains Mono"/>
+              </a:rPr>
+              <a:t>buy_goods</a:t>
+            </a:r>
+            <a:r>
+              <a:rPr lang="en-US" dirty="0">
+                <a:solidFill>
+                  <a:srgbClr val="080808"/>
+                </a:solidFill>
+                <a:effectLst/>
+                <a:latin typeface="JetBrains Mono"/>
+              </a:rPr>
+              <a:t>(&amp;</a:t>
+            </a:r>
+            <a:r>
+              <a:rPr lang="en-US" dirty="0">
+                <a:solidFill>
+                  <a:srgbClr val="0033B3"/>
+                </a:solidFill>
+                <a:effectLst/>
+                <a:latin typeface="JetBrains Mono"/>
+              </a:rPr>
+              <a:t>mut self</a:t>
+            </a:r>
+            <a:r>
+              <a:rPr lang="en-US" dirty="0">
+                <a:solidFill>
+                  <a:srgbClr val="080808"/>
+                </a:solidFill>
+                <a:effectLst/>
+                <a:latin typeface="JetBrains Mono"/>
+              </a:rPr>
+              <a:t>, goods: </a:t>
+            </a:r>
+            <a:r>
+              <a:rPr lang="en-US" dirty="0">
+                <a:solidFill>
+                  <a:srgbClr val="000000"/>
+                </a:solidFill>
+                <a:effectLst/>
+                <a:latin typeface="JetBrains Mono"/>
+              </a:rPr>
+              <a:t>Goods</a:t>
+            </a:r>
+            <a:r>
+              <a:rPr lang="en-US" dirty="0">
+                <a:solidFill>
+                  <a:srgbClr val="080808"/>
+                </a:solidFill>
+                <a:effectLst/>
+                <a:latin typeface="JetBrains Mono"/>
+              </a:rPr>
+              <a:t>) { </a:t>
+            </a:r>
+            <a:r>
+              <a:rPr lang="en-US" i="1" dirty="0" err="1">
+                <a:solidFill>
+                  <a:srgbClr val="008DDE"/>
+                </a:solidFill>
+                <a:effectLst/>
+                <a:latin typeface="JetBrains Mono"/>
+              </a:rPr>
+              <a:t>todo</a:t>
+            </a:r>
+            <a:r>
+              <a:rPr lang="en-US" i="1" dirty="0">
+                <a:solidFill>
+                  <a:srgbClr val="008DDE"/>
+                </a:solidFill>
+                <a:effectLst/>
+                <a:latin typeface="JetBrains Mono"/>
+              </a:rPr>
+              <a:t>!() </a:t>
+            </a:r>
+            <a:r>
+              <a:rPr lang="en-US" dirty="0">
+                <a:solidFill>
+                  <a:srgbClr val="080808"/>
+                </a:solidFill>
+                <a:effectLst/>
+                <a:latin typeface="JetBrains Mono"/>
+              </a:rPr>
+              <a:t>}</a:t>
+            </a:r>
+            <a:br>
+              <a:rPr lang="en-US" dirty="0">
+                <a:solidFill>
+                  <a:srgbClr val="080808"/>
+                </a:solidFill>
+                <a:effectLst/>
+                <a:latin typeface="JetBrains Mono"/>
+              </a:rPr>
+            </a:br>
+            <a:r>
+              <a:rPr lang="en-US" dirty="0">
+                <a:solidFill>
+                  <a:srgbClr val="080808"/>
+                </a:solidFill>
+                <a:effectLst/>
+                <a:latin typeface="JetBrains Mono"/>
+              </a:rPr>
+              <a:t>}</a:t>
+            </a:r>
+            <a:br>
+              <a:rPr lang="en-US" dirty="0">
+                <a:solidFill>
+                  <a:srgbClr val="080808"/>
+                </a:solidFill>
+                <a:effectLst/>
+                <a:latin typeface="JetBrains Mono"/>
+              </a:rPr>
+            </a:br>
+            <a:endParaRPr lang="en-US" dirty="0">
+              <a:solidFill>
+                <a:srgbClr val="080808"/>
+              </a:solidFill>
+              <a:effectLst/>
+              <a:latin typeface="JetBrains Mono"/>
+            </a:endParaRPr>
+          </a:p>
+          <a:p>
+            <a:pPr marL="0" indent="0">
+              <a:buNone/>
+            </a:pPr>
+            <a:r>
+              <a:rPr lang="en-US" dirty="0" err="1">
+                <a:solidFill>
+                  <a:srgbClr val="0033B3"/>
+                </a:solidFill>
+                <a:effectLst/>
+                <a:latin typeface="JetBrains Mono"/>
+              </a:rPr>
+              <a:t>impl</a:t>
+            </a:r>
+            <a:r>
+              <a:rPr lang="en-US" dirty="0">
+                <a:solidFill>
+                  <a:srgbClr val="0033B3"/>
+                </a:solidFill>
+                <a:effectLst/>
+                <a:latin typeface="JetBrains Mono"/>
+              </a:rPr>
+              <a:t> </a:t>
+            </a:r>
+            <a:r>
+              <a:rPr lang="en-US" dirty="0">
+                <a:solidFill>
+                  <a:srgbClr val="000000"/>
+                </a:solidFill>
+                <a:effectLst/>
+                <a:latin typeface="JetBrains Mono"/>
+              </a:rPr>
+              <a:t>Merchandiser </a:t>
+            </a:r>
+            <a:r>
+              <a:rPr lang="en-US" dirty="0">
+                <a:solidFill>
+                  <a:srgbClr val="0033B3"/>
+                </a:solidFill>
+                <a:effectLst/>
+                <a:latin typeface="JetBrains Mono"/>
+              </a:rPr>
+              <a:t>for </a:t>
+            </a:r>
+            <a:r>
+              <a:rPr lang="en-US" dirty="0" err="1">
+                <a:solidFill>
+                  <a:srgbClr val="000000"/>
+                </a:solidFill>
+                <a:effectLst/>
+                <a:latin typeface="JetBrains Mono"/>
+              </a:rPr>
+              <a:t>MerchandiserImpl</a:t>
+            </a:r>
+            <a:r>
+              <a:rPr lang="en-US" dirty="0">
+                <a:solidFill>
+                  <a:srgbClr val="000000"/>
+                </a:solidFill>
+                <a:effectLst/>
+                <a:latin typeface="JetBrains Mono"/>
+              </a:rPr>
+              <a:t> </a:t>
+            </a:r>
+            <a:r>
+              <a:rPr lang="en-US" dirty="0">
+                <a:solidFill>
+                  <a:srgbClr val="080808"/>
+                </a:solidFill>
+                <a:effectLst/>
+                <a:latin typeface="JetBrains Mono"/>
+              </a:rPr>
+              <a:t>{</a:t>
+            </a:r>
+            <a:br>
+              <a:rPr lang="en-US" dirty="0">
+                <a:solidFill>
+                  <a:srgbClr val="080808"/>
+                </a:solidFill>
+                <a:effectLst/>
+                <a:latin typeface="JetBrains Mono"/>
+              </a:rPr>
+            </a:br>
+            <a:r>
+              <a:rPr lang="en-US" dirty="0">
+                <a:solidFill>
+                  <a:srgbClr val="080808"/>
+                </a:solidFill>
+                <a:effectLst/>
+                <a:latin typeface="JetBrains Mono"/>
+              </a:rPr>
+              <a:t>    </a:t>
+            </a:r>
+            <a:r>
+              <a:rPr lang="en-US" dirty="0" err="1">
+                <a:solidFill>
+                  <a:srgbClr val="0033B3"/>
+                </a:solidFill>
+                <a:effectLst/>
+                <a:latin typeface="JetBrains Mono"/>
+              </a:rPr>
+              <a:t>fn</a:t>
+            </a:r>
+            <a:r>
+              <a:rPr lang="en-US" dirty="0">
+                <a:solidFill>
+                  <a:srgbClr val="0033B3"/>
+                </a:solidFill>
+                <a:effectLst/>
+                <a:latin typeface="JetBrains Mono"/>
+              </a:rPr>
+              <a:t> </a:t>
+            </a:r>
+            <a:r>
+              <a:rPr lang="en-US" dirty="0" err="1">
+                <a:solidFill>
+                  <a:srgbClr val="00627A"/>
+                </a:solidFill>
+                <a:effectLst/>
+                <a:latin typeface="JetBrains Mono"/>
+              </a:rPr>
+              <a:t>stock_items</a:t>
+            </a:r>
+            <a:r>
+              <a:rPr lang="en-US" dirty="0">
+                <a:solidFill>
+                  <a:srgbClr val="080808"/>
+                </a:solidFill>
+                <a:effectLst/>
+                <a:latin typeface="JetBrains Mono"/>
+              </a:rPr>
+              <a:t>(&amp;</a:t>
+            </a:r>
+            <a:r>
+              <a:rPr lang="en-US" dirty="0">
+                <a:solidFill>
+                  <a:srgbClr val="0033B3"/>
+                </a:solidFill>
+                <a:effectLst/>
+                <a:latin typeface="JetBrains Mono"/>
+              </a:rPr>
+              <a:t>self</a:t>
+            </a:r>
+            <a:r>
+              <a:rPr lang="en-US" dirty="0">
+                <a:solidFill>
+                  <a:srgbClr val="080808"/>
+                </a:solidFill>
+                <a:effectLst/>
+                <a:latin typeface="JetBrains Mono"/>
+              </a:rPr>
+              <a:t>, items: </a:t>
+            </a:r>
+            <a:r>
+              <a:rPr lang="en-US" dirty="0">
+                <a:solidFill>
+                  <a:srgbClr val="000000"/>
+                </a:solidFill>
+                <a:effectLst/>
+                <a:latin typeface="JetBrains Mono"/>
+              </a:rPr>
+              <a:t>Goods</a:t>
+            </a:r>
+            <a:r>
+              <a:rPr lang="en-US" dirty="0">
+                <a:solidFill>
+                  <a:srgbClr val="080808"/>
+                </a:solidFill>
+                <a:effectLst/>
+                <a:latin typeface="JetBrains Mono"/>
+              </a:rPr>
+              <a:t>) { </a:t>
+            </a:r>
+            <a:r>
+              <a:rPr lang="en-US" i="1" dirty="0" err="1">
+                <a:solidFill>
+                  <a:srgbClr val="008DDE"/>
+                </a:solidFill>
+                <a:effectLst/>
+                <a:latin typeface="JetBrains Mono"/>
+              </a:rPr>
+              <a:t>todo</a:t>
+            </a:r>
+            <a:r>
+              <a:rPr lang="en-US" i="1" dirty="0">
+                <a:solidFill>
+                  <a:srgbClr val="008DDE"/>
+                </a:solidFill>
+                <a:effectLst/>
+                <a:latin typeface="JetBrains Mono"/>
+              </a:rPr>
+              <a:t>!() </a:t>
+            </a:r>
+            <a:r>
+              <a:rPr lang="en-US" dirty="0">
+                <a:solidFill>
+                  <a:srgbClr val="080808"/>
+                </a:solidFill>
+                <a:effectLst/>
+                <a:latin typeface="JetBrains Mono"/>
+              </a:rPr>
+              <a:t>}</a:t>
+            </a:r>
+            <a:br>
+              <a:rPr lang="en-US" dirty="0">
+                <a:solidFill>
+                  <a:srgbClr val="080808"/>
+                </a:solidFill>
+                <a:effectLst/>
+                <a:latin typeface="JetBrains Mono"/>
+              </a:rPr>
+            </a:br>
+            <a:r>
+              <a:rPr lang="en-US" dirty="0">
+                <a:solidFill>
+                  <a:srgbClr val="080808"/>
+                </a:solidFill>
+                <a:effectLst/>
+                <a:latin typeface="JetBrains Mono"/>
+              </a:rPr>
+              <a:t>}</a:t>
+            </a:r>
+          </a:p>
+          <a:p>
+            <a:pPr marL="0" indent="0">
+              <a:buNone/>
+            </a:pPr>
+            <a:endParaRPr lang="ru-RU" dirty="0"/>
+          </a:p>
+        </p:txBody>
+      </p:sp>
+    </p:spTree>
+    <p:extLst>
+      <p:ext uri="{BB962C8B-B14F-4D97-AF65-F5344CB8AC3E}">
+        <p14:creationId xmlns:p14="http://schemas.microsoft.com/office/powerpoint/2010/main" val="169315777"/>
+      </p:ext>
+    </p:extLst>
+  </p:cSld>
+  <p:clrMapOvr>
+    <a:masterClrMapping/>
+  </p:clrMapOvr>
+  <p:timing>
+    <p:tnLst>
+      <p:par>
+        <p:cTn id="1" dur="indefinite" restart="never" nodeType="tmRoot">
+          <p:childTnLst>
+            <p:seq concurrent="1" nextAc="seek">
+              <p:cTn id="2" dur="indefinite" nodeType="mainSeq">
+                <p:childTnLst>
+                  <p:par>
+                    <p:cTn id="3" fill="hold">
+                      <p:stCondLst>
+                        <p:cond delay="indefinite"/>
+                      </p:stCondLst>
+                      <p:childTnLst>
+                        <p:par>
+                          <p:cTn id="4" fill="hold">
+                            <p:stCondLst>
+                              <p:cond delay="0"/>
+                            </p:stCondLst>
+                            <p:childTnLst>
+                              <p:par>
+                                <p:cTn id="5" presetID="1" presetClass="entr" presetSubtype="0" fill="hold" grpId="0" nodeType="clickEffect">
+                                  <p:stCondLst>
+                                    <p:cond delay="0"/>
+                                  </p:stCondLst>
+                                  <p:childTnLst>
+                                    <p:set>
+                                      <p:cBhvr>
+                                        <p:cTn id="6" dur="1" fill="hold">
+                                          <p:stCondLst>
+                                            <p:cond delay="0"/>
+                                          </p:stCondLst>
+                                        </p:cTn>
+                                        <p:tgtEl>
+                                          <p:spTgt spid="5">
+                                            <p:txEl>
+                                              <p:pRg st="2" end="2"/>
+                                            </p:txEl>
+                                          </p:spTgt>
+                                        </p:tgtEl>
+                                        <p:attrNameLst>
+                                          <p:attrName>style.visibility</p:attrName>
+                                        </p:attrNameLst>
+                                      </p:cBhvr>
+                                      <p:to>
+                                        <p:strVal val="visible"/>
+                                      </p:to>
+                                    </p:set>
+                                  </p:childTnLst>
+                                </p:cTn>
+                              </p:par>
+                            </p:childTnLst>
+                          </p:cTn>
+                        </p:par>
+                      </p:childTnLst>
+                    </p:cTn>
+                  </p:par>
+                  <p:par>
+                    <p:cTn id="7" fill="hold">
+                      <p:stCondLst>
+                        <p:cond delay="indefinite"/>
+                      </p:stCondLst>
+                      <p:childTnLst>
+                        <p:par>
+                          <p:cTn id="8" fill="hold">
+                            <p:stCondLst>
+                              <p:cond delay="0"/>
+                            </p:stCondLst>
+                            <p:childTnLst>
+                              <p:par>
+                                <p:cTn id="9" presetID="1" presetClass="entr" presetSubtype="0" fill="hold" grpId="0" nodeType="clickEffect">
+                                  <p:stCondLst>
+                                    <p:cond delay="0"/>
+                                  </p:stCondLst>
+                                  <p:childTnLst>
+                                    <p:set>
+                                      <p:cBhvr>
+                                        <p:cTn id="10" dur="1" fill="hold">
+                                          <p:stCondLst>
+                                            <p:cond delay="0"/>
+                                          </p:stCondLst>
+                                        </p:cTn>
+                                        <p:tgtEl>
+                                          <p:spTgt spid="5">
+                                            <p:txEl>
+                                              <p:pRg st="3" end="3"/>
+                                            </p:txEl>
+                                          </p:spTgt>
+                                        </p:tgtEl>
+                                        <p:attrNameLst>
+                                          <p:attrName>style.visibility</p:attrName>
+                                        </p:attrNameLst>
+                                      </p:cBhvr>
+                                      <p:to>
+                                        <p:strVal val="visible"/>
+                                      </p:to>
+                                    </p:set>
+                                  </p:childTnLst>
+                                </p:cTn>
+                              </p:par>
+                            </p:childTnLst>
+                          </p:cTn>
+                        </p:par>
+                      </p:childTnLst>
+                    </p:cTn>
+                  </p:par>
+                  <p:par>
+                    <p:cTn id="11" fill="hold">
+                      <p:stCondLst>
+                        <p:cond delay="indefinite"/>
+                      </p:stCondLst>
+                      <p:childTnLst>
+                        <p:par>
+                          <p:cTn id="12" fill="hold">
+                            <p:stCondLst>
+                              <p:cond delay="0"/>
+                            </p:stCondLst>
+                            <p:childTnLst>
+                              <p:par>
+                                <p:cTn id="13" presetID="1" presetClass="entr" presetSubtype="0" fill="hold" grpId="0" nodeType="clickEffect">
+                                  <p:stCondLst>
+                                    <p:cond delay="0"/>
+                                  </p:stCondLst>
+                                  <p:childTnLst>
+                                    <p:set>
+                                      <p:cBhvr>
+                                        <p:cTn id="14" dur="1" fill="hold">
+                                          <p:stCondLst>
+                                            <p:cond delay="0"/>
+                                          </p:stCondLst>
+                                        </p:cTn>
+                                        <p:tgtEl>
+                                          <p:spTgt spid="5">
+                                            <p:txEl>
+                                              <p:pRg st="4" end="4"/>
+                                            </p:txEl>
+                                          </p:spTgt>
+                                        </p:tgtEl>
+                                        <p:attrNameLst>
+                                          <p:attrName>style.visibility</p:attrName>
+                                        </p:attrNameLst>
+                                      </p:cBhvr>
+                                      <p:to>
+                                        <p:strVal val="visible"/>
+                                      </p:to>
+                                    </p:set>
+                                  </p:childTnLst>
+                                </p:cTn>
+                              </p:par>
+                            </p:childTnLst>
+                          </p:cTn>
+                        </p:par>
+                      </p:childTnLst>
+                    </p:cTn>
+                  </p:par>
+                </p:childTnLst>
+              </p:cTn>
+              <p:prevCondLst>
+                <p:cond evt="onPrev" delay="0">
+                  <p:tgtEl>
+                    <p:sldTgt/>
+                  </p:tgtEl>
+                </p:cond>
+              </p:prevCondLst>
+              <p:nextCondLst>
+                <p:cond evt="onNext" delay="0">
+                  <p:tgtEl>
+                    <p:sldTgt/>
+                  </p:tgtEl>
+                </p:cond>
+              </p:nextCondLst>
+            </p:seq>
+          </p:childTnLst>
+        </p:cTn>
+      </p:par>
+    </p:tnLst>
+    <p:bldLst>
+      <p:bldP spid="5" grpId="0" uiExpand="1" build="p"/>
     </p:bldLst>
   </p:timing>
 </p:sld>
